--- a/HW5/HW5-2 顯示乒乓球及(球改成圖片bouns)/HW5-2 顯示乒乓球(及球改成圖片bouns).pptx
+++ b/HW5/HW5-2 顯示乒乓球及(球改成圖片bouns)/HW5-2 顯示乒乓球(及球改成圖片bouns).pptx
@@ -5,32 +5,24 @@
     <p:sldMasterId id="2147483648" r:id="rId1"/>
   </p:sldMasterIdLst>
   <p:notesMasterIdLst>
-    <p:notesMasterId r:id="rId22"/>
+    <p:notesMasterId r:id="rId14"/>
   </p:notesMasterIdLst>
   <p:handoutMasterIdLst>
-    <p:handoutMasterId r:id="rId23"/>
+    <p:handoutMasterId r:id="rId15"/>
   </p:handoutMasterIdLst>
   <p:sldIdLst>
     <p:sldId id="259" r:id="rId2"/>
     <p:sldId id="277" r:id="rId3"/>
-    <p:sldId id="279" r:id="rId4"/>
-    <p:sldId id="273" r:id="rId5"/>
-    <p:sldId id="274" r:id="rId6"/>
-    <p:sldId id="275" r:id="rId7"/>
-    <p:sldId id="281" r:id="rId8"/>
-    <p:sldId id="280" r:id="rId9"/>
-    <p:sldId id="276" r:id="rId10"/>
-    <p:sldId id="260" r:id="rId11"/>
-    <p:sldId id="262" r:id="rId12"/>
-    <p:sldId id="263" r:id="rId13"/>
-    <p:sldId id="264" r:id="rId14"/>
-    <p:sldId id="265" r:id="rId15"/>
-    <p:sldId id="266" r:id="rId16"/>
-    <p:sldId id="267" r:id="rId17"/>
-    <p:sldId id="269" r:id="rId18"/>
-    <p:sldId id="268" r:id="rId19"/>
-    <p:sldId id="271" r:id="rId20"/>
-    <p:sldId id="270" r:id="rId21"/>
+    <p:sldId id="260" r:id="rId4"/>
+    <p:sldId id="262" r:id="rId5"/>
+    <p:sldId id="279" r:id="rId6"/>
+    <p:sldId id="273" r:id="rId7"/>
+    <p:sldId id="1348" r:id="rId8"/>
+    <p:sldId id="274" r:id="rId9"/>
+    <p:sldId id="1347" r:id="rId10"/>
+    <p:sldId id="1349" r:id="rId11"/>
+    <p:sldId id="275" r:id="rId12"/>
+    <p:sldId id="281" r:id="rId13"/>
   </p:sldIdLst>
   <p:sldSz cx="12192000" cy="6858000"/>
   <p:notesSz cx="6858000" cy="9144000"/>
@@ -137,31 +129,19 @@
             <p14:sldId id="259"/>
           </p14:sldIdLst>
         </p14:section>
-        <p14:section name="乒乓球" id="{50C51D32-7315-4F19-9ABD-7D92A5292068}">
+        <p14:section name="VGA兵乓球" id="{50C51D32-7315-4F19-9ABD-7D92A5292068}">
           <p14:sldIdLst>
             <p14:sldId id="277"/>
+            <p14:sldId id="260"/>
+            <p14:sldId id="262"/>
             <p14:sldId id="279"/>
             <p14:sldId id="273"/>
+            <p14:sldId id="1348"/>
             <p14:sldId id="274"/>
+            <p14:sldId id="1347"/>
+            <p14:sldId id="1349"/>
             <p14:sldId id="275"/>
             <p14:sldId id="281"/>
-            <p14:sldId id="280"/>
-            <p14:sldId id="276"/>
-            <p14:sldId id="260"/>
-            <p14:sldId id="262"/>
-            <p14:sldId id="263"/>
-            <p14:sldId id="264"/>
-            <p14:sldId id="265"/>
-            <p14:sldId id="266"/>
-            <p14:sldId id="267"/>
-            <p14:sldId id="269"/>
-            <p14:sldId id="268"/>
-          </p14:sldIdLst>
-        </p14:section>
-        <p14:section name="修改版" id="{B2E4B9B4-4939-4ED4-B0EF-C3DA5D862633}">
-          <p14:sldIdLst>
-            <p14:sldId id="271"/>
-            <p14:sldId id="270"/>
           </p14:sldIdLst>
         </p14:section>
       </p14:sectionLst>
@@ -1852,20 +1832,6 @@
 </pc:chgInfo>
 </file>
 
-<file path=ppt/comments/comment1.xml><?xml version="1.0" encoding="utf-8"?>
-<p:cmLst xmlns:a="http://schemas.openxmlformats.org/drawingml/2006/main" xmlns:r="http://schemas.openxmlformats.org/officeDocument/2006/relationships" xmlns:p="http://schemas.openxmlformats.org/presentationml/2006/main">
-  <p:cm authorId="1" dt="2024-11-19T19:20:29.391" idx="3">
-    <p:pos x="10" y="10"/>
-    <p:text/>
-    <p:extLst>
-      <p:ext uri="{C676402C-5697-4E1C-873F-D02D1690AC5C}">
-        <p15:threadingInfo xmlns:p15="http://schemas.microsoft.com/office/powerpoint/2012/main" timeZoneBias="-480"/>
-      </p:ext>
-    </p:extLst>
-  </p:cm>
-</p:cmLst>
-</file>
-
 <file path=ppt/handoutMasters/handoutMaster1.xml><?xml version="1.0" encoding="utf-8"?>
 <p:handoutMaster xmlns:a="http://schemas.openxmlformats.org/drawingml/2006/main" xmlns:r="http://schemas.openxmlformats.org/officeDocument/2006/relationships" xmlns:p="http://schemas.openxmlformats.org/presentationml/2006/main">
   <p:cSld>
@@ -1952,7 +1918,7 @@
               <a:rPr lang="zh-TW" altLang="en-US" smtClean="0">
                 <a:ea typeface="標楷體" panose="03000509000000000000" pitchFamily="65" charset="-120"/>
               </a:rPr>
-              <a:t>2024/12/18</a:t>
+              <a:t>2024/12/19</a:t>
             </a:fld>
             <a:endParaRPr lang="zh-TW" altLang="en-US">
               <a:ea typeface="標楷體" panose="03000509000000000000" pitchFamily="65" charset="-120"/>
@@ -2130,7 +2096,7 @@
             <a:fld id="{2CB905C5-9D54-40E2-B40C-7996280CAB02}" type="datetimeFigureOut">
               <a:rPr lang="zh-TW" altLang="en-US" smtClean="0"/>
               <a:pPr/>
-              <a:t>2024/12/18</a:t>
+              <a:t>2024/12/19</a:t>
             </a:fld>
             <a:endParaRPr lang="zh-TW" altLang="en-US"/>
           </a:p>
@@ -2620,7 +2586,7 @@
           <a:p>
             <a:fld id="{0C0CC965-A63A-473D-BEFB-C8F9714D5269}" type="datetimeFigureOut">
               <a:rPr lang="zh-TW" altLang="en-US" smtClean="0"/>
-              <a:t>2024/12/18</a:t>
+              <a:t>2024/12/19</a:t>
             </a:fld>
             <a:endParaRPr lang="zh-TW" altLang="en-US"/>
           </a:p>
@@ -2788,7 +2754,7 @@
           <a:p>
             <a:fld id="{0C0CC965-A63A-473D-BEFB-C8F9714D5269}" type="datetimeFigureOut">
               <a:rPr lang="zh-TW" altLang="en-US" smtClean="0"/>
-              <a:t>2024/12/18</a:t>
+              <a:t>2024/12/19</a:t>
             </a:fld>
             <a:endParaRPr lang="zh-TW" altLang="en-US"/>
           </a:p>
@@ -2966,7 +2932,7 @@
           <a:p>
             <a:fld id="{0C0CC965-A63A-473D-BEFB-C8F9714D5269}" type="datetimeFigureOut">
               <a:rPr lang="zh-TW" altLang="en-US" smtClean="0"/>
-              <a:t>2024/12/18</a:t>
+              <a:t>2024/12/19</a:t>
             </a:fld>
             <a:endParaRPr lang="zh-TW" altLang="en-US"/>
           </a:p>
@@ -3161,7 +3127,7 @@
           <a:p>
             <a:fld id="{0C0CC965-A63A-473D-BEFB-C8F9714D5269}" type="datetimeFigureOut">
               <a:rPr lang="zh-TW" altLang="en-US" smtClean="0"/>
-              <a:t>2024/12/18</a:t>
+              <a:t>2024/12/19</a:t>
             </a:fld>
             <a:endParaRPr lang="zh-TW" altLang="en-US"/>
           </a:p>
@@ -3406,7 +3372,7 @@
           <a:p>
             <a:fld id="{0C0CC965-A63A-473D-BEFB-C8F9714D5269}" type="datetimeFigureOut">
               <a:rPr lang="zh-TW" altLang="en-US" smtClean="0"/>
-              <a:t>2024/12/18</a:t>
+              <a:t>2024/12/19</a:t>
             </a:fld>
             <a:endParaRPr lang="zh-TW" altLang="en-US"/>
           </a:p>
@@ -3635,7 +3601,7 @@
           <a:p>
             <a:fld id="{0C0CC965-A63A-473D-BEFB-C8F9714D5269}" type="datetimeFigureOut">
               <a:rPr lang="zh-TW" altLang="en-US" smtClean="0"/>
-              <a:t>2024/12/18</a:t>
+              <a:t>2024/12/19</a:t>
             </a:fld>
             <a:endParaRPr lang="zh-TW" altLang="en-US"/>
           </a:p>
@@ -3999,7 +3965,7 @@
           <a:p>
             <a:fld id="{0C0CC965-A63A-473D-BEFB-C8F9714D5269}" type="datetimeFigureOut">
               <a:rPr lang="zh-TW" altLang="en-US" smtClean="0"/>
-              <a:t>2024/12/18</a:t>
+              <a:t>2024/12/19</a:t>
             </a:fld>
             <a:endParaRPr lang="zh-TW" altLang="en-US"/>
           </a:p>
@@ -4116,7 +4082,7 @@
           <a:p>
             <a:fld id="{0C0CC965-A63A-473D-BEFB-C8F9714D5269}" type="datetimeFigureOut">
               <a:rPr lang="zh-TW" altLang="en-US" smtClean="0"/>
-              <a:t>2024/12/18</a:t>
+              <a:t>2024/12/19</a:t>
             </a:fld>
             <a:endParaRPr lang="zh-TW" altLang="en-US"/>
           </a:p>
@@ -4211,7 +4177,7 @@
           <a:p>
             <a:fld id="{0C0CC965-A63A-473D-BEFB-C8F9714D5269}" type="datetimeFigureOut">
               <a:rPr lang="zh-TW" altLang="en-US" smtClean="0"/>
-              <a:t>2024/12/18</a:t>
+              <a:t>2024/12/19</a:t>
             </a:fld>
             <a:endParaRPr lang="zh-TW" altLang="en-US"/>
           </a:p>
@@ -4486,7 +4452,7 @@
           <a:p>
             <a:fld id="{0C0CC965-A63A-473D-BEFB-C8F9714D5269}" type="datetimeFigureOut">
               <a:rPr lang="zh-TW" altLang="en-US" smtClean="0"/>
-              <a:t>2024/12/18</a:t>
+              <a:t>2024/12/19</a:t>
             </a:fld>
             <a:endParaRPr lang="zh-TW" altLang="en-US"/>
           </a:p>
@@ -4738,7 +4704,7 @@
           <a:p>
             <a:fld id="{0C0CC965-A63A-473D-BEFB-C8F9714D5269}" type="datetimeFigureOut">
               <a:rPr lang="zh-TW" altLang="en-US" smtClean="0"/>
-              <a:t>2024/12/18</a:t>
+              <a:t>2024/12/19</a:t>
             </a:fld>
             <a:endParaRPr lang="zh-TW" altLang="en-US"/>
           </a:p>
@@ -4952,7 +4918,7 @@
             <a:fld id="{0C0CC965-A63A-473D-BEFB-C8F9714D5269}" type="datetimeFigureOut">
               <a:rPr lang="zh-TW" altLang="en-US" smtClean="0"/>
               <a:pPr/>
-              <a:t>2024/12/18</a:t>
+              <a:t>2024/12/19</a:t>
             </a:fld>
             <a:endParaRPr lang="zh-TW" altLang="en-US"/>
           </a:p>
@@ -5488,21 +5454,32 @@
                 <a:spcPct val="125000"/>
               </a:lnSpc>
             </a:pPr>
+            <a:r>
+              <a:rPr lang="en-US" altLang="zh-TW" sz="4000" b="0" dirty="0"/>
+              <a:t>VGA</a:t>
+            </a:r>
             <a:br>
               <a:rPr lang="en-US" altLang="zh-TW" sz="4000" b="0" dirty="0"/>
             </a:br>
             <a:r>
               <a:rPr lang="en-US" altLang="zh-TW" sz="4000" b="0" dirty="0"/>
-              <a:t>VGA</a:t>
+              <a:t>HW5-2</a:t>
             </a:r>
             <a:br>
               <a:rPr lang="en-US" altLang="zh-TW" sz="4000" b="0" dirty="0"/>
             </a:br>
             <a:r>
+              <a:rPr lang="zh-TW" altLang="en-US" sz="4000" b="0" dirty="0"/>
+              <a:t>在</a:t>
+            </a:r>
+            <a:r>
               <a:rPr lang="en-US" altLang="zh-TW" sz="4000" b="0" dirty="0"/>
-              <a:t>HW5-2</a:t>
-            </a:r>
-            <a:endParaRPr lang="zh-TW" altLang="en-US" sz="4000" b="0" dirty="0"/>
+              <a:t>VGA</a:t>
+            </a:r>
+            <a:r>
+              <a:rPr lang="zh-TW" altLang="en-US" sz="4000" b="0" dirty="0"/>
+              <a:t>上顯示乒乓球</a:t>
+            </a:r>
           </a:p>
         </p:txBody>
       </p:sp>
@@ -5680,21 +5657,88 @@
           <a:chExt cx="0" cy="0"/>
         </a:xfrm>
       </p:grpSpPr>
+      <p:sp>
+        <p:nvSpPr>
+          <p:cNvPr id="2" name="內容版面配置區 1">
+            <a:extLst>
+              <a:ext uri="{FF2B5EF4-FFF2-40B4-BE49-F238E27FC236}">
+                <a16:creationId xmlns:a16="http://schemas.microsoft.com/office/drawing/2014/main" id="{B525A311-68AB-BD22-E27A-2AAA49CBCBFE}"/>
+              </a:ext>
+            </a:extLst>
+          </p:cNvPr>
+          <p:cNvSpPr>
+            <a:spLocks noGrp="1"/>
+          </p:cNvSpPr>
+          <p:nvPr>
+            <p:ph idx="1"/>
+          </p:nvPr>
+        </p:nvSpPr>
+        <p:spPr/>
+        <p:txBody>
+          <a:bodyPr>
+            <a:normAutofit/>
+          </a:bodyPr>
+          <a:lstStyle/>
+          <a:p>
+            <a:pPr marL="0" indent="0">
+              <a:buNone/>
+            </a:pPr>
+            <a:endParaRPr lang="en-US" altLang="zh-TW" sz="1800" dirty="0"/>
+          </a:p>
+          <a:p>
+            <a:pPr marL="0" indent="0">
+              <a:buNone/>
+            </a:pPr>
+            <a:endParaRPr lang="zh-TW" altLang="en-US" sz="4000" dirty="0"/>
+          </a:p>
+        </p:txBody>
+      </p:sp>
+      <p:sp>
+        <p:nvSpPr>
+          <p:cNvPr id="3" name="標題 2">
+            <a:extLst>
+              <a:ext uri="{FF2B5EF4-FFF2-40B4-BE49-F238E27FC236}">
+                <a16:creationId xmlns:a16="http://schemas.microsoft.com/office/drawing/2014/main" id="{8D7FFDD0-BE25-7357-D7E4-D0B5F2CB6B07}"/>
+              </a:ext>
+            </a:extLst>
+          </p:cNvPr>
+          <p:cNvSpPr>
+            <a:spLocks noGrp="1"/>
+          </p:cNvSpPr>
+          <p:nvPr>
+            <p:ph type="title"/>
+          </p:nvPr>
+        </p:nvSpPr>
+        <p:spPr/>
+        <p:txBody>
+          <a:bodyPr/>
+          <a:lstStyle/>
+          <a:p>
+            <a:r>
+              <a:rPr lang="zh-TW" altLang="en-US" dirty="0"/>
+              <a:t>把球改成</a:t>
+            </a:r>
+            <a:r>
+              <a:rPr lang="en-US" altLang="zh-TW" dirty="0"/>
+              <a:t>bram</a:t>
+            </a:r>
+            <a:endParaRPr lang="zh-TW" altLang="en-US" dirty="0"/>
+          </a:p>
+        </p:txBody>
+      </p:sp>
       <p:pic>
         <p:nvPicPr>
-          <p:cNvPr id="5" name="內容版面配置區 4">
+          <p:cNvPr id="5" name="圖片 4">
             <a:extLst>
               <a:ext uri="{FF2B5EF4-FFF2-40B4-BE49-F238E27FC236}">
-                <a16:creationId xmlns:a16="http://schemas.microsoft.com/office/drawing/2014/main" id="{F024D282-5732-4CA9-BCEB-643339F77495}"/>
+                <a16:creationId xmlns:a16="http://schemas.microsoft.com/office/drawing/2014/main" id="{88902D89-464C-60A6-AF6F-603A639F3D68}"/>
               </a:ext>
             </a:extLst>
           </p:cNvPr>
           <p:cNvPicPr>
-            <a:picLocks noGrp="1" noChangeAspect="1"/>
+            <a:picLocks noChangeAspect="1"/>
           </p:cNvPicPr>
-          <p:nvPr>
-            <p:ph idx="1"/>
-          </p:nvPr>
+          <p:nvPr/>
         </p:nvPicPr>
         <p:blipFill>
           <a:blip r:embed="rId2">
@@ -5710,9 +5754,12 @@
         </p:blipFill>
         <p:spPr>
           <a:xfrm>
-            <a:off x="2652243" y="1220399"/>
-            <a:ext cx="6887513" cy="5037137"/>
+            <a:off x="1393596" y="1971728"/>
+            <a:ext cx="3658111" cy="1743318"/>
           </a:xfrm>
+          <a:prstGeom prst="rect">
+            <a:avLst/>
+          </a:prstGeom>
           <a:ln w="19050">
             <a:solidFill>
               <a:srgbClr val="FF0000"/>
@@ -5720,39 +5767,231 @@
           </a:ln>
         </p:spPr>
       </p:pic>
-      <p:sp>
-        <p:nvSpPr>
-          <p:cNvPr id="3" name="標題 2">
+      <p:pic>
+        <p:nvPicPr>
+          <p:cNvPr id="7" name="圖片 6">
             <a:extLst>
               <a:ext uri="{FF2B5EF4-FFF2-40B4-BE49-F238E27FC236}">
-                <a16:creationId xmlns:a16="http://schemas.microsoft.com/office/drawing/2014/main" id="{6A775950-F0C7-92C5-3293-1A03D84EF6E2}"/>
+                <a16:creationId xmlns:a16="http://schemas.microsoft.com/office/drawing/2014/main" id="{4EB5020B-3A87-5595-5029-85C217127A93}"/>
               </a:ext>
             </a:extLst>
           </p:cNvPr>
-          <p:cNvSpPr>
-            <a:spLocks noGrp="1"/>
-          </p:cNvSpPr>
-          <p:nvPr>
-            <p:ph type="title"/>
-          </p:nvPr>
-        </p:nvSpPr>
-        <p:spPr/>
-        <p:txBody>
-          <a:bodyPr/>
+          <p:cNvPicPr>
+            <a:picLocks noChangeAspect="1"/>
+          </p:cNvPicPr>
+          <p:nvPr/>
+        </p:nvPicPr>
+        <p:blipFill>
+          <a:blip r:embed="rId3">
+            <a:extLst>
+              <a:ext uri="{28A0092B-C50C-407E-A947-70E740481C1C}">
+                <a14:useLocalDpi xmlns:a14="http://schemas.microsoft.com/office/drawing/2010/main" val="0"/>
+              </a:ext>
+            </a:extLst>
+          </a:blip>
+          <a:stretch>
+            <a:fillRect/>
+          </a:stretch>
+        </p:blipFill>
+        <p:spPr>
+          <a:xfrm>
+            <a:off x="1393595" y="4737739"/>
+            <a:ext cx="3829584" cy="762106"/>
+          </a:xfrm>
+          <a:prstGeom prst="rect">
+            <a:avLst/>
+          </a:prstGeom>
+          <a:ln w="19050">
+            <a:solidFill>
+              <a:srgbClr val="FF0000"/>
+            </a:solidFill>
+          </a:ln>
+        </p:spPr>
+      </p:pic>
+      <p:pic>
+        <p:nvPicPr>
+          <p:cNvPr id="9" name="圖片 8">
+            <a:extLst>
+              <a:ext uri="{FF2B5EF4-FFF2-40B4-BE49-F238E27FC236}">
+                <a16:creationId xmlns:a16="http://schemas.microsoft.com/office/drawing/2014/main" id="{08924B45-5040-DC84-8F09-14D11488C468}"/>
+              </a:ext>
+            </a:extLst>
+          </p:cNvPr>
+          <p:cNvPicPr>
+            <a:picLocks noChangeAspect="1"/>
+          </p:cNvPicPr>
+          <p:nvPr/>
+        </p:nvPicPr>
+        <p:blipFill>
+          <a:blip r:embed="rId4">
+            <a:extLst>
+              <a:ext uri="{28A0092B-C50C-407E-A947-70E740481C1C}">
+                <a14:useLocalDpi xmlns:a14="http://schemas.microsoft.com/office/drawing/2010/main" val="0"/>
+              </a:ext>
+            </a:extLst>
+          </a:blip>
+          <a:stretch>
+            <a:fillRect/>
+          </a:stretch>
+        </p:blipFill>
+        <p:spPr>
+          <a:xfrm>
+            <a:off x="6144450" y="2056013"/>
+            <a:ext cx="3534268" cy="1648055"/>
+          </a:xfrm>
+          <a:prstGeom prst="rect">
+            <a:avLst/>
+          </a:prstGeom>
+          <a:ln w="19050">
+            <a:solidFill>
+              <a:srgbClr val="FF0000"/>
+            </a:solidFill>
+          </a:ln>
+        </p:spPr>
+      </p:pic>
+      <p:sp>
+        <p:nvSpPr>
+          <p:cNvPr id="10" name="文字方塊 9">
+            <a:extLst>
+              <a:ext uri="{FF2B5EF4-FFF2-40B4-BE49-F238E27FC236}">
+                <a16:creationId xmlns:a16="http://schemas.microsoft.com/office/drawing/2014/main" id="{F398170B-D98F-42B6-C4B9-57774572679E}"/>
+              </a:ext>
+            </a:extLst>
+          </p:cNvPr>
+          <p:cNvSpPr txBox="1"/>
+          <p:nvPr/>
+        </p:nvSpPr>
+        <p:spPr>
+          <a:xfrm>
+            <a:off x="1393595" y="3903227"/>
+            <a:ext cx="3658111" cy="646331"/>
+          </a:xfrm>
+          <a:prstGeom prst="rect">
+            <a:avLst/>
+          </a:prstGeom>
+          <a:noFill/>
+        </p:spPr>
+        <p:txBody>
+          <a:bodyPr wrap="square" rtlCol="0">
+            <a:spAutoFit/>
+          </a:bodyPr>
           <a:lstStyle/>
           <a:p>
             <a:r>
-              <a:rPr lang="en-US" altLang="zh-TW" dirty="0"/>
-              <a:t>break down</a:t>
-            </a:r>
-            <a:endParaRPr lang="zh-TW" altLang="en-US" dirty="0"/>
+              <a:rPr lang="zh-TW" altLang="en-US" dirty="0">
+                <a:latin typeface="標楷體" panose="03000509000000000000" pitchFamily="65" charset="-120"/>
+                <a:ea typeface="標楷體" panose="03000509000000000000" pitchFamily="65" charset="-120"/>
+              </a:rPr>
+              <a:t>把</a:t>
+            </a:r>
+            <a:r>
+              <a:rPr lang="en-US" altLang="zh-TW" dirty="0">
+                <a:latin typeface="Times New Roman" panose="02020603050405020304" pitchFamily="18" charset="0"/>
+                <a:ea typeface="標楷體" panose="03000509000000000000" pitchFamily="65" charset="-120"/>
+                <a:cs typeface="Times New Roman" panose="02020603050405020304" pitchFamily="18" charset="0"/>
+              </a:rPr>
+              <a:t>blk_men_gen_0</a:t>
+            </a:r>
+            <a:r>
+              <a:rPr lang="zh-TW" altLang="en-US" dirty="0">
+                <a:latin typeface="標楷體" panose="03000509000000000000" pitchFamily="65" charset="-120"/>
+                <a:ea typeface="標楷體" panose="03000509000000000000" pitchFamily="65" charset="-120"/>
+              </a:rPr>
+              <a:t>的</a:t>
+            </a:r>
+            <a:r>
+              <a:rPr lang="en-US" altLang="zh-TW" dirty="0">
+                <a:latin typeface="Times New Roman" panose="02020603050405020304" pitchFamily="18" charset="0"/>
+                <a:ea typeface="標楷體" panose="03000509000000000000" pitchFamily="65" charset="-120"/>
+                <a:cs typeface="Times New Roman" panose="02020603050405020304" pitchFamily="18" charset="0"/>
+              </a:rPr>
+              <a:t>entity</a:t>
+            </a:r>
+            <a:r>
+              <a:rPr lang="zh-TW" altLang="en-US" dirty="0">
+                <a:latin typeface="標楷體" panose="03000509000000000000" pitchFamily="65" charset="-120"/>
+                <a:ea typeface="標楷體" panose="03000509000000000000" pitchFamily="65" charset="-120"/>
+              </a:rPr>
+              <a:t>寫入主程式裡的</a:t>
+            </a:r>
+            <a:r>
+              <a:rPr lang="en-US" altLang="zh-TW" dirty="0">
+                <a:latin typeface="Times New Roman" panose="02020603050405020304" pitchFamily="18" charset="0"/>
+                <a:ea typeface="標楷體" panose="03000509000000000000" pitchFamily="65" charset="-120"/>
+                <a:cs typeface="Times New Roman" panose="02020603050405020304" pitchFamily="18" charset="0"/>
+              </a:rPr>
+              <a:t>architecture</a:t>
+            </a:r>
+            <a:endParaRPr lang="zh-TW" altLang="en-US" dirty="0">
+              <a:latin typeface="Times New Roman" panose="02020603050405020304" pitchFamily="18" charset="0"/>
+              <a:ea typeface="標楷體" panose="03000509000000000000" pitchFamily="65" charset="-120"/>
+              <a:cs typeface="Times New Roman" panose="02020603050405020304" pitchFamily="18" charset="0"/>
+            </a:endParaRPr>
+          </a:p>
+        </p:txBody>
+      </p:sp>
+      <p:sp>
+        <p:nvSpPr>
+          <p:cNvPr id="11" name="文字方塊 10">
+            <a:extLst>
+              <a:ext uri="{FF2B5EF4-FFF2-40B4-BE49-F238E27FC236}">
+                <a16:creationId xmlns:a16="http://schemas.microsoft.com/office/drawing/2014/main" id="{B8B155C2-741C-9F6E-E817-03794F739C11}"/>
+              </a:ext>
+            </a:extLst>
+          </p:cNvPr>
+          <p:cNvSpPr txBox="1"/>
+          <p:nvPr/>
+        </p:nvSpPr>
+        <p:spPr>
+          <a:xfrm>
+            <a:off x="5991023" y="3704068"/>
+            <a:ext cx="4423458" cy="369332"/>
+          </a:xfrm>
+          <a:prstGeom prst="rect">
+            <a:avLst/>
+          </a:prstGeom>
+          <a:noFill/>
+        </p:spPr>
+        <p:txBody>
+          <a:bodyPr wrap="square" rtlCol="0">
+            <a:spAutoFit/>
+          </a:bodyPr>
+          <a:lstStyle/>
+          <a:p>
+            <a:r>
+              <a:rPr lang="zh-TW" altLang="en-US" dirty="0">
+                <a:latin typeface="標楷體" panose="03000509000000000000" pitchFamily="65" charset="-120"/>
+                <a:ea typeface="標楷體" panose="03000509000000000000" pitchFamily="65" charset="-120"/>
+              </a:rPr>
+              <a:t>在主程式裡給定對應</a:t>
+            </a:r>
+            <a:r>
+              <a:rPr lang="en-US" altLang="zh-TW" dirty="0" err="1">
+                <a:latin typeface="Times New Roman" panose="02020603050405020304" pitchFamily="18" charset="0"/>
+                <a:ea typeface="標楷體" panose="03000509000000000000" pitchFamily="65" charset="-120"/>
+                <a:cs typeface="Times New Roman" panose="02020603050405020304" pitchFamily="18" charset="0"/>
+              </a:rPr>
+              <a:t>compoment</a:t>
+            </a:r>
+            <a:r>
+              <a:rPr lang="zh-TW" altLang="en-US" dirty="0">
+                <a:latin typeface="標楷體" panose="03000509000000000000" pitchFamily="65" charset="-120"/>
+                <a:ea typeface="標楷體" panose="03000509000000000000" pitchFamily="65" charset="-120"/>
+              </a:rPr>
+              <a:t>的訊號</a:t>
+            </a:r>
+            <a:endParaRPr lang="zh-TW" altLang="en-US" dirty="0">
+              <a:latin typeface="Times New Roman" panose="02020603050405020304" pitchFamily="18" charset="0"/>
+              <a:ea typeface="標楷體" panose="03000509000000000000" pitchFamily="65" charset="-120"/>
+              <a:cs typeface="Times New Roman" panose="02020603050405020304" pitchFamily="18" charset="0"/>
+            </a:endParaRPr>
           </a:p>
         </p:txBody>
       </p:sp>
     </p:spTree>
     <p:extLst>
       <p:ext uri="{BB962C8B-B14F-4D97-AF65-F5344CB8AC3E}">
-        <p14:creationId xmlns:p14="http://schemas.microsoft.com/office/powerpoint/2010/main" val="1266130332"/>
+        <p14:creationId xmlns:p14="http://schemas.microsoft.com/office/powerpoint/2010/main" val="2347323719"/>
       </p:ext>
     </p:extLst>
   </p:cSld>
@@ -5784,7 +6023,7 @@
           <p:cNvPr id="5" name="內容版面配置區 4">
             <a:extLst>
               <a:ext uri="{FF2B5EF4-FFF2-40B4-BE49-F238E27FC236}">
-                <a16:creationId xmlns:a16="http://schemas.microsoft.com/office/drawing/2014/main" id="{85672A31-CCE3-5886-6CC4-A75675E95FA0}"/>
+                <a16:creationId xmlns:a16="http://schemas.microsoft.com/office/drawing/2014/main" id="{0399E638-3DC8-47B5-A15D-C7B56BD33860}"/>
               </a:ext>
             </a:extLst>
           </p:cNvPr>
@@ -5803,14 +6042,9 @@
         </p:blipFill>
         <p:spPr>
           <a:xfrm>
-            <a:off x="838200" y="1852362"/>
-            <a:ext cx="7116168" cy="3810532"/>
+            <a:off x="4296746" y="1274843"/>
+            <a:ext cx="5823285" cy="1885126"/>
           </a:xfrm>
-          <a:ln w="19050">
-            <a:solidFill>
-              <a:srgbClr val="FF0000"/>
-            </a:solidFill>
-          </a:ln>
         </p:spPr>
       </p:pic>
       <p:sp>
@@ -5818,7 +6052,7 @@
           <p:cNvPr id="3" name="標題 2">
             <a:extLst>
               <a:ext uri="{FF2B5EF4-FFF2-40B4-BE49-F238E27FC236}">
-                <a16:creationId xmlns:a16="http://schemas.microsoft.com/office/drawing/2014/main" id="{B5BA41B9-5DAC-617A-631D-40211BF8BF8B}"/>
+                <a16:creationId xmlns:a16="http://schemas.microsoft.com/office/drawing/2014/main" id="{72ADE437-83AD-38D3-A5A5-58F154A00B0D}"/>
               </a:ext>
             </a:extLst>
           </p:cNvPr>
@@ -5835,1550 +6069,9 @@
           <a:lstStyle/>
           <a:p>
             <a:r>
-              <a:rPr lang="en-US" altLang="zh-TW" dirty="0" err="1"/>
-              <a:t>fsm</a:t>
-            </a:r>
-            <a:endParaRPr lang="zh-TW" altLang="en-US" dirty="0"/>
-          </a:p>
-        </p:txBody>
-      </p:sp>
-      <p:sp>
-        <p:nvSpPr>
-          <p:cNvPr id="6" name="文字方塊 5">
-            <a:extLst>
-              <a:ext uri="{FF2B5EF4-FFF2-40B4-BE49-F238E27FC236}">
-                <a16:creationId xmlns:a16="http://schemas.microsoft.com/office/drawing/2014/main" id="{5541391F-2DF5-3CEF-9A22-EB8EFBA0E986}"/>
-              </a:ext>
-            </a:extLst>
-          </p:cNvPr>
-          <p:cNvSpPr txBox="1"/>
-          <p:nvPr/>
-        </p:nvSpPr>
-        <p:spPr>
-          <a:xfrm>
-            <a:off x="8086562" y="1852362"/>
-            <a:ext cx="3341883" cy="4247317"/>
-          </a:xfrm>
-          <a:prstGeom prst="rect">
-            <a:avLst/>
-          </a:prstGeom>
-          <a:noFill/>
-        </p:spPr>
-        <p:txBody>
-          <a:bodyPr wrap="square" rtlCol="0">
-            <a:spAutoFit/>
-          </a:bodyPr>
-          <a:lstStyle/>
-          <a:p>
-            <a:r>
-              <a:rPr lang="zh-TW" altLang="en-US" dirty="0">
-                <a:latin typeface="標楷體" panose="03000509000000000000" pitchFamily="65" charset="-120"/>
-                <a:ea typeface="標楷體" panose="03000509000000000000" pitchFamily="65" charset="-120"/>
-              </a:rPr>
-              <a:t>總共五個狀態</a:t>
-            </a:r>
-            <a:r>
-              <a:rPr lang="en-US" altLang="zh-TW" dirty="0">
-                <a:latin typeface="標楷體" panose="03000509000000000000" pitchFamily="65" charset="-120"/>
-                <a:ea typeface="標楷體" panose="03000509000000000000" pitchFamily="65" charset="-120"/>
-              </a:rPr>
-              <a:t>:</a:t>
-            </a:r>
-          </a:p>
-          <a:p>
-            <a:pPr marL="285750" indent="-285750">
-              <a:buFont typeface="Arial" panose="020B0604020202020204" pitchFamily="34" charset="0"/>
-              <a:buChar char="•"/>
-            </a:pPr>
-            <a:r>
-              <a:rPr lang="en-US" altLang="zh-TW" dirty="0">
-                <a:latin typeface="Times New Roman" panose="02020603050405020304" pitchFamily="18" charset="0"/>
-                <a:ea typeface="標楷體" panose="03000509000000000000" pitchFamily="65" charset="-120"/>
-                <a:cs typeface="Times New Roman" panose="02020603050405020304" pitchFamily="18" charset="0"/>
-              </a:rPr>
-              <a:t>initial </a:t>
-            </a:r>
-            <a:r>
-              <a:rPr lang="en-US" altLang="zh-TW" dirty="0">
-                <a:latin typeface="標楷體" panose="03000509000000000000" pitchFamily="65" charset="-120"/>
-                <a:ea typeface="標楷體" panose="03000509000000000000" pitchFamily="65" charset="-120"/>
-              </a:rPr>
-              <a:t>: </a:t>
-            </a:r>
-            <a:r>
-              <a:rPr lang="zh-TW" altLang="en-US" dirty="0">
-                <a:latin typeface="標楷體" panose="03000509000000000000" pitchFamily="65" charset="-120"/>
-                <a:ea typeface="標楷體" panose="03000509000000000000" pitchFamily="65" charset="-120"/>
-              </a:rPr>
-              <a:t>比賽初始化</a:t>
-            </a:r>
-            <a:endParaRPr lang="en-US" altLang="zh-TW" dirty="0">
-              <a:latin typeface="標楷體" panose="03000509000000000000" pitchFamily="65" charset="-120"/>
-              <a:ea typeface="標楷體" panose="03000509000000000000" pitchFamily="65" charset="-120"/>
-            </a:endParaRPr>
-          </a:p>
-          <a:p>
-            <a:pPr marL="285750" indent="-285750">
-              <a:buFont typeface="Arial" panose="020B0604020202020204" pitchFamily="34" charset="0"/>
-              <a:buChar char="•"/>
-            </a:pPr>
-            <a:r>
-              <a:rPr lang="en-US" altLang="zh-TW" dirty="0" err="1">
-                <a:latin typeface="Times New Roman" panose="02020603050405020304" pitchFamily="18" charset="0"/>
-                <a:ea typeface="標楷體" panose="03000509000000000000" pitchFamily="65" charset="-120"/>
-                <a:cs typeface="Times New Roman" panose="02020603050405020304" pitchFamily="18" charset="0"/>
-              </a:rPr>
-              <a:t>move_right</a:t>
-            </a:r>
-            <a:r>
-              <a:rPr lang="en-US" altLang="zh-TW" dirty="0">
-                <a:latin typeface="Times New Roman" panose="02020603050405020304" pitchFamily="18" charset="0"/>
-                <a:ea typeface="標楷體" panose="03000509000000000000" pitchFamily="65" charset="-120"/>
-                <a:cs typeface="Times New Roman" panose="02020603050405020304" pitchFamily="18" charset="0"/>
-              </a:rPr>
-              <a:t> </a:t>
-            </a:r>
-            <a:r>
-              <a:rPr lang="en-US" altLang="zh-TW" dirty="0">
-                <a:latin typeface="標楷體" panose="03000509000000000000" pitchFamily="65" charset="-120"/>
-                <a:ea typeface="標楷體" panose="03000509000000000000" pitchFamily="65" charset="-120"/>
-              </a:rPr>
-              <a:t>: </a:t>
-            </a:r>
-            <a:r>
-              <a:rPr lang="zh-TW" altLang="en-US" dirty="0">
-                <a:latin typeface="標楷體" panose="03000509000000000000" pitchFamily="65" charset="-120"/>
-                <a:ea typeface="標楷體" panose="03000509000000000000" pitchFamily="65" charset="-120"/>
-              </a:rPr>
-              <a:t>右移，包含判斷是否有無回擊</a:t>
-            </a:r>
-            <a:endParaRPr lang="en-US" altLang="zh-TW" dirty="0">
-              <a:latin typeface="標楷體" panose="03000509000000000000" pitchFamily="65" charset="-120"/>
-              <a:ea typeface="標楷體" panose="03000509000000000000" pitchFamily="65" charset="-120"/>
-            </a:endParaRPr>
-          </a:p>
-          <a:p>
-            <a:pPr marL="285750" indent="-285750">
-              <a:buFont typeface="Arial" panose="020B0604020202020204" pitchFamily="34" charset="0"/>
-              <a:buChar char="•"/>
-            </a:pPr>
-            <a:r>
-              <a:rPr lang="en-US" altLang="zh-TW" dirty="0" err="1">
-                <a:latin typeface="Times New Roman" panose="02020603050405020304" pitchFamily="18" charset="0"/>
-                <a:ea typeface="標楷體" panose="03000509000000000000" pitchFamily="65" charset="-120"/>
-                <a:cs typeface="Times New Roman" panose="02020603050405020304" pitchFamily="18" charset="0"/>
-              </a:rPr>
-              <a:t>move_right</a:t>
-            </a:r>
-            <a:r>
-              <a:rPr lang="en-US" altLang="zh-TW" dirty="0">
-                <a:latin typeface="Times New Roman" panose="02020603050405020304" pitchFamily="18" charset="0"/>
-                <a:ea typeface="標楷體" panose="03000509000000000000" pitchFamily="65" charset="-120"/>
-                <a:cs typeface="Times New Roman" panose="02020603050405020304" pitchFamily="18" charset="0"/>
-              </a:rPr>
-              <a:t> </a:t>
-            </a:r>
-            <a:r>
-              <a:rPr lang="en-US" altLang="zh-TW" dirty="0">
-                <a:latin typeface="標楷體" panose="03000509000000000000" pitchFamily="65" charset="-120"/>
-                <a:ea typeface="標楷體" panose="03000509000000000000" pitchFamily="65" charset="-120"/>
-              </a:rPr>
-              <a:t>: </a:t>
-            </a:r>
-            <a:r>
-              <a:rPr lang="zh-TW" altLang="en-US" dirty="0">
-                <a:latin typeface="標楷體" panose="03000509000000000000" pitchFamily="65" charset="-120"/>
-                <a:ea typeface="標楷體" panose="03000509000000000000" pitchFamily="65" charset="-120"/>
-              </a:rPr>
-              <a:t>左移，包含判斷是否有無回擊</a:t>
-            </a:r>
-            <a:endParaRPr lang="en-US" altLang="zh-TW" dirty="0">
-              <a:latin typeface="標楷體" panose="03000509000000000000" pitchFamily="65" charset="-120"/>
-              <a:ea typeface="標楷體" panose="03000509000000000000" pitchFamily="65" charset="-120"/>
-            </a:endParaRPr>
-          </a:p>
-          <a:p>
-            <a:pPr marL="285750" indent="-285750">
-              <a:buFont typeface="Arial" panose="020B0604020202020204" pitchFamily="34" charset="0"/>
-              <a:buChar char="•"/>
-            </a:pPr>
-            <a:r>
-              <a:rPr lang="en-US" altLang="zh-TW" dirty="0" err="1">
-                <a:latin typeface="Times New Roman" panose="02020603050405020304" pitchFamily="18" charset="0"/>
-                <a:ea typeface="標楷體" panose="03000509000000000000" pitchFamily="65" charset="-120"/>
-                <a:cs typeface="Times New Roman" panose="02020603050405020304" pitchFamily="18" charset="0"/>
-              </a:rPr>
-              <a:t>win_l</a:t>
-            </a:r>
-            <a:r>
-              <a:rPr lang="en-US" altLang="zh-TW" dirty="0">
-                <a:latin typeface="標楷體" panose="03000509000000000000" pitchFamily="65" charset="-120"/>
-                <a:ea typeface="標楷體" panose="03000509000000000000" pitchFamily="65" charset="-120"/>
-              </a:rPr>
-              <a:t> : </a:t>
-            </a:r>
-            <a:r>
-              <a:rPr lang="zh-TW" altLang="en-US" dirty="0">
-                <a:latin typeface="標楷體" panose="03000509000000000000" pitchFamily="65" charset="-120"/>
-                <a:ea typeface="標楷體" panose="03000509000000000000" pitchFamily="65" charset="-120"/>
-              </a:rPr>
-              <a:t>加分與顯示分數與判斷是否結束比賽回到 </a:t>
-            </a:r>
-            <a:r>
-              <a:rPr lang="en-US" altLang="zh-TW" dirty="0">
-                <a:latin typeface="Times New Roman" panose="02020603050405020304" pitchFamily="18" charset="0"/>
-                <a:ea typeface="標楷體" panose="03000509000000000000" pitchFamily="65" charset="-120"/>
-                <a:cs typeface="Times New Roman" panose="02020603050405020304" pitchFamily="18" charset="0"/>
-              </a:rPr>
-              <a:t>initial</a:t>
-            </a:r>
-          </a:p>
-          <a:p>
-            <a:pPr marL="285750" indent="-285750">
-              <a:buFont typeface="Arial" panose="020B0604020202020204" pitchFamily="34" charset="0"/>
-              <a:buChar char="•"/>
-            </a:pPr>
-            <a:r>
-              <a:rPr lang="en-US" altLang="zh-TW" dirty="0" err="1">
-                <a:latin typeface="Times New Roman" panose="02020603050405020304" pitchFamily="18" charset="0"/>
-                <a:ea typeface="標楷體" panose="03000509000000000000" pitchFamily="65" charset="-120"/>
-                <a:cs typeface="Times New Roman" panose="02020603050405020304" pitchFamily="18" charset="0"/>
-              </a:rPr>
-              <a:t>win_r</a:t>
-            </a:r>
-            <a:r>
-              <a:rPr lang="en-US" altLang="zh-TW" dirty="0">
-                <a:latin typeface="標楷體" panose="03000509000000000000" pitchFamily="65" charset="-120"/>
-                <a:ea typeface="標楷體" panose="03000509000000000000" pitchFamily="65" charset="-120"/>
-              </a:rPr>
-              <a:t> : </a:t>
-            </a:r>
-            <a:r>
-              <a:rPr lang="zh-TW" altLang="en-US" dirty="0">
-                <a:latin typeface="標楷體" panose="03000509000000000000" pitchFamily="65" charset="-120"/>
-                <a:ea typeface="標楷體" panose="03000509000000000000" pitchFamily="65" charset="-120"/>
-              </a:rPr>
-              <a:t>加分與顯示分數與判斷是否結束比賽回到 </a:t>
-            </a:r>
-            <a:r>
-              <a:rPr lang="en-US" altLang="zh-TW" dirty="0">
-                <a:latin typeface="Times New Roman" panose="02020603050405020304" pitchFamily="18" charset="0"/>
-                <a:ea typeface="標楷體" panose="03000509000000000000" pitchFamily="65" charset="-120"/>
-                <a:cs typeface="Times New Roman" panose="02020603050405020304" pitchFamily="18" charset="0"/>
-              </a:rPr>
-              <a:t>initial</a:t>
-            </a:r>
-          </a:p>
-          <a:p>
-            <a:pPr marL="285750" indent="-285750">
-              <a:buFont typeface="Arial" panose="020B0604020202020204" pitchFamily="34" charset="0"/>
-              <a:buChar char="•"/>
-            </a:pPr>
-            <a:endParaRPr lang="en-US" altLang="zh-TW" dirty="0"/>
-          </a:p>
-          <a:p>
-            <a:pPr marL="285750" indent="-285750">
-              <a:buFont typeface="Arial" panose="020B0604020202020204" pitchFamily="34" charset="0"/>
-              <a:buChar char="•"/>
-            </a:pPr>
-            <a:endParaRPr lang="en-US" altLang="zh-TW" dirty="0"/>
-          </a:p>
-          <a:p>
-            <a:pPr marL="285750" indent="-285750">
-              <a:buFont typeface="Arial" panose="020B0604020202020204" pitchFamily="34" charset="0"/>
-              <a:buChar char="•"/>
-            </a:pPr>
-            <a:endParaRPr lang="zh-TW" altLang="en-US" dirty="0"/>
-          </a:p>
-        </p:txBody>
-      </p:sp>
-    </p:spTree>
-    <p:extLst>
-      <p:ext uri="{BB962C8B-B14F-4D97-AF65-F5344CB8AC3E}">
-        <p14:creationId xmlns:p14="http://schemas.microsoft.com/office/powerpoint/2010/main" val="2107307463"/>
-      </p:ext>
-    </p:extLst>
-  </p:cSld>
-  <p:clrMapOvr>
-    <a:masterClrMapping/>
-  </p:clrMapOvr>
-</p:sld>
-</file>
-
-<file path=ppt/slides/slide12.xml><?xml version="1.0" encoding="utf-8"?>
-<p:sld xmlns:a="http://schemas.openxmlformats.org/drawingml/2006/main" xmlns:r="http://schemas.openxmlformats.org/officeDocument/2006/relationships" xmlns:p="http://schemas.openxmlformats.org/presentationml/2006/main">
-  <p:cSld>
-    <p:spTree>
-      <p:nvGrpSpPr>
-        <p:cNvPr id="1" name=""/>
-        <p:cNvGrpSpPr/>
-        <p:nvPr/>
-      </p:nvGrpSpPr>
-      <p:grpSpPr>
-        <a:xfrm>
-          <a:off x="0" y="0"/>
-          <a:ext cx="0" cy="0"/>
-          <a:chOff x="0" y="0"/>
-          <a:chExt cx="0" cy="0"/>
-        </a:xfrm>
-      </p:grpSpPr>
-      <p:pic>
-        <p:nvPicPr>
-          <p:cNvPr id="5" name="內容版面配置區 4">
-            <a:extLst>
-              <a:ext uri="{FF2B5EF4-FFF2-40B4-BE49-F238E27FC236}">
-                <a16:creationId xmlns:a16="http://schemas.microsoft.com/office/drawing/2014/main" id="{8624BC02-E875-1085-798A-6BEDDCC90E86}"/>
-              </a:ext>
-            </a:extLst>
-          </p:cNvPr>
-          <p:cNvPicPr>
-            <a:picLocks noGrp="1" noChangeAspect="1"/>
-          </p:cNvPicPr>
-          <p:nvPr>
-            <p:ph idx="1"/>
-          </p:nvPr>
-        </p:nvPicPr>
-        <p:blipFill>
-          <a:blip r:embed="rId2"/>
-          <a:stretch>
-            <a:fillRect/>
-          </a:stretch>
-        </p:blipFill>
-        <p:spPr>
-          <a:xfrm>
-            <a:off x="838200" y="1546217"/>
-            <a:ext cx="6729210" cy="4416044"/>
-          </a:xfrm>
-          <a:ln w="19050">
-            <a:solidFill>
-              <a:srgbClr val="FF0000"/>
-            </a:solidFill>
-          </a:ln>
-        </p:spPr>
-      </p:pic>
-      <p:sp>
-        <p:nvSpPr>
-          <p:cNvPr id="3" name="標題 2">
-            <a:extLst>
-              <a:ext uri="{FF2B5EF4-FFF2-40B4-BE49-F238E27FC236}">
-                <a16:creationId xmlns:a16="http://schemas.microsoft.com/office/drawing/2014/main" id="{FD05F61D-D515-0282-5D9E-3657700F4FC3}"/>
-              </a:ext>
-            </a:extLst>
-          </p:cNvPr>
-          <p:cNvSpPr>
-            <a:spLocks noGrp="1"/>
-          </p:cNvSpPr>
-          <p:nvPr>
-            <p:ph type="title"/>
-          </p:nvPr>
-        </p:nvSpPr>
-        <p:spPr/>
-        <p:txBody>
-          <a:bodyPr/>
-          <a:lstStyle/>
-          <a:p>
-            <a:r>
               <a:rPr lang="zh-TW" altLang="en-US" dirty="0"/>
-              <a:t>程式說明</a:t>
-            </a:r>
-            <a:r>
-              <a:rPr lang="en-US" altLang="zh-TW" dirty="0"/>
-              <a:t>(fsm-1)</a:t>
-            </a:r>
-            <a:endParaRPr lang="zh-TW" altLang="en-US" dirty="0"/>
-          </a:p>
-        </p:txBody>
-      </p:sp>
-      <p:sp>
-        <p:nvSpPr>
-          <p:cNvPr id="9" name="文字方塊 8">
-            <a:extLst>
-              <a:ext uri="{FF2B5EF4-FFF2-40B4-BE49-F238E27FC236}">
-                <a16:creationId xmlns:a16="http://schemas.microsoft.com/office/drawing/2014/main" id="{FD0F2175-049F-6129-D986-A6E43509C79B}"/>
-              </a:ext>
-            </a:extLst>
-          </p:cNvPr>
-          <p:cNvSpPr txBox="1"/>
-          <p:nvPr/>
-        </p:nvSpPr>
-        <p:spPr>
-          <a:xfrm>
-            <a:off x="7666684" y="1546217"/>
-            <a:ext cx="3687116" cy="3139321"/>
-          </a:xfrm>
-          <a:prstGeom prst="rect">
-            <a:avLst/>
-          </a:prstGeom>
-          <a:noFill/>
-        </p:spPr>
-        <p:txBody>
-          <a:bodyPr wrap="square" rtlCol="0">
-            <a:spAutoFit/>
-          </a:bodyPr>
-          <a:lstStyle/>
-          <a:p>
-            <a:pPr marL="285750" indent="-285750">
-              <a:buFont typeface="Arial" panose="020B0604020202020204" pitchFamily="34" charset="0"/>
-              <a:buChar char="•"/>
-            </a:pPr>
-            <a:r>
-              <a:rPr lang="en-US" altLang="zh-TW" dirty="0">
-                <a:latin typeface="Times New Roman" panose="02020603050405020304" pitchFamily="18" charset="0"/>
-                <a:ea typeface="標楷體" panose="03000509000000000000" pitchFamily="65" charset="-120"/>
-                <a:cs typeface="Times New Roman" panose="02020603050405020304" pitchFamily="18" charset="0"/>
-              </a:rPr>
-              <a:t>reset</a:t>
-            </a:r>
-            <a:r>
-              <a:rPr lang="zh-TW" altLang="en-US" dirty="0">
-                <a:latin typeface="Times New Roman" panose="02020603050405020304" pitchFamily="18" charset="0"/>
-                <a:ea typeface="標楷體" panose="03000509000000000000" pitchFamily="65" charset="-120"/>
-                <a:cs typeface="Times New Roman" panose="02020603050405020304" pitchFamily="18" charset="0"/>
-              </a:rPr>
-              <a:t>都會進到</a:t>
-            </a:r>
-            <a:r>
-              <a:rPr lang="en-US" altLang="zh-TW" dirty="0">
-                <a:latin typeface="Times New Roman" panose="02020603050405020304" pitchFamily="18" charset="0"/>
-                <a:ea typeface="標楷體" panose="03000509000000000000" pitchFamily="65" charset="-120"/>
-                <a:cs typeface="Times New Roman" panose="02020603050405020304" pitchFamily="18" charset="0"/>
-              </a:rPr>
-              <a:t>initial</a:t>
-            </a:r>
-          </a:p>
-          <a:p>
-            <a:pPr marL="285750" indent="-285750">
-              <a:buFont typeface="Arial" panose="020B0604020202020204" pitchFamily="34" charset="0"/>
-              <a:buChar char="•"/>
-            </a:pPr>
-            <a:r>
-              <a:rPr lang="zh-TW" altLang="en-US" dirty="0">
-                <a:latin typeface="Times New Roman" panose="02020603050405020304" pitchFamily="18" charset="0"/>
-                <a:ea typeface="標楷體" panose="03000509000000000000" pitchFamily="65" charset="-120"/>
-                <a:cs typeface="Times New Roman" panose="02020603050405020304" pitchFamily="18" charset="0"/>
-              </a:rPr>
-              <a:t>當左邊發球就進到右移</a:t>
-            </a:r>
-            <a:endParaRPr lang="en-US" altLang="zh-TW" dirty="0">
-              <a:latin typeface="Times New Roman" panose="02020603050405020304" pitchFamily="18" charset="0"/>
-              <a:ea typeface="標楷體" panose="03000509000000000000" pitchFamily="65" charset="-120"/>
-              <a:cs typeface="Times New Roman" panose="02020603050405020304" pitchFamily="18" charset="0"/>
-            </a:endParaRPr>
-          </a:p>
-          <a:p>
-            <a:pPr marL="285750" indent="-285750">
-              <a:buFont typeface="Arial" panose="020B0604020202020204" pitchFamily="34" charset="0"/>
-              <a:buChar char="•"/>
-            </a:pPr>
-            <a:r>
-              <a:rPr lang="zh-TW" altLang="en-US" dirty="0">
-                <a:latin typeface="Times New Roman" panose="02020603050405020304" pitchFamily="18" charset="0"/>
-                <a:ea typeface="標楷體" panose="03000509000000000000" pitchFamily="65" charset="-120"/>
-                <a:cs typeface="Times New Roman" panose="02020603050405020304" pitchFamily="18" charset="0"/>
-              </a:rPr>
-              <a:t>當右邊有接就進入左移，漏接或提早接都進入左邊贏</a:t>
-            </a:r>
-            <a:endParaRPr lang="en-US" altLang="zh-TW" dirty="0">
-              <a:latin typeface="Times New Roman" panose="02020603050405020304" pitchFamily="18" charset="0"/>
-              <a:ea typeface="標楷體" panose="03000509000000000000" pitchFamily="65" charset="-120"/>
-              <a:cs typeface="Times New Roman" panose="02020603050405020304" pitchFamily="18" charset="0"/>
-            </a:endParaRPr>
-          </a:p>
-          <a:p>
-            <a:pPr marL="285750" indent="-285750">
-              <a:buFont typeface="Arial" panose="020B0604020202020204" pitchFamily="34" charset="0"/>
-              <a:buChar char="•"/>
-            </a:pPr>
-            <a:r>
-              <a:rPr lang="zh-TW" altLang="en-US" dirty="0">
-                <a:latin typeface="Times New Roman" panose="02020603050405020304" pitchFamily="18" charset="0"/>
-                <a:ea typeface="標楷體" panose="03000509000000000000" pitchFamily="65" charset="-120"/>
-                <a:cs typeface="Times New Roman" panose="02020603050405020304" pitchFamily="18" charset="0"/>
-              </a:rPr>
-              <a:t>當左邊有接就進入右移，漏接或提早接都進入右邊贏</a:t>
-            </a:r>
-            <a:endParaRPr lang="en-US" altLang="zh-TW" dirty="0">
-              <a:latin typeface="Times New Roman" panose="02020603050405020304" pitchFamily="18" charset="0"/>
-              <a:ea typeface="標楷體" panose="03000509000000000000" pitchFamily="65" charset="-120"/>
-              <a:cs typeface="Times New Roman" panose="02020603050405020304" pitchFamily="18" charset="0"/>
-            </a:endParaRPr>
-          </a:p>
-          <a:p>
-            <a:pPr marL="285750" indent="-285750">
-              <a:buFont typeface="Arial" panose="020B0604020202020204" pitchFamily="34" charset="0"/>
-              <a:buChar char="•"/>
-            </a:pPr>
-            <a:r>
-              <a:rPr lang="zh-TW" altLang="en-US" dirty="0">
-                <a:latin typeface="Times New Roman" panose="02020603050405020304" pitchFamily="18" charset="0"/>
-                <a:ea typeface="標楷體" panose="03000509000000000000" pitchFamily="65" charset="-120"/>
-                <a:cs typeface="Times New Roman" panose="02020603050405020304" pitchFamily="18" charset="0"/>
-              </a:rPr>
-              <a:t>球移動是利用一直補</a:t>
-            </a:r>
-            <a:r>
-              <a:rPr lang="en-US" altLang="zh-TW" dirty="0">
-                <a:latin typeface="Times New Roman" panose="02020603050405020304" pitchFamily="18" charset="0"/>
-                <a:ea typeface="標楷體" panose="03000509000000000000" pitchFamily="65" charset="-120"/>
-                <a:cs typeface="Times New Roman" panose="02020603050405020304" pitchFamily="18" charset="0"/>
-              </a:rPr>
-              <a:t>0</a:t>
-            </a:r>
-            <a:r>
-              <a:rPr lang="zh-TW" altLang="en-US" dirty="0">
-                <a:latin typeface="Times New Roman" panose="02020603050405020304" pitchFamily="18" charset="0"/>
-                <a:ea typeface="標楷體" panose="03000509000000000000" pitchFamily="65" charset="-120"/>
-                <a:cs typeface="Times New Roman" panose="02020603050405020304" pitchFamily="18" charset="0"/>
-              </a:rPr>
-              <a:t>的方式</a:t>
-            </a:r>
-            <a:endParaRPr lang="en-US" altLang="zh-TW" dirty="0">
-              <a:latin typeface="Times New Roman" panose="02020603050405020304" pitchFamily="18" charset="0"/>
-              <a:ea typeface="標楷體" panose="03000509000000000000" pitchFamily="65" charset="-120"/>
-              <a:cs typeface="Times New Roman" panose="02020603050405020304" pitchFamily="18" charset="0"/>
-            </a:endParaRPr>
-          </a:p>
-          <a:p>
-            <a:pPr marL="285750" indent="-285750">
-              <a:buFont typeface="Arial" panose="020B0604020202020204" pitchFamily="34" charset="0"/>
-              <a:buChar char="•"/>
-            </a:pPr>
-            <a:endParaRPr lang="en-US" altLang="zh-TW" dirty="0">
-              <a:latin typeface="Times New Roman" panose="02020603050405020304" pitchFamily="18" charset="0"/>
-              <a:ea typeface="標楷體" panose="03000509000000000000" pitchFamily="65" charset="-120"/>
-              <a:cs typeface="Times New Roman" panose="02020603050405020304" pitchFamily="18" charset="0"/>
-            </a:endParaRPr>
-          </a:p>
-          <a:p>
-            <a:pPr marL="285750" indent="-285750">
-              <a:buFont typeface="Arial" panose="020B0604020202020204" pitchFamily="34" charset="0"/>
-              <a:buChar char="•"/>
-            </a:pPr>
-            <a:endParaRPr lang="en-US" altLang="zh-TW" dirty="0"/>
-          </a:p>
-          <a:p>
-            <a:pPr marL="285750" indent="-285750">
-              <a:buFont typeface="Arial" panose="020B0604020202020204" pitchFamily="34" charset="0"/>
-              <a:buChar char="•"/>
-            </a:pPr>
-            <a:endParaRPr lang="en-US" altLang="zh-TW" dirty="0"/>
-          </a:p>
-          <a:p>
-            <a:pPr marL="285750" indent="-285750">
-              <a:buFont typeface="Arial" panose="020B0604020202020204" pitchFamily="34" charset="0"/>
-              <a:buChar char="•"/>
-            </a:pPr>
-            <a:endParaRPr lang="zh-TW" altLang="en-US" dirty="0"/>
-          </a:p>
-        </p:txBody>
-      </p:sp>
-    </p:spTree>
-    <p:extLst>
-      <p:ext uri="{BB962C8B-B14F-4D97-AF65-F5344CB8AC3E}">
-        <p14:creationId xmlns:p14="http://schemas.microsoft.com/office/powerpoint/2010/main" val="876902503"/>
-      </p:ext>
-    </p:extLst>
-  </p:cSld>
-  <p:clrMapOvr>
-    <a:masterClrMapping/>
-  </p:clrMapOvr>
-</p:sld>
-</file>
-
-<file path=ppt/slides/slide13.xml><?xml version="1.0" encoding="utf-8"?>
-<p:sld xmlns:a="http://schemas.openxmlformats.org/drawingml/2006/main" xmlns:r="http://schemas.openxmlformats.org/officeDocument/2006/relationships" xmlns:p="http://schemas.openxmlformats.org/presentationml/2006/main">
-  <p:cSld>
-    <p:spTree>
-      <p:nvGrpSpPr>
-        <p:cNvPr id="1" name=""/>
-        <p:cNvGrpSpPr/>
-        <p:nvPr/>
-      </p:nvGrpSpPr>
-      <p:grpSpPr>
-        <a:xfrm>
-          <a:off x="0" y="0"/>
-          <a:ext cx="0" cy="0"/>
-          <a:chOff x="0" y="0"/>
-          <a:chExt cx="0" cy="0"/>
-        </a:xfrm>
-      </p:grpSpPr>
-      <p:sp>
-        <p:nvSpPr>
-          <p:cNvPr id="3" name="標題 2">
-            <a:extLst>
-              <a:ext uri="{FF2B5EF4-FFF2-40B4-BE49-F238E27FC236}">
-                <a16:creationId xmlns:a16="http://schemas.microsoft.com/office/drawing/2014/main" id="{F6B5C65D-3C37-D1D7-589D-8A33EE42FC08}"/>
-              </a:ext>
-            </a:extLst>
-          </p:cNvPr>
-          <p:cNvSpPr>
-            <a:spLocks noGrp="1"/>
-          </p:cNvSpPr>
-          <p:nvPr>
-            <p:ph type="title"/>
-          </p:nvPr>
-        </p:nvSpPr>
-        <p:spPr/>
-        <p:txBody>
-          <a:bodyPr/>
-          <a:lstStyle/>
-          <a:p>
-            <a:r>
-              <a:rPr lang="zh-TW" altLang="en-US" dirty="0"/>
-              <a:t>程式說明</a:t>
-            </a:r>
-            <a:r>
-              <a:rPr lang="en-US" altLang="zh-TW" dirty="0"/>
-              <a:t>(fsm-1)</a:t>
-            </a:r>
-            <a:endParaRPr lang="zh-TW" altLang="en-US" dirty="0"/>
-          </a:p>
-        </p:txBody>
-      </p:sp>
-      <p:pic>
-        <p:nvPicPr>
-          <p:cNvPr id="4" name="內容版面配置區 3">
-            <a:extLst>
-              <a:ext uri="{FF2B5EF4-FFF2-40B4-BE49-F238E27FC236}">
-                <a16:creationId xmlns:a16="http://schemas.microsoft.com/office/drawing/2014/main" id="{DD073385-1A15-E165-E514-4963E1D8E62E}"/>
-              </a:ext>
-            </a:extLst>
-          </p:cNvPr>
-          <p:cNvPicPr>
-            <a:picLocks noGrp="1" noChangeAspect="1"/>
-          </p:cNvPicPr>
-          <p:nvPr>
-            <p:ph idx="1"/>
-          </p:nvPr>
-        </p:nvPicPr>
-        <p:blipFill>
-          <a:blip r:embed="rId2"/>
-          <a:stretch>
-            <a:fillRect/>
-          </a:stretch>
-        </p:blipFill>
-        <p:spPr>
-          <a:xfrm>
-            <a:off x="838200" y="1272495"/>
-            <a:ext cx="3953427" cy="3943900"/>
-          </a:xfrm>
-          <a:prstGeom prst="rect">
-            <a:avLst/>
-          </a:prstGeom>
-          <a:ln w="19050">
-            <a:solidFill>
-              <a:srgbClr val="FF0000"/>
-            </a:solidFill>
-          </a:ln>
-        </p:spPr>
-      </p:pic>
-      <p:sp>
-        <p:nvSpPr>
-          <p:cNvPr id="5" name="文字方塊 4">
-            <a:extLst>
-              <a:ext uri="{FF2B5EF4-FFF2-40B4-BE49-F238E27FC236}">
-                <a16:creationId xmlns:a16="http://schemas.microsoft.com/office/drawing/2014/main" id="{1BEC66FA-437E-E867-03F7-531AB3C64823}"/>
-              </a:ext>
-            </a:extLst>
-          </p:cNvPr>
-          <p:cNvSpPr txBox="1"/>
-          <p:nvPr/>
-        </p:nvSpPr>
-        <p:spPr>
-          <a:xfrm>
-            <a:off x="5016790" y="1546217"/>
-            <a:ext cx="3687116" cy="1477328"/>
-          </a:xfrm>
-          <a:prstGeom prst="rect">
-            <a:avLst/>
-          </a:prstGeom>
-          <a:noFill/>
-        </p:spPr>
-        <p:txBody>
-          <a:bodyPr wrap="square" rtlCol="0">
-            <a:spAutoFit/>
-          </a:bodyPr>
-          <a:lstStyle/>
-          <a:p>
-            <a:pPr marL="285750" indent="-285750">
-              <a:buFont typeface="Arial" panose="020B0604020202020204" pitchFamily="34" charset="0"/>
-              <a:buChar char="•"/>
-            </a:pPr>
-            <a:r>
-              <a:rPr lang="zh-TW" altLang="en-US" dirty="0">
-                <a:latin typeface="Times New Roman" panose="02020603050405020304" pitchFamily="18" charset="0"/>
-                <a:ea typeface="標楷體" panose="03000509000000000000" pitchFamily="65" charset="-120"/>
-                <a:cs typeface="Times New Roman" panose="02020603050405020304" pitchFamily="18" charset="0"/>
-              </a:rPr>
-              <a:t>當分數到達四分回到</a:t>
-            </a:r>
-            <a:r>
-              <a:rPr lang="en-US" altLang="zh-TW" dirty="0">
-                <a:latin typeface="Times New Roman" panose="02020603050405020304" pitchFamily="18" charset="0"/>
-                <a:ea typeface="標楷體" panose="03000509000000000000" pitchFamily="65" charset="-120"/>
-                <a:cs typeface="Times New Roman" panose="02020603050405020304" pitchFamily="18" charset="0"/>
-              </a:rPr>
-              <a:t>initial</a:t>
-            </a:r>
-            <a:r>
-              <a:rPr lang="zh-TW" altLang="en-US" dirty="0">
-                <a:latin typeface="Times New Roman" panose="02020603050405020304" pitchFamily="18" charset="0"/>
-                <a:ea typeface="標楷體" panose="03000509000000000000" pitchFamily="65" charset="-120"/>
-                <a:cs typeface="Times New Roman" panose="02020603050405020304" pitchFamily="18" charset="0"/>
-              </a:rPr>
-              <a:t>，沒有則贏的發球</a:t>
-            </a:r>
-            <a:endParaRPr lang="en-US" altLang="zh-TW" dirty="0">
-              <a:latin typeface="Times New Roman" panose="02020603050405020304" pitchFamily="18" charset="0"/>
-              <a:ea typeface="標楷體" panose="03000509000000000000" pitchFamily="65" charset="-120"/>
-              <a:cs typeface="Times New Roman" panose="02020603050405020304" pitchFamily="18" charset="0"/>
-            </a:endParaRPr>
-          </a:p>
-          <a:p>
-            <a:pPr marL="285750" indent="-285750">
-              <a:buFont typeface="Arial" panose="020B0604020202020204" pitchFamily="34" charset="0"/>
-              <a:buChar char="•"/>
-            </a:pPr>
-            <a:endParaRPr lang="en-US" altLang="zh-TW" dirty="0"/>
-          </a:p>
-          <a:p>
-            <a:pPr marL="285750" indent="-285750">
-              <a:buFont typeface="Arial" panose="020B0604020202020204" pitchFamily="34" charset="0"/>
-              <a:buChar char="•"/>
-            </a:pPr>
-            <a:endParaRPr lang="en-US" altLang="zh-TW" dirty="0"/>
-          </a:p>
-          <a:p>
-            <a:pPr marL="285750" indent="-285750">
-              <a:buFont typeface="Arial" panose="020B0604020202020204" pitchFamily="34" charset="0"/>
-              <a:buChar char="•"/>
-            </a:pPr>
-            <a:endParaRPr lang="zh-TW" altLang="en-US" dirty="0"/>
-          </a:p>
-        </p:txBody>
-      </p:sp>
-    </p:spTree>
-    <p:extLst>
-      <p:ext uri="{BB962C8B-B14F-4D97-AF65-F5344CB8AC3E}">
-        <p14:creationId xmlns:p14="http://schemas.microsoft.com/office/powerpoint/2010/main" val="3134318743"/>
-      </p:ext>
-    </p:extLst>
-  </p:cSld>
-  <p:clrMapOvr>
-    <a:masterClrMapping/>
-  </p:clrMapOvr>
-</p:sld>
-</file>
-
-<file path=ppt/slides/slide14.xml><?xml version="1.0" encoding="utf-8"?>
-<p:sld xmlns:a="http://schemas.openxmlformats.org/drawingml/2006/main" xmlns:r="http://schemas.openxmlformats.org/officeDocument/2006/relationships" xmlns:p="http://schemas.openxmlformats.org/presentationml/2006/main">
-  <p:cSld>
-    <p:spTree>
-      <p:nvGrpSpPr>
-        <p:cNvPr id="1" name=""/>
-        <p:cNvGrpSpPr/>
-        <p:nvPr/>
-      </p:nvGrpSpPr>
-      <p:grpSpPr>
-        <a:xfrm>
-          <a:off x="0" y="0"/>
-          <a:ext cx="0" cy="0"/>
-          <a:chOff x="0" y="0"/>
-          <a:chExt cx="0" cy="0"/>
-        </a:xfrm>
-      </p:grpSpPr>
-      <p:sp>
-        <p:nvSpPr>
-          <p:cNvPr id="3" name="標題 2">
-            <a:extLst>
-              <a:ext uri="{FF2B5EF4-FFF2-40B4-BE49-F238E27FC236}">
-                <a16:creationId xmlns:a16="http://schemas.microsoft.com/office/drawing/2014/main" id="{0CFB8146-B845-BA2D-A9F2-0A0BF0398D19}"/>
-              </a:ext>
-            </a:extLst>
-          </p:cNvPr>
-          <p:cNvSpPr>
-            <a:spLocks noGrp="1"/>
-          </p:cNvSpPr>
-          <p:nvPr>
-            <p:ph type="title"/>
-          </p:nvPr>
-        </p:nvSpPr>
-        <p:spPr/>
-        <p:txBody>
-          <a:bodyPr/>
-          <a:lstStyle/>
-          <a:p>
-            <a:r>
-              <a:rPr lang="zh-TW" altLang="en-US" dirty="0"/>
-              <a:t>程式說明</a:t>
-            </a:r>
-          </a:p>
-        </p:txBody>
-      </p:sp>
-      <p:pic>
-        <p:nvPicPr>
-          <p:cNvPr id="8" name="內容版面配置區 7">
-            <a:extLst>
-              <a:ext uri="{FF2B5EF4-FFF2-40B4-BE49-F238E27FC236}">
-                <a16:creationId xmlns:a16="http://schemas.microsoft.com/office/drawing/2014/main" id="{785FBE96-0EB2-4648-AB27-5BC69E232195}"/>
-              </a:ext>
-            </a:extLst>
-          </p:cNvPr>
-          <p:cNvPicPr>
-            <a:picLocks noGrp="1" noChangeAspect="1"/>
-          </p:cNvPicPr>
-          <p:nvPr>
-            <p:ph idx="1"/>
-          </p:nvPr>
-        </p:nvPicPr>
-        <p:blipFill>
-          <a:blip r:embed="rId2"/>
-          <a:stretch>
-            <a:fillRect/>
-          </a:stretch>
-        </p:blipFill>
-        <p:spPr>
-          <a:xfrm>
-            <a:off x="838200" y="1214178"/>
-            <a:ext cx="4118763" cy="5037137"/>
-          </a:xfrm>
-          <a:prstGeom prst="rect">
-            <a:avLst/>
-          </a:prstGeom>
-        </p:spPr>
-      </p:pic>
-      <p:sp>
-        <p:nvSpPr>
-          <p:cNvPr id="9" name="文字方塊 8">
-            <a:extLst>
-              <a:ext uri="{FF2B5EF4-FFF2-40B4-BE49-F238E27FC236}">
-                <a16:creationId xmlns:a16="http://schemas.microsoft.com/office/drawing/2014/main" id="{BF25433D-1023-4A4E-B732-F0224095ADA2}"/>
-              </a:ext>
-            </a:extLst>
-          </p:cNvPr>
-          <p:cNvSpPr txBox="1"/>
-          <p:nvPr/>
-        </p:nvSpPr>
-        <p:spPr>
-          <a:xfrm>
-            <a:off x="5060332" y="1303621"/>
-            <a:ext cx="6293467" cy="3416320"/>
-          </a:xfrm>
-          <a:prstGeom prst="rect">
-            <a:avLst/>
-          </a:prstGeom>
-          <a:noFill/>
-        </p:spPr>
-        <p:txBody>
-          <a:bodyPr wrap="square" rtlCol="0">
-            <a:spAutoFit/>
-          </a:bodyPr>
-          <a:lstStyle/>
-          <a:p>
-            <a:pPr marL="285750" indent="-285750">
-              <a:buFont typeface="Arial" panose="020B0604020202020204" pitchFamily="34" charset="0"/>
-              <a:buChar char="•"/>
-            </a:pPr>
-            <a:r>
-              <a:rPr lang="zh-TW" altLang="en-US" dirty="0">
-                <a:latin typeface="Times New Roman" panose="02020603050405020304" pitchFamily="18" charset="0"/>
-                <a:ea typeface="標楷體" panose="03000509000000000000" pitchFamily="65" charset="-120"/>
-                <a:cs typeface="Times New Roman" panose="02020603050405020304" pitchFamily="18" charset="0"/>
-              </a:rPr>
-              <a:t>初始都是從左邊發球</a:t>
-            </a:r>
-            <a:endParaRPr lang="en-US" altLang="zh-TW" dirty="0">
-              <a:latin typeface="Times New Roman" panose="02020603050405020304" pitchFamily="18" charset="0"/>
-              <a:ea typeface="標楷體" panose="03000509000000000000" pitchFamily="65" charset="-120"/>
-              <a:cs typeface="Times New Roman" panose="02020603050405020304" pitchFamily="18" charset="0"/>
-            </a:endParaRPr>
-          </a:p>
-          <a:p>
-            <a:pPr marL="285750" indent="-285750">
-              <a:buFont typeface="Arial" panose="020B0604020202020204" pitchFamily="34" charset="0"/>
-              <a:buChar char="•"/>
-            </a:pPr>
-            <a:r>
-              <a:rPr lang="zh-TW" altLang="en-US" dirty="0">
-                <a:latin typeface="Times New Roman" panose="02020603050405020304" pitchFamily="18" charset="0"/>
-                <a:ea typeface="標楷體" panose="03000509000000000000" pitchFamily="65" charset="-120"/>
-                <a:cs typeface="Times New Roman" panose="02020603050405020304" pitchFamily="18" charset="0"/>
-              </a:rPr>
-              <a:t>移位的方式為補 </a:t>
-            </a:r>
-            <a:r>
-              <a:rPr lang="en-US" altLang="zh-TW" dirty="0">
-                <a:latin typeface="Times New Roman" panose="02020603050405020304" pitchFamily="18" charset="0"/>
-                <a:ea typeface="標楷體" panose="03000509000000000000" pitchFamily="65" charset="-120"/>
-                <a:cs typeface="Times New Roman" panose="02020603050405020304" pitchFamily="18" charset="0"/>
-              </a:rPr>
-              <a:t>0(</a:t>
-            </a:r>
-            <a:r>
-              <a:rPr lang="zh-TW" altLang="en-US" dirty="0">
-                <a:latin typeface="Times New Roman" panose="02020603050405020304" pitchFamily="18" charset="0"/>
-                <a:ea typeface="標楷體" panose="03000509000000000000" pitchFamily="65" charset="-120"/>
-                <a:cs typeface="Times New Roman" panose="02020603050405020304" pitchFamily="18" charset="0"/>
-              </a:rPr>
-              <a:t>左右移都是</a:t>
-            </a:r>
-            <a:r>
-              <a:rPr lang="en-US" altLang="zh-TW" dirty="0">
-                <a:latin typeface="Times New Roman" panose="02020603050405020304" pitchFamily="18" charset="0"/>
-                <a:ea typeface="標楷體" panose="03000509000000000000" pitchFamily="65" charset="-120"/>
-                <a:cs typeface="Times New Roman" panose="02020603050405020304" pitchFamily="18" charset="0"/>
-              </a:rPr>
-              <a:t>)</a:t>
-            </a:r>
-          </a:p>
-          <a:p>
-            <a:pPr marL="285750" indent="-285750">
-              <a:buFont typeface="Arial" panose="020B0604020202020204" pitchFamily="34" charset="0"/>
-              <a:buChar char="•"/>
-            </a:pPr>
-            <a:r>
-              <a:rPr lang="zh-TW" altLang="en-US" dirty="0">
-                <a:latin typeface="Times New Roman" panose="02020603050405020304" pitchFamily="18" charset="0"/>
-                <a:ea typeface="標楷體" panose="03000509000000000000" pitchFamily="65" charset="-120"/>
-                <a:cs typeface="Times New Roman" panose="02020603050405020304" pitchFamily="18" charset="0"/>
-              </a:rPr>
-              <a:t>計分狀態球要歸位</a:t>
-            </a:r>
-            <a:r>
-              <a:rPr lang="en-US" altLang="zh-TW" dirty="0">
-                <a:latin typeface="Times New Roman" panose="02020603050405020304" pitchFamily="18" charset="0"/>
-                <a:ea typeface="標楷體" panose="03000509000000000000" pitchFamily="65" charset="-120"/>
-                <a:cs typeface="Times New Roman" panose="02020603050405020304" pitchFamily="18" charset="0"/>
-              </a:rPr>
-              <a:t>(</a:t>
-            </a:r>
-            <a:r>
-              <a:rPr lang="zh-TW" altLang="en-US" dirty="0">
-                <a:latin typeface="Times New Roman" panose="02020603050405020304" pitchFamily="18" charset="0"/>
-                <a:ea typeface="標楷體" panose="03000509000000000000" pitchFamily="65" charset="-120"/>
-                <a:cs typeface="Times New Roman" panose="02020603050405020304" pitchFamily="18" charset="0"/>
-              </a:rPr>
-              <a:t>如果沒有歸位會有</a:t>
-            </a:r>
-            <a:r>
-              <a:rPr lang="en-US" altLang="zh-TW" dirty="0">
-                <a:latin typeface="Times New Roman" panose="02020603050405020304" pitchFamily="18" charset="0"/>
-                <a:ea typeface="標楷體" panose="03000509000000000000" pitchFamily="65" charset="-120"/>
-                <a:cs typeface="Times New Roman" panose="02020603050405020304" pitchFamily="18" charset="0"/>
-              </a:rPr>
-              <a:t>bug</a:t>
-            </a:r>
-            <a:r>
-              <a:rPr lang="zh-TW" altLang="en-US" dirty="0">
-                <a:latin typeface="Times New Roman" panose="02020603050405020304" pitchFamily="18" charset="0"/>
-                <a:ea typeface="標楷體" panose="03000509000000000000" pitchFamily="65" charset="-120"/>
-                <a:cs typeface="Times New Roman" panose="02020603050405020304" pitchFamily="18" charset="0"/>
-              </a:rPr>
-              <a:t>，會是計分的方式進入位移</a:t>
-            </a:r>
-            <a:r>
-              <a:rPr lang="en-US" altLang="zh-TW" dirty="0">
-                <a:latin typeface="Times New Roman" panose="02020603050405020304" pitchFamily="18" charset="0"/>
-                <a:ea typeface="標楷體" panose="03000509000000000000" pitchFamily="65" charset="-120"/>
-                <a:cs typeface="Times New Roman" panose="02020603050405020304" pitchFamily="18" charset="0"/>
-              </a:rPr>
-              <a:t>)</a:t>
-            </a:r>
-          </a:p>
-          <a:p>
-            <a:pPr marL="285750" indent="-285750">
-              <a:buFont typeface="Arial" panose="020B0604020202020204" pitchFamily="34" charset="0"/>
-              <a:buChar char="•"/>
-            </a:pPr>
-            <a:r>
-              <a:rPr lang="zh-TW" altLang="en-US" dirty="0">
-                <a:latin typeface="Times New Roman" panose="02020603050405020304" pitchFamily="18" charset="0"/>
-                <a:ea typeface="標楷體" panose="03000509000000000000" pitchFamily="65" charset="-120"/>
-                <a:cs typeface="Times New Roman" panose="02020603050405020304" pitchFamily="18" charset="0"/>
-              </a:rPr>
-              <a:t>可以用米粒機，前一狀態就先改變，但因為這裡使用的是低速的 </a:t>
-            </a:r>
-            <a:r>
-              <a:rPr lang="en-US" altLang="zh-TW" dirty="0" err="1">
-                <a:latin typeface="Times New Roman" panose="02020603050405020304" pitchFamily="18" charset="0"/>
-                <a:ea typeface="標楷體" panose="03000509000000000000" pitchFamily="65" charset="-120"/>
-                <a:cs typeface="Times New Roman" panose="02020603050405020304" pitchFamily="18" charset="0"/>
-              </a:rPr>
-              <a:t>clk</a:t>
-            </a:r>
-            <a:r>
-              <a:rPr lang="en-US" altLang="zh-TW" dirty="0">
-                <a:latin typeface="Times New Roman" panose="02020603050405020304" pitchFamily="18" charset="0"/>
-                <a:ea typeface="標楷體" panose="03000509000000000000" pitchFamily="65" charset="-120"/>
-                <a:cs typeface="Times New Roman" panose="02020603050405020304" pitchFamily="18" charset="0"/>
-              </a:rPr>
-              <a:t> </a:t>
-            </a:r>
-            <a:r>
-              <a:rPr lang="zh-TW" altLang="en-US" dirty="0">
-                <a:latin typeface="Times New Roman" panose="02020603050405020304" pitchFamily="18" charset="0"/>
-                <a:ea typeface="標楷體" panose="03000509000000000000" pitchFamily="65" charset="-120"/>
-                <a:cs typeface="Times New Roman" panose="02020603050405020304" pitchFamily="18" charset="0"/>
-              </a:rPr>
-              <a:t>，所以還是會有 </a:t>
-            </a:r>
-            <a:r>
-              <a:rPr lang="en-US" altLang="zh-TW" dirty="0">
-                <a:latin typeface="Times New Roman" panose="02020603050405020304" pitchFamily="18" charset="0"/>
-                <a:ea typeface="標楷體" panose="03000509000000000000" pitchFamily="65" charset="-120"/>
-                <a:cs typeface="Times New Roman" panose="02020603050405020304" pitchFamily="18" charset="0"/>
-              </a:rPr>
-              <a:t>bug </a:t>
-            </a:r>
-            <a:r>
-              <a:rPr lang="zh-TW" altLang="en-US" dirty="0">
-                <a:latin typeface="Times New Roman" panose="02020603050405020304" pitchFamily="18" charset="0"/>
-                <a:ea typeface="標楷體" panose="03000509000000000000" pitchFamily="65" charset="-120"/>
-                <a:cs typeface="Times New Roman" panose="02020603050405020304" pitchFamily="18" charset="0"/>
-              </a:rPr>
-              <a:t>，因為 </a:t>
-            </a:r>
-            <a:r>
-              <a:rPr lang="en-US" altLang="zh-TW" dirty="0" err="1">
-                <a:latin typeface="Times New Roman" panose="02020603050405020304" pitchFamily="18" charset="0"/>
-                <a:ea typeface="標楷體" panose="03000509000000000000" pitchFamily="65" charset="-120"/>
-                <a:cs typeface="Times New Roman" panose="02020603050405020304" pitchFamily="18" charset="0"/>
-              </a:rPr>
-              <a:t>fsm</a:t>
-            </a:r>
-            <a:r>
-              <a:rPr lang="en-US" altLang="zh-TW" dirty="0">
-                <a:latin typeface="Times New Roman" panose="02020603050405020304" pitchFamily="18" charset="0"/>
-                <a:ea typeface="標楷體" panose="03000509000000000000" pitchFamily="65" charset="-120"/>
-                <a:cs typeface="Times New Roman" panose="02020603050405020304" pitchFamily="18" charset="0"/>
-              </a:rPr>
-              <a:t> </a:t>
-            </a:r>
-            <a:r>
-              <a:rPr lang="zh-TW" altLang="en-US" dirty="0">
-                <a:latin typeface="Times New Roman" panose="02020603050405020304" pitchFamily="18" charset="0"/>
-                <a:ea typeface="標楷體" panose="03000509000000000000" pitchFamily="65" charset="-120"/>
-                <a:cs typeface="Times New Roman" panose="02020603050405020304" pitchFamily="18" charset="0"/>
-              </a:rPr>
-              <a:t>高速 </a:t>
-            </a:r>
-            <a:r>
-              <a:rPr lang="en-US" altLang="zh-TW" dirty="0" err="1">
-                <a:latin typeface="Times New Roman" panose="02020603050405020304" pitchFamily="18" charset="0"/>
-                <a:ea typeface="標楷體" panose="03000509000000000000" pitchFamily="65" charset="-120"/>
-                <a:cs typeface="Times New Roman" panose="02020603050405020304" pitchFamily="18" charset="0"/>
-              </a:rPr>
-              <a:t>clk</a:t>
-            </a:r>
-            <a:r>
-              <a:rPr lang="zh-TW" altLang="en-US" dirty="0">
-                <a:latin typeface="Times New Roman" panose="02020603050405020304" pitchFamily="18" charset="0"/>
-                <a:ea typeface="標楷體" panose="03000509000000000000" pitchFamily="65" charset="-120"/>
-                <a:cs typeface="Times New Roman" panose="02020603050405020304" pitchFamily="18" charset="0"/>
-              </a:rPr>
-              <a:t> 的關係在還沒判斷就進入下一狀態了，低速的 </a:t>
-            </a:r>
-            <a:r>
-              <a:rPr lang="en-US" altLang="zh-TW" dirty="0" err="1">
-                <a:latin typeface="Times New Roman" panose="02020603050405020304" pitchFamily="18" charset="0"/>
-                <a:ea typeface="標楷體" panose="03000509000000000000" pitchFamily="65" charset="-120"/>
-                <a:cs typeface="Times New Roman" panose="02020603050405020304" pitchFamily="18" charset="0"/>
-              </a:rPr>
-              <a:t>clk</a:t>
-            </a:r>
-            <a:r>
-              <a:rPr lang="en-US" altLang="zh-TW" dirty="0">
-                <a:latin typeface="Times New Roman" panose="02020603050405020304" pitchFamily="18" charset="0"/>
-                <a:ea typeface="標楷體" panose="03000509000000000000" pitchFamily="65" charset="-120"/>
-                <a:cs typeface="Times New Roman" panose="02020603050405020304" pitchFamily="18" charset="0"/>
-              </a:rPr>
-              <a:t> </a:t>
-            </a:r>
-            <a:r>
-              <a:rPr lang="zh-TW" altLang="en-US" dirty="0">
-                <a:latin typeface="Times New Roman" panose="02020603050405020304" pitchFamily="18" charset="0"/>
-                <a:ea typeface="標楷體" panose="03000509000000000000" pitchFamily="65" charset="-120"/>
-                <a:cs typeface="Times New Roman" panose="02020603050405020304" pitchFamily="18" charset="0"/>
-              </a:rPr>
-              <a:t>來不及</a:t>
-            </a:r>
-            <a:endParaRPr lang="en-US" altLang="zh-TW" dirty="0">
-              <a:latin typeface="Times New Roman" panose="02020603050405020304" pitchFamily="18" charset="0"/>
-              <a:ea typeface="標楷體" panose="03000509000000000000" pitchFamily="65" charset="-120"/>
-              <a:cs typeface="Times New Roman" panose="02020603050405020304" pitchFamily="18" charset="0"/>
-            </a:endParaRPr>
-          </a:p>
-          <a:p>
-            <a:pPr marL="285750" indent="-285750">
-              <a:buFont typeface="Arial" panose="020B0604020202020204" pitchFamily="34" charset="0"/>
-              <a:buChar char="•"/>
-            </a:pPr>
-            <a:r>
-              <a:rPr lang="zh-TW" altLang="en-US" dirty="0">
-                <a:latin typeface="Times New Roman" panose="02020603050405020304" pitchFamily="18" charset="0"/>
-                <a:ea typeface="標楷體" panose="03000509000000000000" pitchFamily="65" charset="-120"/>
-                <a:cs typeface="Times New Roman" panose="02020603050405020304" pitchFamily="18" charset="0"/>
-              </a:rPr>
-              <a:t>所以我用的方法為計分狀態時按按鈕可以顯示分數</a:t>
-            </a:r>
-            <a:endParaRPr lang="en-US" altLang="zh-TW" dirty="0">
-              <a:latin typeface="Times New Roman" panose="02020603050405020304" pitchFamily="18" charset="0"/>
-              <a:ea typeface="標楷體" panose="03000509000000000000" pitchFamily="65" charset="-120"/>
-              <a:cs typeface="Times New Roman" panose="02020603050405020304" pitchFamily="18" charset="0"/>
-            </a:endParaRPr>
-          </a:p>
-          <a:p>
-            <a:endParaRPr lang="en-US" altLang="zh-TW" dirty="0">
-              <a:latin typeface="Times New Roman" panose="02020603050405020304" pitchFamily="18" charset="0"/>
-              <a:ea typeface="標楷體" panose="03000509000000000000" pitchFamily="65" charset="-120"/>
-              <a:cs typeface="Times New Roman" panose="02020603050405020304" pitchFamily="18" charset="0"/>
-            </a:endParaRPr>
-          </a:p>
-          <a:p>
-            <a:pPr marL="285750" indent="-285750">
-              <a:buFont typeface="Arial" panose="020B0604020202020204" pitchFamily="34" charset="0"/>
-              <a:buChar char="•"/>
-            </a:pPr>
-            <a:endParaRPr lang="en-US" altLang="zh-TW" dirty="0"/>
-          </a:p>
-          <a:p>
-            <a:pPr marL="285750" indent="-285750">
-              <a:buFont typeface="Arial" panose="020B0604020202020204" pitchFamily="34" charset="0"/>
-              <a:buChar char="•"/>
-            </a:pPr>
-            <a:endParaRPr lang="en-US" altLang="zh-TW" dirty="0"/>
-          </a:p>
-          <a:p>
-            <a:pPr marL="285750" indent="-285750">
-              <a:buFont typeface="Arial" panose="020B0604020202020204" pitchFamily="34" charset="0"/>
-              <a:buChar char="•"/>
-            </a:pPr>
-            <a:endParaRPr lang="zh-TW" altLang="en-US" dirty="0"/>
-          </a:p>
-        </p:txBody>
-      </p:sp>
-    </p:spTree>
-    <p:extLst>
-      <p:ext uri="{BB962C8B-B14F-4D97-AF65-F5344CB8AC3E}">
-        <p14:creationId xmlns:p14="http://schemas.microsoft.com/office/powerpoint/2010/main" val="3330808286"/>
-      </p:ext>
-    </p:extLst>
-  </p:cSld>
-  <p:clrMapOvr>
-    <a:masterClrMapping/>
-  </p:clrMapOvr>
-</p:sld>
-</file>
-
-<file path=ppt/slides/slide15.xml><?xml version="1.0" encoding="utf-8"?>
-<p:sld xmlns:a="http://schemas.openxmlformats.org/drawingml/2006/main" xmlns:r="http://schemas.openxmlformats.org/officeDocument/2006/relationships" xmlns:p="http://schemas.openxmlformats.org/presentationml/2006/main">
-  <p:cSld>
-    <p:spTree>
-      <p:nvGrpSpPr>
-        <p:cNvPr id="1" name=""/>
-        <p:cNvGrpSpPr/>
-        <p:nvPr/>
-      </p:nvGrpSpPr>
-      <p:grpSpPr>
-        <a:xfrm>
-          <a:off x="0" y="0"/>
-          <a:ext cx="0" cy="0"/>
-          <a:chOff x="0" y="0"/>
-          <a:chExt cx="0" cy="0"/>
-        </a:xfrm>
-      </p:grpSpPr>
-      <p:pic>
-        <p:nvPicPr>
-          <p:cNvPr id="5" name="內容版面配置區 4">
-            <a:extLst>
-              <a:ext uri="{FF2B5EF4-FFF2-40B4-BE49-F238E27FC236}">
-                <a16:creationId xmlns:a16="http://schemas.microsoft.com/office/drawing/2014/main" id="{2267EE83-E692-4AF2-97DA-BC75573835A4}"/>
-              </a:ext>
-            </a:extLst>
-          </p:cNvPr>
-          <p:cNvPicPr>
-            <a:picLocks noGrp="1" noChangeAspect="1"/>
-          </p:cNvPicPr>
-          <p:nvPr>
-            <p:ph idx="1"/>
-          </p:nvPr>
-        </p:nvPicPr>
-        <p:blipFill>
-          <a:blip r:embed="rId2"/>
-          <a:stretch>
-            <a:fillRect/>
-          </a:stretch>
-        </p:blipFill>
-        <p:spPr>
-          <a:xfrm>
-            <a:off x="838200" y="1201738"/>
-            <a:ext cx="3925493" cy="5037137"/>
-          </a:xfrm>
-        </p:spPr>
-      </p:pic>
-      <p:sp>
-        <p:nvSpPr>
-          <p:cNvPr id="3" name="標題 2">
-            <a:extLst>
-              <a:ext uri="{FF2B5EF4-FFF2-40B4-BE49-F238E27FC236}">
-                <a16:creationId xmlns:a16="http://schemas.microsoft.com/office/drawing/2014/main" id="{682FDED6-6A4F-3F93-C985-83FCFFF0290E}"/>
-              </a:ext>
-            </a:extLst>
-          </p:cNvPr>
-          <p:cNvSpPr>
-            <a:spLocks noGrp="1"/>
-          </p:cNvSpPr>
-          <p:nvPr>
-            <p:ph type="title"/>
-          </p:nvPr>
-        </p:nvSpPr>
-        <p:spPr/>
-        <p:txBody>
-          <a:bodyPr/>
-          <a:lstStyle/>
-          <a:p>
-            <a:r>
-              <a:rPr lang="zh-TW" altLang="en-US" dirty="0"/>
-              <a:t>程式說明</a:t>
-            </a:r>
-          </a:p>
-        </p:txBody>
-      </p:sp>
-      <p:sp>
-        <p:nvSpPr>
-          <p:cNvPr id="6" name="文字方塊 5">
-            <a:extLst>
-              <a:ext uri="{FF2B5EF4-FFF2-40B4-BE49-F238E27FC236}">
-                <a16:creationId xmlns:a16="http://schemas.microsoft.com/office/drawing/2014/main" id="{D695EF48-7129-44B2-AB07-EA82A3877808}"/>
-              </a:ext>
-            </a:extLst>
-          </p:cNvPr>
-          <p:cNvSpPr txBox="1"/>
-          <p:nvPr/>
-        </p:nvSpPr>
-        <p:spPr>
-          <a:xfrm>
-            <a:off x="5060333" y="1303621"/>
-            <a:ext cx="3687116" cy="2031325"/>
-          </a:xfrm>
-          <a:prstGeom prst="rect">
-            <a:avLst/>
-          </a:prstGeom>
-          <a:noFill/>
-        </p:spPr>
-        <p:txBody>
-          <a:bodyPr wrap="square" rtlCol="0">
-            <a:spAutoFit/>
-          </a:bodyPr>
-          <a:lstStyle/>
-          <a:p>
-            <a:pPr marL="285750" indent="-285750">
-              <a:buFont typeface="Arial" panose="020B0604020202020204" pitchFamily="34" charset="0"/>
-              <a:buChar char="•"/>
-            </a:pPr>
-            <a:r>
-              <a:rPr lang="zh-TW" altLang="en-US" dirty="0">
-                <a:latin typeface="Times New Roman" panose="02020603050405020304" pitchFamily="18" charset="0"/>
-                <a:ea typeface="標楷體" panose="03000509000000000000" pitchFamily="65" charset="-120"/>
-                <a:cs typeface="Times New Roman" panose="02020603050405020304" pitchFamily="18" charset="0"/>
-              </a:rPr>
-              <a:t>因為只要加一次分就好，所以這邊使用前一個狀態如果是位移狀態就加分，否則不加</a:t>
-            </a:r>
-            <a:endParaRPr lang="en-US" altLang="zh-TW" dirty="0">
-              <a:latin typeface="Times New Roman" panose="02020603050405020304" pitchFamily="18" charset="0"/>
-              <a:ea typeface="標楷體" panose="03000509000000000000" pitchFamily="65" charset="-120"/>
-              <a:cs typeface="Times New Roman" panose="02020603050405020304" pitchFamily="18" charset="0"/>
-            </a:endParaRPr>
-          </a:p>
-          <a:p>
-            <a:pPr marL="285750" indent="-285750">
-              <a:buFont typeface="Arial" panose="020B0604020202020204" pitchFamily="34" charset="0"/>
-              <a:buChar char="•"/>
-            </a:pPr>
-            <a:r>
-              <a:rPr lang="zh-TW" altLang="en-US" dirty="0">
-                <a:latin typeface="Times New Roman" panose="02020603050405020304" pitchFamily="18" charset="0"/>
-                <a:ea typeface="標楷體" panose="03000509000000000000" pitchFamily="65" charset="-120"/>
-                <a:cs typeface="Times New Roman" panose="02020603050405020304" pitchFamily="18" charset="0"/>
-              </a:rPr>
-              <a:t>上述為老師提到的</a:t>
-            </a:r>
-            <a:r>
-              <a:rPr lang="en-US" altLang="zh-TW" dirty="0">
-                <a:latin typeface="Times New Roman" panose="02020603050405020304" pitchFamily="18" charset="0"/>
-                <a:ea typeface="標楷體" panose="03000509000000000000" pitchFamily="65" charset="-120"/>
-                <a:cs typeface="Times New Roman" panose="02020603050405020304" pitchFamily="18" charset="0"/>
-              </a:rPr>
-              <a:t>bug</a:t>
-            </a:r>
-          </a:p>
-          <a:p>
-            <a:pPr marL="285750" indent="-285750">
-              <a:buFont typeface="Arial" panose="020B0604020202020204" pitchFamily="34" charset="0"/>
-              <a:buChar char="•"/>
-            </a:pPr>
-            <a:endParaRPr lang="en-US" altLang="zh-TW" dirty="0"/>
-          </a:p>
-          <a:p>
-            <a:pPr marL="285750" indent="-285750">
-              <a:buFont typeface="Arial" panose="020B0604020202020204" pitchFamily="34" charset="0"/>
-              <a:buChar char="•"/>
-            </a:pPr>
-            <a:endParaRPr lang="en-US" altLang="zh-TW" dirty="0"/>
-          </a:p>
-          <a:p>
-            <a:pPr marL="285750" indent="-285750">
-              <a:buFont typeface="Arial" panose="020B0604020202020204" pitchFamily="34" charset="0"/>
-              <a:buChar char="•"/>
-            </a:pPr>
-            <a:endParaRPr lang="zh-TW" altLang="en-US" dirty="0"/>
-          </a:p>
-        </p:txBody>
-      </p:sp>
-    </p:spTree>
-    <p:extLst>
-      <p:ext uri="{BB962C8B-B14F-4D97-AF65-F5344CB8AC3E}">
-        <p14:creationId xmlns:p14="http://schemas.microsoft.com/office/powerpoint/2010/main" val="1948838132"/>
-      </p:ext>
-    </p:extLst>
-  </p:cSld>
-  <p:clrMapOvr>
-    <a:masterClrMapping/>
-  </p:clrMapOvr>
-</p:sld>
-</file>
-
-<file path=ppt/slides/slide16.xml><?xml version="1.0" encoding="utf-8"?>
-<p:sld xmlns:a="http://schemas.openxmlformats.org/drawingml/2006/main" xmlns:r="http://schemas.openxmlformats.org/officeDocument/2006/relationships" xmlns:p="http://schemas.openxmlformats.org/presentationml/2006/main">
-  <p:cSld>
-    <p:spTree>
-      <p:nvGrpSpPr>
-        <p:cNvPr id="1" name=""/>
-        <p:cNvGrpSpPr/>
-        <p:nvPr/>
-      </p:nvGrpSpPr>
-      <p:grpSpPr>
-        <a:xfrm>
-          <a:off x="0" y="0"/>
-          <a:ext cx="0" cy="0"/>
-          <a:chOff x="0" y="0"/>
-          <a:chExt cx="0" cy="0"/>
-        </a:xfrm>
-      </p:grpSpPr>
-      <p:pic>
-        <p:nvPicPr>
-          <p:cNvPr id="5" name="內容版面配置區 4">
-            <a:extLst>
-              <a:ext uri="{FF2B5EF4-FFF2-40B4-BE49-F238E27FC236}">
-                <a16:creationId xmlns:a16="http://schemas.microsoft.com/office/drawing/2014/main" id="{7F60DADB-FBA5-4508-9E78-3F697BBA99BE}"/>
-              </a:ext>
-            </a:extLst>
-          </p:cNvPr>
-          <p:cNvPicPr>
-            <a:picLocks noGrp="1" noChangeAspect="1"/>
-          </p:cNvPicPr>
-          <p:nvPr>
-            <p:ph idx="1"/>
-          </p:nvPr>
-        </p:nvPicPr>
-        <p:blipFill>
-          <a:blip r:embed="rId2"/>
-          <a:stretch>
-            <a:fillRect/>
-          </a:stretch>
-        </p:blipFill>
-        <p:spPr>
-          <a:xfrm>
-            <a:off x="838200" y="1302421"/>
-            <a:ext cx="2924583" cy="2695951"/>
-          </a:xfrm>
-        </p:spPr>
-      </p:pic>
-      <p:sp>
-        <p:nvSpPr>
-          <p:cNvPr id="3" name="標題 2">
-            <a:extLst>
-              <a:ext uri="{FF2B5EF4-FFF2-40B4-BE49-F238E27FC236}">
-                <a16:creationId xmlns:a16="http://schemas.microsoft.com/office/drawing/2014/main" id="{B3493532-0ABB-46B0-8A54-CD8DB015AD51}"/>
-              </a:ext>
-            </a:extLst>
-          </p:cNvPr>
-          <p:cNvSpPr>
-            <a:spLocks noGrp="1"/>
-          </p:cNvSpPr>
-          <p:nvPr>
-            <p:ph type="title"/>
-          </p:nvPr>
-        </p:nvSpPr>
-        <p:spPr/>
-        <p:txBody>
-          <a:bodyPr/>
-          <a:lstStyle/>
-          <a:p>
-            <a:r>
-              <a:rPr lang="zh-TW" altLang="en-US" dirty="0"/>
-              <a:t>程式說明</a:t>
-            </a:r>
-          </a:p>
-        </p:txBody>
-      </p:sp>
-      <p:sp>
-        <p:nvSpPr>
-          <p:cNvPr id="7" name="文字方塊 6">
-            <a:extLst>
-              <a:ext uri="{FF2B5EF4-FFF2-40B4-BE49-F238E27FC236}">
-                <a16:creationId xmlns:a16="http://schemas.microsoft.com/office/drawing/2014/main" id="{3D06855A-8512-4FE9-813F-8AB9611F663A}"/>
-              </a:ext>
-            </a:extLst>
-          </p:cNvPr>
-          <p:cNvSpPr txBox="1"/>
-          <p:nvPr/>
-        </p:nvSpPr>
-        <p:spPr>
-          <a:xfrm>
-            <a:off x="5060333" y="1303621"/>
-            <a:ext cx="3687116" cy="1200329"/>
-          </a:xfrm>
-          <a:prstGeom prst="rect">
-            <a:avLst/>
-          </a:prstGeom>
-          <a:noFill/>
-        </p:spPr>
-        <p:txBody>
-          <a:bodyPr wrap="square" rtlCol="0">
-            <a:spAutoFit/>
-          </a:bodyPr>
-          <a:lstStyle/>
-          <a:p>
-            <a:pPr marL="285750" indent="-285750">
-              <a:buFont typeface="Arial" panose="020B0604020202020204" pitchFamily="34" charset="0"/>
-              <a:buChar char="•"/>
-            </a:pPr>
-            <a:r>
-              <a:rPr lang="zh-TW" altLang="en-US" dirty="0">
-                <a:latin typeface="Times New Roman" panose="02020603050405020304" pitchFamily="18" charset="0"/>
-                <a:ea typeface="標楷體" panose="03000509000000000000" pitchFamily="65" charset="-120"/>
-                <a:cs typeface="Times New Roman" panose="02020603050405020304" pitchFamily="18" charset="0"/>
-              </a:rPr>
-              <a:t>變速球的部分我是利用改變</a:t>
-            </a:r>
-            <a:r>
-              <a:rPr lang="en-US" altLang="zh-TW" dirty="0">
-                <a:latin typeface="Times New Roman" panose="02020603050405020304" pitchFamily="18" charset="0"/>
-                <a:ea typeface="標楷體" panose="03000509000000000000" pitchFamily="65" charset="-120"/>
-                <a:cs typeface="Times New Roman" panose="02020603050405020304" pitchFamily="18" charset="0"/>
-              </a:rPr>
-              <a:t>div()</a:t>
-            </a:r>
-            <a:r>
-              <a:rPr lang="zh-TW" altLang="en-US" dirty="0">
-                <a:latin typeface="Times New Roman" panose="02020603050405020304" pitchFamily="18" charset="0"/>
-                <a:ea typeface="標楷體" panose="03000509000000000000" pitchFamily="65" charset="-120"/>
-                <a:cs typeface="Times New Roman" panose="02020603050405020304" pitchFamily="18" charset="0"/>
-              </a:rPr>
-              <a:t>括號裡的變數達成的，也就是除頻的大小差異變化</a:t>
-            </a:r>
-            <a:endParaRPr lang="en-US" altLang="zh-TW" dirty="0"/>
-          </a:p>
-          <a:p>
-            <a:pPr marL="285750" indent="-285750">
-              <a:buFont typeface="Arial" panose="020B0604020202020204" pitchFamily="34" charset="0"/>
-              <a:buChar char="•"/>
-            </a:pPr>
-            <a:endParaRPr lang="zh-TW" altLang="en-US" dirty="0"/>
-          </a:p>
-        </p:txBody>
-      </p:sp>
-    </p:spTree>
-    <p:extLst>
-      <p:ext uri="{BB962C8B-B14F-4D97-AF65-F5344CB8AC3E}">
-        <p14:creationId xmlns:p14="http://schemas.microsoft.com/office/powerpoint/2010/main" val="1299023531"/>
-      </p:ext>
-    </p:extLst>
-  </p:cSld>
-  <p:clrMapOvr>
-    <a:masterClrMapping/>
-  </p:clrMapOvr>
-</p:sld>
-</file>
-
-<file path=ppt/slides/slide17.xml><?xml version="1.0" encoding="utf-8"?>
-<p:sld xmlns:a="http://schemas.openxmlformats.org/drawingml/2006/main" xmlns:r="http://schemas.openxmlformats.org/officeDocument/2006/relationships" xmlns:p="http://schemas.openxmlformats.org/presentationml/2006/main">
-  <p:cSld>
-    <p:spTree>
-      <p:nvGrpSpPr>
-        <p:cNvPr id="1" name=""/>
-        <p:cNvGrpSpPr/>
-        <p:nvPr/>
-      </p:nvGrpSpPr>
-      <p:grpSpPr>
-        <a:xfrm>
-          <a:off x="0" y="0"/>
-          <a:ext cx="0" cy="0"/>
-          <a:chOff x="0" y="0"/>
-          <a:chExt cx="0" cy="0"/>
-        </a:xfrm>
-      </p:grpSpPr>
-      <p:pic>
-        <p:nvPicPr>
-          <p:cNvPr id="5" name="內容版面配置區 4">
-            <a:extLst>
-              <a:ext uri="{FF2B5EF4-FFF2-40B4-BE49-F238E27FC236}">
-                <a16:creationId xmlns:a16="http://schemas.microsoft.com/office/drawing/2014/main" id="{0D2F1D73-6B2E-419E-8610-C29CA2DEFE9B}"/>
-              </a:ext>
-            </a:extLst>
-          </p:cNvPr>
-          <p:cNvPicPr>
-            <a:picLocks noGrp="1" noChangeAspect="1"/>
-          </p:cNvPicPr>
-          <p:nvPr>
-            <p:ph idx="1"/>
-          </p:nvPr>
-        </p:nvPicPr>
-        <p:blipFill>
-          <a:blip r:embed="rId2"/>
-          <a:stretch>
-            <a:fillRect/>
-          </a:stretch>
-        </p:blipFill>
-        <p:spPr>
-          <a:xfrm>
-            <a:off x="838200" y="1226252"/>
-            <a:ext cx="4194354" cy="4957471"/>
-          </a:xfrm>
-          <a:ln w="19050">
-            <a:solidFill>
-              <a:srgbClr val="FF0000"/>
-            </a:solidFill>
-          </a:ln>
-        </p:spPr>
-      </p:pic>
-      <p:sp>
-        <p:nvSpPr>
-          <p:cNvPr id="3" name="標題 2">
-            <a:extLst>
-              <a:ext uri="{FF2B5EF4-FFF2-40B4-BE49-F238E27FC236}">
-                <a16:creationId xmlns:a16="http://schemas.microsoft.com/office/drawing/2014/main" id="{3D0ED350-5E5D-4CD5-A96E-CBC730DC6A20}"/>
-              </a:ext>
-            </a:extLst>
-          </p:cNvPr>
-          <p:cNvSpPr>
-            <a:spLocks noGrp="1"/>
-          </p:cNvSpPr>
-          <p:nvPr>
-            <p:ph type="title"/>
-          </p:nvPr>
-        </p:nvSpPr>
-        <p:spPr/>
-        <p:txBody>
-          <a:bodyPr/>
-          <a:lstStyle/>
-          <a:p>
-            <a:r>
-              <a:rPr lang="en-US" altLang="zh-TW" dirty="0"/>
-              <a:t>linting</a:t>
-            </a:r>
-            <a:endParaRPr lang="zh-TW" altLang="en-US" dirty="0"/>
+              <a:t>程式片段</a:t>
+            </a:r>
           </a:p>
         </p:txBody>
       </p:sp>
@@ -7387,7 +6080,7 @@
           <p:cNvPr id="7" name="圖片 6">
             <a:extLst>
               <a:ext uri="{FF2B5EF4-FFF2-40B4-BE49-F238E27FC236}">
-                <a16:creationId xmlns:a16="http://schemas.microsoft.com/office/drawing/2014/main" id="{8CCF7109-5284-48E2-A495-96CD61CBDB4C}"/>
+                <a16:creationId xmlns:a16="http://schemas.microsoft.com/office/drawing/2014/main" id="{49DAEDF9-3D3B-4F5F-BFB1-6B212189651A}"/>
               </a:ext>
             </a:extLst>
           </p:cNvPr>
@@ -7404,58 +6097,121 @@
         </p:blipFill>
         <p:spPr>
           <a:xfrm>
-            <a:off x="3125646" y="2402277"/>
-            <a:ext cx="7946680" cy="720001"/>
+            <a:off x="838200" y="1274843"/>
+            <a:ext cx="3214683" cy="3452808"/>
           </a:xfrm>
           <a:prstGeom prst="rect">
             <a:avLst/>
           </a:prstGeom>
-          <a:ln w="19050">
-            <a:solidFill>
-              <a:srgbClr val="FF0000"/>
-            </a:solidFill>
-          </a:ln>
         </p:spPr>
       </p:pic>
-      <p:pic>
-        <p:nvPicPr>
-          <p:cNvPr id="9" name="圖片 8">
+      <p:sp>
+        <p:nvSpPr>
+          <p:cNvPr id="8" name="文字方塊 7">
             <a:extLst>
               <a:ext uri="{FF2B5EF4-FFF2-40B4-BE49-F238E27FC236}">
-                <a16:creationId xmlns:a16="http://schemas.microsoft.com/office/drawing/2014/main" id="{2C4987D9-98D4-4F97-B076-F811BB59C1D2}"/>
+                <a16:creationId xmlns:a16="http://schemas.microsoft.com/office/drawing/2014/main" id="{E94D939F-BD02-4F55-AEBC-519F98A4A4EA}"/>
               </a:ext>
             </a:extLst>
           </p:cNvPr>
-          <p:cNvPicPr>
-            <a:picLocks noChangeAspect="1"/>
-          </p:cNvPicPr>
+          <p:cNvSpPr txBox="1"/>
           <p:nvPr/>
-        </p:nvPicPr>
-        <p:blipFill>
-          <a:blip r:embed="rId4"/>
-          <a:stretch>
-            <a:fillRect/>
-          </a:stretch>
-        </p:blipFill>
+        </p:nvSpPr>
         <p:spPr>
           <a:xfrm>
-            <a:off x="5144278" y="3732880"/>
-            <a:ext cx="5254312" cy="2419283"/>
+            <a:off x="4296746" y="3349687"/>
+            <a:ext cx="5357294" cy="2031325"/>
           </a:xfrm>
           <a:prstGeom prst="rect">
             <a:avLst/>
           </a:prstGeom>
-          <a:ln w="19050">
-            <a:solidFill>
-              <a:srgbClr val="FF0000"/>
-            </a:solidFill>
-          </a:ln>
+          <a:noFill/>
         </p:spPr>
-      </p:pic>
+        <p:txBody>
+          <a:bodyPr wrap="square" rtlCol="0">
+            <a:spAutoFit/>
+          </a:bodyPr>
+          <a:lstStyle/>
+          <a:p>
+            <a:pPr marL="285750" indent="-285750">
+              <a:buFont typeface="Arial" panose="020B0604020202020204" pitchFamily="34" charset="0"/>
+              <a:buChar char="•"/>
+            </a:pPr>
+            <a:r>
+              <a:rPr lang="zh-TW" altLang="en-US" dirty="0">
+                <a:latin typeface="標楷體" panose="03000509000000000000" pitchFamily="65" charset="-120"/>
+                <a:ea typeface="標楷體" panose="03000509000000000000" pitchFamily="65" charset="-120"/>
+              </a:rPr>
+              <a:t>與球位移一樣，每位移就加或減</a:t>
+            </a:r>
+            <a:r>
+              <a:rPr lang="en-US" altLang="zh-TW" dirty="0">
+                <a:latin typeface="Times New Roman" panose="02020603050405020304" pitchFamily="18" charset="0"/>
+                <a:ea typeface="標楷體" panose="03000509000000000000" pitchFamily="65" charset="-120"/>
+                <a:cs typeface="Times New Roman" panose="02020603050405020304" pitchFamily="18" charset="0"/>
+              </a:rPr>
+              <a:t>h_shift_b</a:t>
+            </a:r>
+            <a:r>
+              <a:rPr lang="zh-TW" altLang="en-US" dirty="0">
+                <a:latin typeface="標楷體" panose="03000509000000000000" pitchFamily="65" charset="-120"/>
+                <a:ea typeface="標楷體" panose="03000509000000000000" pitchFamily="65" charset="-120"/>
+              </a:rPr>
+              <a:t>的值來達成位移。</a:t>
+            </a:r>
+            <a:endParaRPr lang="en-US" altLang="zh-TW" dirty="0">
+              <a:latin typeface="標楷體" panose="03000509000000000000" pitchFamily="65" charset="-120"/>
+              <a:ea typeface="標楷體" panose="03000509000000000000" pitchFamily="65" charset="-120"/>
+            </a:endParaRPr>
+          </a:p>
+          <a:p>
+            <a:pPr marL="285750" indent="-285750">
+              <a:buFont typeface="Arial" panose="020B0604020202020204" pitchFamily="34" charset="0"/>
+              <a:buChar char="•"/>
+            </a:pPr>
+            <a:r>
+              <a:rPr lang="zh-TW" altLang="en-US" dirty="0">
+                <a:latin typeface="標楷體" panose="03000509000000000000" pitchFamily="65" charset="-120"/>
+                <a:ea typeface="標楷體" panose="03000509000000000000" pitchFamily="65" charset="-120"/>
+              </a:rPr>
+              <a:t>比較不同的是</a:t>
+            </a:r>
+            <a:r>
+              <a:rPr lang="en-US" altLang="zh-TW" dirty="0">
+                <a:latin typeface="Times New Roman" panose="02020603050405020304" pitchFamily="18" charset="0"/>
+                <a:ea typeface="標楷體" panose="03000509000000000000" pitchFamily="65" charset="-120"/>
+                <a:cs typeface="Times New Roman" panose="02020603050405020304" pitchFamily="18" charset="0"/>
+              </a:rPr>
+              <a:t>bram</a:t>
+            </a:r>
+            <a:r>
+              <a:rPr lang="zh-TW" altLang="en-US" dirty="0">
+                <a:latin typeface="標楷體" panose="03000509000000000000" pitchFamily="65" charset="-120"/>
+                <a:ea typeface="標楷體" panose="03000509000000000000" pitchFamily="65" charset="-120"/>
+              </a:rPr>
+              <a:t>位址的每一次加一，相當於每一次讀取一個位址的資料，當位址讀取到最後一個必須歸零，才能確保資料顯示正確，所以參數要給的準確。</a:t>
+            </a:r>
+            <a:endParaRPr lang="en-US" altLang="zh-TW" dirty="0">
+              <a:latin typeface="標楷體" panose="03000509000000000000" pitchFamily="65" charset="-120"/>
+              <a:ea typeface="標楷體" panose="03000509000000000000" pitchFamily="65" charset="-120"/>
+            </a:endParaRPr>
+          </a:p>
+          <a:p>
+            <a:pPr marL="285750" indent="-285750">
+              <a:buFont typeface="Arial" panose="020B0604020202020204" pitchFamily="34" charset="0"/>
+              <a:buChar char="•"/>
+            </a:pPr>
+            <a:endParaRPr lang="en-US" altLang="zh-TW" dirty="0">
+              <a:latin typeface="標楷體" panose="03000509000000000000" pitchFamily="65" charset="-120"/>
+              <a:ea typeface="標楷體" panose="03000509000000000000" pitchFamily="65" charset="-120"/>
+            </a:endParaRPr>
+          </a:p>
+        </p:txBody>
+      </p:sp>
     </p:spTree>
     <p:extLst>
       <p:ext uri="{BB962C8B-B14F-4D97-AF65-F5344CB8AC3E}">
-        <p14:creationId xmlns:p14="http://schemas.microsoft.com/office/powerpoint/2010/main" val="1225873957"/>
+        <p14:creationId xmlns:p14="http://schemas.microsoft.com/office/powerpoint/2010/main" val="2564935246"/>
       </p:ext>
     </p:extLst>
   </p:cSld>
@@ -7465,12 +6221,18 @@
 </p:sld>
 </file>
 
-<file path=ppt/slides/slide18.xml><?xml version="1.0" encoding="utf-8"?>
+<file path=ppt/slides/slide12.xml><?xml version="1.0" encoding="utf-8"?>
 <p:sld xmlns:a="http://schemas.openxmlformats.org/drawingml/2006/main" xmlns:r="http://schemas.openxmlformats.org/officeDocument/2006/relationships" xmlns:p="http://schemas.openxmlformats.org/presentationml/2006/main">
   <p:cSld>
     <p:spTree>
       <p:nvGrpSpPr>
-        <p:cNvPr id="1" name=""/>
+        <p:cNvPr id="1" name="">
+          <a:extLst>
+            <a:ext uri="{FF2B5EF4-FFF2-40B4-BE49-F238E27FC236}">
+              <a16:creationId xmlns:a16="http://schemas.microsoft.com/office/drawing/2014/main" id="{77A3B028-41B5-7149-F9D9-3A61D84F20F9}"/>
+            </a:ext>
+          </a:extLst>
+        </p:cNvPr>
         <p:cNvGrpSpPr/>
         <p:nvPr/>
       </p:nvGrpSpPr>
@@ -7482,404 +6244,99 @@
           <a:chExt cx="0" cy="0"/>
         </a:xfrm>
       </p:grpSpPr>
+      <p:sp>
+        <p:nvSpPr>
+          <p:cNvPr id="2" name="內容版面配置區 1">
+            <a:extLst>
+              <a:ext uri="{FF2B5EF4-FFF2-40B4-BE49-F238E27FC236}">
+                <a16:creationId xmlns:a16="http://schemas.microsoft.com/office/drawing/2014/main" id="{17C62A5B-EA4E-B428-5450-44EC753F0B2B}"/>
+              </a:ext>
+            </a:extLst>
+          </p:cNvPr>
+          <p:cNvSpPr>
+            <a:spLocks noGrp="1"/>
+          </p:cNvSpPr>
+          <p:nvPr>
+            <p:ph idx="1"/>
+          </p:nvPr>
+        </p:nvSpPr>
+        <p:spPr/>
+        <p:txBody>
+          <a:bodyPr/>
+          <a:lstStyle/>
+          <a:p>
+            <a:r>
+              <a:rPr lang="en-US" altLang="zh-TW" dirty="0">
+                <a:hlinkClick r:id="rId2"/>
+              </a:rPr>
+              <a:t>https://youtu.be/EhXAoEEaJS8</a:t>
+            </a:r>
+            <a:endParaRPr lang="zh-TW" altLang="en-US" dirty="0"/>
+          </a:p>
+        </p:txBody>
+      </p:sp>
+      <p:sp>
+        <p:nvSpPr>
+          <p:cNvPr id="3" name="標題 2">
+            <a:extLst>
+              <a:ext uri="{FF2B5EF4-FFF2-40B4-BE49-F238E27FC236}">
+                <a16:creationId xmlns:a16="http://schemas.microsoft.com/office/drawing/2014/main" id="{C597A3C8-981B-CFF0-0ED8-A912927000A0}"/>
+              </a:ext>
+            </a:extLst>
+          </p:cNvPr>
+          <p:cNvSpPr>
+            <a:spLocks noGrp="1"/>
+          </p:cNvSpPr>
+          <p:nvPr>
+            <p:ph type="title"/>
+          </p:nvPr>
+        </p:nvSpPr>
+        <p:spPr/>
+        <p:txBody>
+          <a:bodyPr/>
+          <a:lstStyle/>
+          <a:p>
+            <a:r>
+              <a:rPr lang="zh-TW" altLang="en-US" dirty="0"/>
+              <a:t>成果展示</a:t>
+            </a:r>
+          </a:p>
+        </p:txBody>
+      </p:sp>
       <p:pic>
         <p:nvPicPr>
-          <p:cNvPr id="5" name="內容版面配置區 4">
+          <p:cNvPr id="5" name="圖片 4">
             <a:extLst>
               <a:ext uri="{FF2B5EF4-FFF2-40B4-BE49-F238E27FC236}">
-                <a16:creationId xmlns:a16="http://schemas.microsoft.com/office/drawing/2014/main" id="{61A2F986-E00F-40C8-98D2-C665C069AAA3}"/>
+                <a16:creationId xmlns:a16="http://schemas.microsoft.com/office/drawing/2014/main" id="{55978691-DE83-4B82-8013-8D8CAF7E95AD}"/>
               </a:ext>
             </a:extLst>
           </p:cNvPr>
           <p:cNvPicPr>
-            <a:picLocks noGrp="1" noChangeAspect="1"/>
+            <a:picLocks noChangeAspect="1"/>
           </p:cNvPicPr>
-          <p:nvPr>
-            <p:ph idx="1"/>
-          </p:nvPr>
+          <p:nvPr/>
         </p:nvPicPr>
         <p:blipFill>
-          <a:blip r:embed="rId2"/>
+          <a:blip r:embed="rId3"/>
           <a:stretch>
             <a:fillRect/>
           </a:stretch>
         </p:blipFill>
         <p:spPr>
           <a:xfrm>
-            <a:off x="838200" y="1207958"/>
-            <a:ext cx="3648132" cy="5037137"/>
-          </a:xfrm>
-        </p:spPr>
-      </p:pic>
-      <p:sp>
-        <p:nvSpPr>
-          <p:cNvPr id="3" name="標題 2">
-            <a:extLst>
-              <a:ext uri="{FF2B5EF4-FFF2-40B4-BE49-F238E27FC236}">
-                <a16:creationId xmlns:a16="http://schemas.microsoft.com/office/drawing/2014/main" id="{C711B207-9982-4C45-ABDE-C1C3DD6800C8}"/>
-              </a:ext>
-            </a:extLst>
-          </p:cNvPr>
-          <p:cNvSpPr>
-            <a:spLocks noGrp="1"/>
-          </p:cNvSpPr>
-          <p:nvPr>
-            <p:ph type="title"/>
-          </p:nvPr>
-        </p:nvSpPr>
-        <p:spPr/>
-        <p:txBody>
-          <a:bodyPr/>
-          <a:lstStyle/>
-          <a:p>
-            <a:r>
-              <a:rPr lang="en-US" altLang="zh-TW" dirty="0"/>
-              <a:t>demo</a:t>
-            </a:r>
-            <a:endParaRPr lang="zh-TW" altLang="en-US" dirty="0"/>
-          </a:p>
-        </p:txBody>
-      </p:sp>
-      <p:sp>
-        <p:nvSpPr>
-          <p:cNvPr id="7" name="文字方塊 6">
-            <a:extLst>
-              <a:ext uri="{FF2B5EF4-FFF2-40B4-BE49-F238E27FC236}">
-                <a16:creationId xmlns:a16="http://schemas.microsoft.com/office/drawing/2014/main" id="{FD8A2375-587D-417E-A568-52555135065E}"/>
-              </a:ext>
-            </a:extLst>
-          </p:cNvPr>
-          <p:cNvSpPr txBox="1"/>
-          <p:nvPr/>
-        </p:nvSpPr>
-        <p:spPr>
-          <a:xfrm>
-            <a:off x="5060333" y="1303621"/>
-            <a:ext cx="4867438" cy="369332"/>
+            <a:off x="838199" y="1596086"/>
+            <a:ext cx="8266189" cy="4643540"/>
           </a:xfrm>
           <a:prstGeom prst="rect">
             <a:avLst/>
           </a:prstGeom>
-          <a:noFill/>
         </p:spPr>
-        <p:txBody>
-          <a:bodyPr wrap="square" rtlCol="0">
-            <a:spAutoFit/>
-          </a:bodyPr>
-          <a:lstStyle/>
-          <a:p>
-            <a:pPr marL="285750" indent="-285750">
-              <a:buFont typeface="Arial" panose="020B0604020202020204" pitchFamily="34" charset="0"/>
-              <a:buChar char="•"/>
-            </a:pPr>
-            <a:r>
-              <a:rPr lang="en-US" altLang="zh-TW" dirty="0">
-                <a:hlinkClick r:id="rId3"/>
-              </a:rPr>
-              <a:t>https://youtube.com/shorts/HCbeNhxoVuM</a:t>
-            </a:r>
-            <a:endParaRPr lang="zh-TW" altLang="en-US" dirty="0"/>
-          </a:p>
-        </p:txBody>
-      </p:sp>
+      </p:pic>
     </p:spTree>
     <p:extLst>
       <p:ext uri="{BB962C8B-B14F-4D97-AF65-F5344CB8AC3E}">
-        <p14:creationId xmlns:p14="http://schemas.microsoft.com/office/powerpoint/2010/main" val="329013204"/>
-      </p:ext>
-    </p:extLst>
-  </p:cSld>
-  <p:clrMapOvr>
-    <a:masterClrMapping/>
-  </p:clrMapOvr>
-</p:sld>
-</file>
-
-<file path=ppt/slides/slide19.xml><?xml version="1.0" encoding="utf-8"?>
-<p:sld xmlns:a="http://schemas.openxmlformats.org/drawingml/2006/main" xmlns:r="http://schemas.openxmlformats.org/officeDocument/2006/relationships" xmlns:p="http://schemas.openxmlformats.org/presentationml/2006/main">
-  <p:cSld>
-    <p:spTree>
-      <p:nvGrpSpPr>
-        <p:cNvPr id="1" name=""/>
-        <p:cNvGrpSpPr/>
-        <p:nvPr/>
-      </p:nvGrpSpPr>
-      <p:grpSpPr>
-        <a:xfrm>
-          <a:off x="0" y="0"/>
-          <a:ext cx="0" cy="0"/>
-          <a:chOff x="0" y="0"/>
-          <a:chExt cx="0" cy="0"/>
-        </a:xfrm>
-      </p:grpSpPr>
-      <p:sp>
-        <p:nvSpPr>
-          <p:cNvPr id="3" name="標題 2">
-            <a:extLst>
-              <a:ext uri="{FF2B5EF4-FFF2-40B4-BE49-F238E27FC236}">
-                <a16:creationId xmlns:a16="http://schemas.microsoft.com/office/drawing/2014/main" id="{83165B05-C070-F00C-F853-A4990E6ECC41}"/>
-              </a:ext>
-            </a:extLst>
-          </p:cNvPr>
-          <p:cNvSpPr>
-            <a:spLocks noGrp="1"/>
-          </p:cNvSpPr>
-          <p:nvPr>
-            <p:ph type="title"/>
-          </p:nvPr>
-        </p:nvSpPr>
-        <p:spPr/>
-        <p:txBody>
-          <a:bodyPr/>
-          <a:lstStyle/>
-          <a:p>
-            <a:r>
-              <a:rPr lang="en-US" altLang="zh-TW" dirty="0"/>
-              <a:t>state assignment</a:t>
-            </a:r>
-            <a:endParaRPr lang="zh-TW" altLang="en-US" dirty="0"/>
-          </a:p>
-        </p:txBody>
-      </p:sp>
-      <p:pic>
-        <p:nvPicPr>
-          <p:cNvPr id="4" name="內容版面配置區 3">
-            <a:extLst>
-              <a:ext uri="{FF2B5EF4-FFF2-40B4-BE49-F238E27FC236}">
-                <a16:creationId xmlns:a16="http://schemas.microsoft.com/office/drawing/2014/main" id="{855C8BDA-68E4-789C-D252-BEC3EE4DFE7B}"/>
-              </a:ext>
-            </a:extLst>
-          </p:cNvPr>
-          <p:cNvPicPr>
-            <a:picLocks noGrp="1" noChangeAspect="1"/>
-          </p:cNvPicPr>
-          <p:nvPr>
-            <p:ph idx="1"/>
-          </p:nvPr>
-        </p:nvPicPr>
-        <p:blipFill>
-          <a:blip r:embed="rId2" cstate="print">
-            <a:extLst>
-              <a:ext uri="{28A0092B-C50C-407E-A947-70E740481C1C}">
-                <a14:useLocalDpi xmlns:a14="http://schemas.microsoft.com/office/drawing/2010/main" val="0"/>
-              </a:ext>
-            </a:extLst>
-          </a:blip>
-          <a:stretch>
-            <a:fillRect/>
-          </a:stretch>
-        </p:blipFill>
-        <p:spPr>
-          <a:xfrm>
-            <a:off x="2567937" y="1201738"/>
-            <a:ext cx="7056126" cy="5037137"/>
-          </a:xfrm>
-          <a:prstGeom prst="rect">
-            <a:avLst/>
-          </a:prstGeom>
-          <a:ln w="19050">
-            <a:solidFill>
-              <a:srgbClr val="FF0000"/>
-            </a:solidFill>
-          </a:ln>
-        </p:spPr>
-      </p:pic>
-      <p:sp>
-        <p:nvSpPr>
-          <p:cNvPr id="5" name="橢圓 4">
-            <a:extLst>
-              <a:ext uri="{FF2B5EF4-FFF2-40B4-BE49-F238E27FC236}">
-                <a16:creationId xmlns:a16="http://schemas.microsoft.com/office/drawing/2014/main" id="{65B78862-363E-EC47-0F97-1B0E394C364E}"/>
-              </a:ext>
-            </a:extLst>
-          </p:cNvPr>
-          <p:cNvSpPr/>
-          <p:nvPr/>
-        </p:nvSpPr>
-        <p:spPr>
-          <a:xfrm>
-            <a:off x="4627984" y="3890865"/>
-            <a:ext cx="494522" cy="485192"/>
-          </a:xfrm>
-          <a:prstGeom prst="ellipse">
-            <a:avLst/>
-          </a:prstGeom>
-          <a:noFill/>
-          <a:ln w="19050">
-            <a:solidFill>
-              <a:srgbClr val="FF0000"/>
-            </a:solidFill>
-          </a:ln>
-        </p:spPr>
-        <p:style>
-          <a:lnRef idx="2">
-            <a:schemeClr val="accent1">
-              <a:shade val="15000"/>
-            </a:schemeClr>
-          </a:lnRef>
-          <a:fillRef idx="1">
-            <a:schemeClr val="accent1"/>
-          </a:fillRef>
-          <a:effectRef idx="0">
-            <a:schemeClr val="accent1"/>
-          </a:effectRef>
-          <a:fontRef idx="minor">
-            <a:schemeClr val="lt1"/>
-          </a:fontRef>
-        </p:style>
-        <p:txBody>
-          <a:bodyPr rtlCol="0" anchor="ctr"/>
-          <a:lstStyle/>
-          <a:p>
-            <a:pPr algn="ctr"/>
-            <a:endParaRPr lang="zh-TW" altLang="en-US">
-              <a:ln>
-                <a:solidFill>
-                  <a:schemeClr val="tx1"/>
-                </a:solidFill>
-              </a:ln>
-            </a:endParaRPr>
-          </a:p>
-        </p:txBody>
-      </p:sp>
-      <p:sp>
-        <p:nvSpPr>
-          <p:cNvPr id="6" name="橢圓 5">
-            <a:extLst>
-              <a:ext uri="{FF2B5EF4-FFF2-40B4-BE49-F238E27FC236}">
-                <a16:creationId xmlns:a16="http://schemas.microsoft.com/office/drawing/2014/main" id="{E4019FA2-32F1-DFD3-B2DF-E89231F9C0DA}"/>
-              </a:ext>
-            </a:extLst>
-          </p:cNvPr>
-          <p:cNvSpPr/>
-          <p:nvPr/>
-        </p:nvSpPr>
-        <p:spPr>
-          <a:xfrm>
-            <a:off x="6691141" y="3890865"/>
-            <a:ext cx="494522" cy="485192"/>
-          </a:xfrm>
-          <a:prstGeom prst="ellipse">
-            <a:avLst/>
-          </a:prstGeom>
-          <a:noFill/>
-          <a:ln w="19050">
-            <a:solidFill>
-              <a:srgbClr val="FF0000"/>
-            </a:solidFill>
-          </a:ln>
-        </p:spPr>
-        <p:style>
-          <a:lnRef idx="2">
-            <a:schemeClr val="accent1">
-              <a:shade val="15000"/>
-            </a:schemeClr>
-          </a:lnRef>
-          <a:fillRef idx="1">
-            <a:schemeClr val="accent1"/>
-          </a:fillRef>
-          <a:effectRef idx="0">
-            <a:schemeClr val="accent1"/>
-          </a:effectRef>
-          <a:fontRef idx="minor">
-            <a:schemeClr val="lt1"/>
-          </a:fontRef>
-        </p:style>
-        <p:txBody>
-          <a:bodyPr rtlCol="0" anchor="ctr"/>
-          <a:lstStyle/>
-          <a:p>
-            <a:pPr algn="ctr"/>
-            <a:endParaRPr lang="zh-TW" altLang="en-US">
-              <a:ln>
-                <a:solidFill>
-                  <a:schemeClr val="tx1"/>
-                </a:solidFill>
-              </a:ln>
-            </a:endParaRPr>
-          </a:p>
-        </p:txBody>
-      </p:sp>
-      <p:sp>
-        <p:nvSpPr>
-          <p:cNvPr id="8" name="文字方塊 7">
-            <a:extLst>
-              <a:ext uri="{FF2B5EF4-FFF2-40B4-BE49-F238E27FC236}">
-                <a16:creationId xmlns:a16="http://schemas.microsoft.com/office/drawing/2014/main" id="{269FCEC7-9C9E-E23B-9748-D6550A5B6E13}"/>
-              </a:ext>
-            </a:extLst>
-          </p:cNvPr>
-          <p:cNvSpPr txBox="1"/>
-          <p:nvPr/>
-        </p:nvSpPr>
-        <p:spPr>
-          <a:xfrm>
-            <a:off x="6570389" y="3909526"/>
-            <a:ext cx="736026" cy="369332"/>
-          </a:xfrm>
-          <a:prstGeom prst="rect">
-            <a:avLst/>
-          </a:prstGeom>
-          <a:noFill/>
-        </p:spPr>
-        <p:txBody>
-          <a:bodyPr wrap="square" rtlCol="0">
-            <a:spAutoFit/>
-          </a:bodyPr>
-          <a:lstStyle/>
-          <a:p>
-            <a:r>
-              <a:rPr lang="zh-TW" altLang="en-US" dirty="0">
-                <a:latin typeface="標楷體" panose="03000509000000000000" pitchFamily="65" charset="-120"/>
-                <a:ea typeface="標楷體" panose="03000509000000000000" pitchFamily="65" charset="-120"/>
-              </a:rPr>
-              <a:t>復位</a:t>
-            </a:r>
-          </a:p>
-        </p:txBody>
-      </p:sp>
-      <p:sp>
-        <p:nvSpPr>
-          <p:cNvPr id="10" name="文字方塊 9">
-            <a:extLst>
-              <a:ext uri="{FF2B5EF4-FFF2-40B4-BE49-F238E27FC236}">
-                <a16:creationId xmlns:a16="http://schemas.microsoft.com/office/drawing/2014/main" id="{C1CBA4FA-C1F6-65B9-9756-B8BFE4EC8AE8}"/>
-              </a:ext>
-            </a:extLst>
-          </p:cNvPr>
-          <p:cNvSpPr txBox="1"/>
-          <p:nvPr/>
-        </p:nvSpPr>
-        <p:spPr>
-          <a:xfrm>
-            <a:off x="4507232" y="3909526"/>
-            <a:ext cx="736026" cy="369332"/>
-          </a:xfrm>
-          <a:prstGeom prst="rect">
-            <a:avLst/>
-          </a:prstGeom>
-          <a:noFill/>
-        </p:spPr>
-        <p:txBody>
-          <a:bodyPr wrap="square" rtlCol="0">
-            <a:spAutoFit/>
-          </a:bodyPr>
-          <a:lstStyle/>
-          <a:p>
-            <a:r>
-              <a:rPr lang="zh-TW" altLang="en-US" dirty="0">
-                <a:latin typeface="標楷體" panose="03000509000000000000" pitchFamily="65" charset="-120"/>
-                <a:ea typeface="標楷體" panose="03000509000000000000" pitchFamily="65" charset="-120"/>
-              </a:rPr>
-              <a:t>復位</a:t>
-            </a:r>
-          </a:p>
-        </p:txBody>
-      </p:sp>
-    </p:spTree>
-    <p:extLst>
-      <p:ext uri="{BB962C8B-B14F-4D97-AF65-F5344CB8AC3E}">
-        <p14:creationId xmlns:p14="http://schemas.microsoft.com/office/powerpoint/2010/main" val="2150109000"/>
+        <p14:creationId xmlns:p14="http://schemas.microsoft.com/office/powerpoint/2010/main" val="3112593289"/>
       </p:ext>
     </p:extLst>
   </p:cSld>
@@ -7936,6 +6393,41 @@
               <a:t>:</a:t>
             </a:r>
           </a:p>
+          <a:p>
+            <a:r>
+              <a:rPr lang="zh-TW" altLang="en-US" dirty="0"/>
+              <a:t>用之前的乒乓球程式結合</a:t>
+            </a:r>
+            <a:r>
+              <a:rPr lang="en-US" altLang="zh-TW" dirty="0"/>
+              <a:t>VGA</a:t>
+            </a:r>
+          </a:p>
+          <a:p>
+            <a:r>
+              <a:rPr lang="zh-TW" altLang="en-US" dirty="0"/>
+              <a:t>利用每位移一次就顯示在下一個位置來達成</a:t>
+            </a:r>
+            <a:endParaRPr lang="en-US" altLang="zh-TW" dirty="0"/>
+          </a:p>
+          <a:p>
+            <a:r>
+              <a:rPr lang="zh-TW" altLang="en-US" dirty="0"/>
+              <a:t>如下圖</a:t>
+            </a:r>
+            <a:r>
+              <a:rPr lang="en-US" altLang="zh-TW" dirty="0"/>
+              <a:t>(</a:t>
+            </a:r>
+            <a:r>
+              <a:rPr lang="zh-TW" altLang="en-US" dirty="0"/>
+              <a:t>假設右移</a:t>
+            </a:r>
+            <a:r>
+              <a:rPr lang="en-US" altLang="zh-TW" dirty="0"/>
+              <a:t>)</a:t>
+            </a:r>
+          </a:p>
         </p:txBody>
       </p:sp>
       <p:sp>
@@ -7974,51 +6466,19 @@
           </a:p>
         </p:txBody>
       </p:sp>
-    </p:spTree>
-    <p:extLst>
-      <p:ext uri="{BB962C8B-B14F-4D97-AF65-F5344CB8AC3E}">
-        <p14:creationId xmlns:p14="http://schemas.microsoft.com/office/powerpoint/2010/main" val="598204813"/>
-      </p:ext>
-    </p:extLst>
-  </p:cSld>
-  <p:clrMapOvr>
-    <a:masterClrMapping/>
-  </p:clrMapOvr>
-</p:sld>
-</file>
-
-<file path=ppt/slides/slide20.xml><?xml version="1.0" encoding="utf-8"?>
-<p:sld xmlns:a="http://schemas.openxmlformats.org/drawingml/2006/main" xmlns:r="http://schemas.openxmlformats.org/officeDocument/2006/relationships" xmlns:p="http://schemas.openxmlformats.org/presentationml/2006/main">
-  <p:cSld>
-    <p:spTree>
-      <p:nvGrpSpPr>
-        <p:cNvPr id="1" name=""/>
-        <p:cNvGrpSpPr/>
-        <p:nvPr/>
-      </p:nvGrpSpPr>
-      <p:grpSpPr>
-        <a:xfrm>
-          <a:off x="0" y="0"/>
-          <a:ext cx="0" cy="0"/>
-          <a:chOff x="0" y="0"/>
-          <a:chExt cx="0" cy="0"/>
-        </a:xfrm>
-      </p:grpSpPr>
       <p:pic>
         <p:nvPicPr>
-          <p:cNvPr id="5" name="內容版面配置區 4">
+          <p:cNvPr id="5" name="圖片 4">
             <a:extLst>
               <a:ext uri="{FF2B5EF4-FFF2-40B4-BE49-F238E27FC236}">
-                <a16:creationId xmlns:a16="http://schemas.microsoft.com/office/drawing/2014/main" id="{2A7DE076-8634-6E87-9C0B-3F41779D2CEE}"/>
+                <a16:creationId xmlns:a16="http://schemas.microsoft.com/office/drawing/2014/main" id="{BA1DF52E-E277-4E58-A20C-DD479310385B}"/>
               </a:ext>
             </a:extLst>
           </p:cNvPr>
           <p:cNvPicPr>
-            <a:picLocks noGrp="1" noChangeAspect="1"/>
+            <a:picLocks noChangeAspect="1"/>
           </p:cNvPicPr>
-          <p:nvPr>
-            <p:ph idx="1"/>
-          </p:nvPr>
+          <p:nvPr/>
         </p:nvPicPr>
         <p:blipFill>
           <a:blip r:embed="rId2"/>
@@ -8028,185 +6488,23 @@
         </p:blipFill>
         <p:spPr>
           <a:xfrm>
-            <a:off x="838200" y="1391314"/>
-            <a:ext cx="5468113" cy="4639322"/>
-          </a:xfrm>
-        </p:spPr>
-      </p:pic>
-      <p:sp>
-        <p:nvSpPr>
-          <p:cNvPr id="3" name="標題 2">
-            <a:extLst>
-              <a:ext uri="{FF2B5EF4-FFF2-40B4-BE49-F238E27FC236}">
-                <a16:creationId xmlns:a16="http://schemas.microsoft.com/office/drawing/2014/main" id="{C3C9F8DD-1DB4-D5F8-60B8-021927B37E81}"/>
-              </a:ext>
-            </a:extLst>
-          </p:cNvPr>
-          <p:cNvSpPr>
-            <a:spLocks noGrp="1"/>
-          </p:cNvSpPr>
-          <p:nvPr>
-            <p:ph type="title"/>
-          </p:nvPr>
-        </p:nvSpPr>
-        <p:spPr/>
-        <p:txBody>
-          <a:bodyPr/>
-          <a:lstStyle/>
-          <a:p>
-            <a:r>
-              <a:rPr lang="zh-TW" altLang="en-US" dirty="0"/>
-              <a:t>程式片段</a:t>
-            </a:r>
-          </a:p>
-        </p:txBody>
-      </p:sp>
-      <p:sp>
-        <p:nvSpPr>
-          <p:cNvPr id="6" name="文字方塊 5">
-            <a:extLst>
-              <a:ext uri="{FF2B5EF4-FFF2-40B4-BE49-F238E27FC236}">
-                <a16:creationId xmlns:a16="http://schemas.microsoft.com/office/drawing/2014/main" id="{B4904FC2-8F68-D573-2458-32833A6B747B}"/>
-              </a:ext>
-            </a:extLst>
-          </p:cNvPr>
-          <p:cNvSpPr txBox="1"/>
-          <p:nvPr/>
-        </p:nvSpPr>
-        <p:spPr>
-          <a:xfrm>
-            <a:off x="6441264" y="1391314"/>
-            <a:ext cx="4912536" cy="2031325"/>
+            <a:off x="648964" y="2882999"/>
+            <a:ext cx="11155332" cy="2286319"/>
           </a:xfrm>
           <a:prstGeom prst="rect">
             <a:avLst/>
           </a:prstGeom>
-          <a:noFill/>
+          <a:ln w="19050">
+            <a:solidFill>
+              <a:srgbClr val="FF0000"/>
+            </a:solidFill>
+          </a:ln>
         </p:spPr>
-        <p:txBody>
-          <a:bodyPr wrap="square" rtlCol="0">
-            <a:spAutoFit/>
-          </a:bodyPr>
-          <a:lstStyle/>
-          <a:p>
-            <a:pPr marL="285750" indent="-285750">
-              <a:buFont typeface="Arial" panose="020B0604020202020204" pitchFamily="34" charset="0"/>
-              <a:buChar char="•"/>
-            </a:pPr>
-            <a:r>
-              <a:rPr lang="zh-TW" altLang="en-US" dirty="0">
-                <a:latin typeface="Times New Roman" panose="02020603050405020304" pitchFamily="18" charset="0"/>
-                <a:ea typeface="標楷體" panose="03000509000000000000" pitchFamily="65" charset="-120"/>
-                <a:cs typeface="Times New Roman" panose="02020603050405020304" pitchFamily="18" charset="0"/>
-              </a:rPr>
-              <a:t>我直接多寫兩個狀態讓球復位，不過這種方法是在低速</a:t>
-            </a:r>
-            <a:r>
-              <a:rPr lang="en-US" altLang="zh-TW" dirty="0" err="1">
-                <a:latin typeface="Times New Roman" panose="02020603050405020304" pitchFamily="18" charset="0"/>
-                <a:ea typeface="標楷體" panose="03000509000000000000" pitchFamily="65" charset="-120"/>
-                <a:cs typeface="Times New Roman" panose="02020603050405020304" pitchFamily="18" charset="0"/>
-              </a:rPr>
-              <a:t>clk</a:t>
-            </a:r>
-            <a:endParaRPr lang="en-US" altLang="zh-TW" dirty="0">
-              <a:latin typeface="Times New Roman" panose="02020603050405020304" pitchFamily="18" charset="0"/>
-              <a:ea typeface="標楷體" panose="03000509000000000000" pitchFamily="65" charset="-120"/>
-              <a:cs typeface="Times New Roman" panose="02020603050405020304" pitchFamily="18" charset="0"/>
-            </a:endParaRPr>
-          </a:p>
-          <a:p>
-            <a:pPr marL="285750" indent="-285750">
-              <a:buFont typeface="Arial" panose="020B0604020202020204" pitchFamily="34" charset="0"/>
-              <a:buChar char="•"/>
-            </a:pPr>
-            <a:r>
-              <a:rPr lang="zh-TW" altLang="en-US" dirty="0">
-                <a:latin typeface="Times New Roman" panose="02020603050405020304" pitchFamily="18" charset="0"/>
-                <a:ea typeface="標楷體" panose="03000509000000000000" pitchFamily="65" charset="-120"/>
-                <a:cs typeface="Times New Roman" panose="02020603050405020304" pitchFamily="18" charset="0"/>
-              </a:rPr>
-              <a:t>還有一種是利用高速</a:t>
-            </a:r>
-            <a:r>
-              <a:rPr lang="en-US" altLang="zh-TW" dirty="0" err="1">
-                <a:latin typeface="Times New Roman" panose="02020603050405020304" pitchFamily="18" charset="0"/>
-                <a:ea typeface="標楷體" panose="03000509000000000000" pitchFamily="65" charset="-120"/>
-                <a:cs typeface="Times New Roman" panose="02020603050405020304" pitchFamily="18" charset="0"/>
-              </a:rPr>
-              <a:t>clk</a:t>
-            </a:r>
-            <a:r>
-              <a:rPr lang="zh-TW" altLang="en-US" dirty="0">
-                <a:latin typeface="Times New Roman" panose="02020603050405020304" pitchFamily="18" charset="0"/>
-                <a:ea typeface="標楷體" panose="03000509000000000000" pitchFamily="65" charset="-120"/>
-                <a:cs typeface="Times New Roman" panose="02020603050405020304" pitchFamily="18" charset="0"/>
-              </a:rPr>
-              <a:t>來做，就是再多寫一個</a:t>
-            </a:r>
-            <a:r>
-              <a:rPr lang="en-US" altLang="zh-TW" dirty="0">
-                <a:latin typeface="Times New Roman" panose="02020603050405020304" pitchFamily="18" charset="0"/>
-                <a:ea typeface="標楷體" panose="03000509000000000000" pitchFamily="65" charset="-120"/>
-                <a:cs typeface="Times New Roman" panose="02020603050405020304" pitchFamily="18" charset="0"/>
-              </a:rPr>
-              <a:t> process </a:t>
-            </a:r>
-            <a:r>
-              <a:rPr lang="zh-TW" altLang="en-US" dirty="0">
-                <a:latin typeface="Times New Roman" panose="02020603050405020304" pitchFamily="18" charset="0"/>
-                <a:ea typeface="標楷體" panose="03000509000000000000" pitchFamily="65" charset="-120"/>
-                <a:cs typeface="Times New Roman" panose="02020603050405020304" pitchFamily="18" charset="0"/>
-              </a:rPr>
-              <a:t>裡面控制 </a:t>
-            </a:r>
-            <a:r>
-              <a:rPr lang="en-US" altLang="zh-TW" dirty="0">
-                <a:latin typeface="Times New Roman" panose="02020603050405020304" pitchFamily="18" charset="0"/>
-                <a:ea typeface="標楷體" panose="03000509000000000000" pitchFamily="65" charset="-120"/>
-                <a:cs typeface="Times New Roman" panose="02020603050405020304" pitchFamily="18" charset="0"/>
-              </a:rPr>
-              <a:t>mask</a:t>
-            </a:r>
-            <a:r>
-              <a:rPr lang="zh-TW" altLang="en-US" dirty="0">
-                <a:latin typeface="Times New Roman" panose="02020603050405020304" pitchFamily="18" charset="0"/>
-                <a:ea typeface="標楷體" panose="03000509000000000000" pitchFamily="65" charset="-120"/>
-                <a:cs typeface="Times New Roman" panose="02020603050405020304" pitchFamily="18" charset="0"/>
-              </a:rPr>
-              <a:t> 與 </a:t>
-            </a:r>
-            <a:r>
-              <a:rPr lang="en-US" altLang="zh-TW" dirty="0">
-                <a:latin typeface="Times New Roman" panose="02020603050405020304" pitchFamily="18" charset="0"/>
-                <a:ea typeface="標楷體" panose="03000509000000000000" pitchFamily="65" charset="-120"/>
-                <a:cs typeface="Times New Roman" panose="02020603050405020304" pitchFamily="18" charset="0"/>
-              </a:rPr>
-              <a:t>ball </a:t>
-            </a:r>
-            <a:r>
-              <a:rPr lang="zh-TW" altLang="en-US" dirty="0">
-                <a:latin typeface="Times New Roman" panose="02020603050405020304" pitchFamily="18" charset="0"/>
-                <a:ea typeface="標楷體" panose="03000509000000000000" pitchFamily="65" charset="-120"/>
-                <a:cs typeface="Times New Roman" panose="02020603050405020304" pitchFamily="18" charset="0"/>
-              </a:rPr>
-              <a:t>去做邏輯運算，讓球復位，在前一狀態就先把球復位，符合米粒機</a:t>
-            </a:r>
-            <a:endParaRPr lang="en-US" altLang="zh-TW" dirty="0"/>
-          </a:p>
-          <a:p>
-            <a:pPr marL="285750" indent="-285750">
-              <a:buFont typeface="Arial" panose="020B0604020202020204" pitchFamily="34" charset="0"/>
-              <a:buChar char="•"/>
-            </a:pPr>
-            <a:endParaRPr lang="zh-TW" altLang="en-US" dirty="0"/>
-          </a:p>
-        </p:txBody>
-      </p:sp>
+      </p:pic>
     </p:spTree>
     <p:extLst>
       <p:ext uri="{BB962C8B-B14F-4D97-AF65-F5344CB8AC3E}">
-        <p14:creationId xmlns:p14="http://schemas.microsoft.com/office/powerpoint/2010/main" val="4107515461"/>
+        <p14:creationId xmlns:p14="http://schemas.microsoft.com/office/powerpoint/2010/main" val="598204813"/>
       </p:ext>
     </p:extLst>
   </p:cSld>
@@ -8233,37 +6531,52 @@
           <a:chExt cx="0" cy="0"/>
         </a:xfrm>
       </p:grpSpPr>
-      <p:sp>
-        <p:nvSpPr>
-          <p:cNvPr id="2" name="內容版面配置區 1">
+      <p:pic>
+        <p:nvPicPr>
+          <p:cNvPr id="5" name="內容版面配置區 4">
             <a:extLst>
               <a:ext uri="{FF2B5EF4-FFF2-40B4-BE49-F238E27FC236}">
-                <a16:creationId xmlns:a16="http://schemas.microsoft.com/office/drawing/2014/main" id="{E4EFD9D6-7AEE-167A-F384-230930A9569A}"/>
+                <a16:creationId xmlns:a16="http://schemas.microsoft.com/office/drawing/2014/main" id="{F024D282-5732-4CA9-BCEB-643339F77495}"/>
               </a:ext>
             </a:extLst>
           </p:cNvPr>
-          <p:cNvSpPr>
-            <a:spLocks noGrp="1"/>
-          </p:cNvSpPr>
+          <p:cNvPicPr>
+            <a:picLocks noGrp="1" noChangeAspect="1"/>
+          </p:cNvPicPr>
           <p:nvPr>
             <p:ph idx="1"/>
           </p:nvPr>
-        </p:nvSpPr>
-        <p:spPr/>
-        <p:txBody>
-          <a:bodyPr/>
-          <a:lstStyle/>
-          <a:p>
-            <a:endParaRPr lang="zh-TW" altLang="en-US"/>
-          </a:p>
-        </p:txBody>
-      </p:sp>
+        </p:nvPicPr>
+        <p:blipFill>
+          <a:blip r:embed="rId2">
+            <a:extLst>
+              <a:ext uri="{28A0092B-C50C-407E-A947-70E740481C1C}">
+                <a14:useLocalDpi xmlns:a14="http://schemas.microsoft.com/office/drawing/2010/main" val="0"/>
+              </a:ext>
+            </a:extLst>
+          </a:blip>
+          <a:stretch>
+            <a:fillRect/>
+          </a:stretch>
+        </p:blipFill>
+        <p:spPr>
+          <a:xfrm>
+            <a:off x="2652243" y="1220399"/>
+            <a:ext cx="6887513" cy="5037137"/>
+          </a:xfrm>
+          <a:ln w="19050">
+            <a:solidFill>
+              <a:srgbClr val="FF0000"/>
+            </a:solidFill>
+          </a:ln>
+        </p:spPr>
+      </p:pic>
       <p:sp>
         <p:nvSpPr>
           <p:cNvPr id="3" name="標題 2">
             <a:extLst>
               <a:ext uri="{FF2B5EF4-FFF2-40B4-BE49-F238E27FC236}">
-                <a16:creationId xmlns:a16="http://schemas.microsoft.com/office/drawing/2014/main" id="{8E04D3EC-0E4B-7846-1BBE-206A49EE32A8}"/>
+                <a16:creationId xmlns:a16="http://schemas.microsoft.com/office/drawing/2014/main" id="{6A775950-F0C7-92C5-3293-1A03D84EF6E2}"/>
               </a:ext>
             </a:extLst>
           </p:cNvPr>
@@ -8280,8 +6593,12 @@
           <a:lstStyle/>
           <a:p>
             <a:r>
+              <a:rPr lang="zh-TW" altLang="en-US" dirty="0"/>
+              <a:t>乒乓球</a:t>
+            </a:r>
+            <a:r>
               <a:rPr lang="en-US" altLang="zh-TW" dirty="0"/>
-              <a:t>FSM</a:t>
+              <a:t>HW4(break down)</a:t>
             </a:r>
             <a:endParaRPr lang="zh-TW" altLang="en-US" dirty="0"/>
           </a:p>
@@ -8290,7 +6607,7 @@
     </p:spTree>
     <p:extLst>
       <p:ext uri="{BB962C8B-B14F-4D97-AF65-F5344CB8AC3E}">
-        <p14:creationId xmlns:p14="http://schemas.microsoft.com/office/powerpoint/2010/main" val="817019138"/>
+        <p14:creationId xmlns:p14="http://schemas.microsoft.com/office/powerpoint/2010/main" val="1266130332"/>
       </p:ext>
     </p:extLst>
   </p:cSld>
@@ -8317,37 +6634,46 @@
           <a:chExt cx="0" cy="0"/>
         </a:xfrm>
       </p:grpSpPr>
-      <p:sp>
-        <p:nvSpPr>
-          <p:cNvPr id="2" name="內容版面配置區 1">
+      <p:pic>
+        <p:nvPicPr>
+          <p:cNvPr id="5" name="內容版面配置區 4">
             <a:extLst>
               <a:ext uri="{FF2B5EF4-FFF2-40B4-BE49-F238E27FC236}">
-                <a16:creationId xmlns:a16="http://schemas.microsoft.com/office/drawing/2014/main" id="{5C3A0708-132B-55DF-F440-E684391DF064}"/>
+                <a16:creationId xmlns:a16="http://schemas.microsoft.com/office/drawing/2014/main" id="{85672A31-CCE3-5886-6CC4-A75675E95FA0}"/>
               </a:ext>
             </a:extLst>
           </p:cNvPr>
-          <p:cNvSpPr>
-            <a:spLocks noGrp="1"/>
-          </p:cNvSpPr>
+          <p:cNvPicPr>
+            <a:picLocks noGrp="1" noChangeAspect="1"/>
+          </p:cNvPicPr>
           <p:nvPr>
             <p:ph idx="1"/>
           </p:nvPr>
-        </p:nvSpPr>
-        <p:spPr/>
-        <p:txBody>
-          <a:bodyPr/>
-          <a:lstStyle/>
-          <a:p>
-            <a:endParaRPr lang="zh-TW" altLang="en-US"/>
-          </a:p>
-        </p:txBody>
-      </p:sp>
+        </p:nvPicPr>
+        <p:blipFill>
+          <a:blip r:embed="rId2"/>
+          <a:stretch>
+            <a:fillRect/>
+          </a:stretch>
+        </p:blipFill>
+        <p:spPr>
+          <a:xfrm>
+            <a:off x="838200" y="1852362"/>
+            <a:ext cx="7116168" cy="3810532"/>
+          </a:xfrm>
+          <a:ln w="19050">
+            <a:solidFill>
+              <a:srgbClr val="FF0000"/>
+            </a:solidFill>
+          </a:ln>
+        </p:spPr>
+      </p:pic>
       <p:sp>
         <p:nvSpPr>
           <p:cNvPr id="3" name="標題 2">
             <a:extLst>
               <a:ext uri="{FF2B5EF4-FFF2-40B4-BE49-F238E27FC236}">
-                <a16:creationId xmlns:a16="http://schemas.microsoft.com/office/drawing/2014/main" id="{72C3748F-7567-7027-96FD-41695B738091}"/>
+                <a16:creationId xmlns:a16="http://schemas.microsoft.com/office/drawing/2014/main" id="{B5BA41B9-5DAC-617A-631D-40211BF8BF8B}"/>
               </a:ext>
             </a:extLst>
           </p:cNvPr>
@@ -8365,15 +6691,270 @@
           <a:p>
             <a:r>
               <a:rPr lang="zh-TW" altLang="en-US" dirty="0"/>
-              <a:t>程式片段</a:t>
-            </a:r>
+              <a:t>乒乓球</a:t>
+            </a:r>
+            <a:r>
+              <a:rPr lang="en-US" altLang="zh-TW" dirty="0"/>
+              <a:t>HW4 (FSM)</a:t>
+            </a:r>
+            <a:endParaRPr lang="zh-TW" altLang="en-US" dirty="0"/>
+          </a:p>
+        </p:txBody>
+      </p:sp>
+      <p:sp>
+        <p:nvSpPr>
+          <p:cNvPr id="6" name="文字方塊 5">
+            <a:extLst>
+              <a:ext uri="{FF2B5EF4-FFF2-40B4-BE49-F238E27FC236}">
+                <a16:creationId xmlns:a16="http://schemas.microsoft.com/office/drawing/2014/main" id="{5541391F-2DF5-3CEF-9A22-EB8EFBA0E986}"/>
+              </a:ext>
+            </a:extLst>
+          </p:cNvPr>
+          <p:cNvSpPr txBox="1"/>
+          <p:nvPr/>
+        </p:nvSpPr>
+        <p:spPr>
+          <a:xfrm>
+            <a:off x="8086562" y="1852362"/>
+            <a:ext cx="3341883" cy="4247317"/>
+          </a:xfrm>
+          <a:prstGeom prst="rect">
+            <a:avLst/>
+          </a:prstGeom>
+          <a:noFill/>
+        </p:spPr>
+        <p:txBody>
+          <a:bodyPr wrap="square" rtlCol="0">
+            <a:spAutoFit/>
+          </a:bodyPr>
+          <a:lstStyle/>
+          <a:p>
+            <a:r>
+              <a:rPr lang="zh-TW" altLang="en-US" dirty="0">
+                <a:latin typeface="標楷體" panose="03000509000000000000" pitchFamily="65" charset="-120"/>
+                <a:ea typeface="標楷體" panose="03000509000000000000" pitchFamily="65" charset="-120"/>
+              </a:rPr>
+              <a:t>總共五個狀態</a:t>
+            </a:r>
+            <a:r>
+              <a:rPr lang="en-US" altLang="zh-TW" dirty="0">
+                <a:latin typeface="標楷體" panose="03000509000000000000" pitchFamily="65" charset="-120"/>
+                <a:ea typeface="標楷體" panose="03000509000000000000" pitchFamily="65" charset="-120"/>
+              </a:rPr>
+              <a:t>:</a:t>
+            </a:r>
+          </a:p>
+          <a:p>
+            <a:pPr marL="285750" indent="-285750">
+              <a:buFont typeface="Arial" panose="020B0604020202020204" pitchFamily="34" charset="0"/>
+              <a:buChar char="•"/>
+            </a:pPr>
+            <a:r>
+              <a:rPr lang="en-US" altLang="zh-TW" dirty="0">
+                <a:latin typeface="Times New Roman" panose="02020603050405020304" pitchFamily="18" charset="0"/>
+                <a:ea typeface="標楷體" panose="03000509000000000000" pitchFamily="65" charset="-120"/>
+                <a:cs typeface="Times New Roman" panose="02020603050405020304" pitchFamily="18" charset="0"/>
+              </a:rPr>
+              <a:t>initial </a:t>
+            </a:r>
+            <a:r>
+              <a:rPr lang="en-US" altLang="zh-TW" dirty="0">
+                <a:latin typeface="標楷體" panose="03000509000000000000" pitchFamily="65" charset="-120"/>
+                <a:ea typeface="標楷體" panose="03000509000000000000" pitchFamily="65" charset="-120"/>
+              </a:rPr>
+              <a:t>: </a:t>
+            </a:r>
+            <a:r>
+              <a:rPr lang="zh-TW" altLang="en-US" dirty="0">
+                <a:latin typeface="標楷體" panose="03000509000000000000" pitchFamily="65" charset="-120"/>
+                <a:ea typeface="標楷體" panose="03000509000000000000" pitchFamily="65" charset="-120"/>
+              </a:rPr>
+              <a:t>比賽初始化</a:t>
+            </a:r>
+            <a:endParaRPr lang="en-US" altLang="zh-TW" dirty="0">
+              <a:latin typeface="標楷體" panose="03000509000000000000" pitchFamily="65" charset="-120"/>
+              <a:ea typeface="標楷體" panose="03000509000000000000" pitchFamily="65" charset="-120"/>
+            </a:endParaRPr>
+          </a:p>
+          <a:p>
+            <a:pPr marL="285750" indent="-285750">
+              <a:buFont typeface="Arial" panose="020B0604020202020204" pitchFamily="34" charset="0"/>
+              <a:buChar char="•"/>
+            </a:pPr>
+            <a:r>
+              <a:rPr lang="en-US" altLang="zh-TW" dirty="0" err="1">
+                <a:latin typeface="Times New Roman" panose="02020603050405020304" pitchFamily="18" charset="0"/>
+                <a:ea typeface="標楷體" panose="03000509000000000000" pitchFamily="65" charset="-120"/>
+                <a:cs typeface="Times New Roman" panose="02020603050405020304" pitchFamily="18" charset="0"/>
+              </a:rPr>
+              <a:t>move_right</a:t>
+            </a:r>
+            <a:r>
+              <a:rPr lang="en-US" altLang="zh-TW" dirty="0">
+                <a:latin typeface="Times New Roman" panose="02020603050405020304" pitchFamily="18" charset="0"/>
+                <a:ea typeface="標楷體" panose="03000509000000000000" pitchFamily="65" charset="-120"/>
+                <a:cs typeface="Times New Roman" panose="02020603050405020304" pitchFamily="18" charset="0"/>
+              </a:rPr>
+              <a:t> </a:t>
+            </a:r>
+            <a:r>
+              <a:rPr lang="en-US" altLang="zh-TW" dirty="0">
+                <a:latin typeface="標楷體" panose="03000509000000000000" pitchFamily="65" charset="-120"/>
+                <a:ea typeface="標楷體" panose="03000509000000000000" pitchFamily="65" charset="-120"/>
+              </a:rPr>
+              <a:t>: </a:t>
+            </a:r>
+            <a:r>
+              <a:rPr lang="zh-TW" altLang="en-US" dirty="0">
+                <a:latin typeface="標楷體" panose="03000509000000000000" pitchFamily="65" charset="-120"/>
+                <a:ea typeface="標楷體" panose="03000509000000000000" pitchFamily="65" charset="-120"/>
+              </a:rPr>
+              <a:t>右移，包含判斷是否有無回擊</a:t>
+            </a:r>
+            <a:endParaRPr lang="en-US" altLang="zh-TW" dirty="0">
+              <a:latin typeface="標楷體" panose="03000509000000000000" pitchFamily="65" charset="-120"/>
+              <a:ea typeface="標楷體" panose="03000509000000000000" pitchFamily="65" charset="-120"/>
+            </a:endParaRPr>
+          </a:p>
+          <a:p>
+            <a:pPr marL="285750" indent="-285750">
+              <a:buFont typeface="Arial" panose="020B0604020202020204" pitchFamily="34" charset="0"/>
+              <a:buChar char="•"/>
+            </a:pPr>
+            <a:r>
+              <a:rPr lang="en-US" altLang="zh-TW" dirty="0" err="1">
+                <a:latin typeface="Times New Roman" panose="02020603050405020304" pitchFamily="18" charset="0"/>
+                <a:ea typeface="標楷體" panose="03000509000000000000" pitchFamily="65" charset="-120"/>
+                <a:cs typeface="Times New Roman" panose="02020603050405020304" pitchFamily="18" charset="0"/>
+              </a:rPr>
+              <a:t>move_right</a:t>
+            </a:r>
+            <a:r>
+              <a:rPr lang="en-US" altLang="zh-TW" dirty="0">
+                <a:latin typeface="Times New Roman" panose="02020603050405020304" pitchFamily="18" charset="0"/>
+                <a:ea typeface="標楷體" panose="03000509000000000000" pitchFamily="65" charset="-120"/>
+                <a:cs typeface="Times New Roman" panose="02020603050405020304" pitchFamily="18" charset="0"/>
+              </a:rPr>
+              <a:t> </a:t>
+            </a:r>
+            <a:r>
+              <a:rPr lang="en-US" altLang="zh-TW" dirty="0">
+                <a:latin typeface="標楷體" panose="03000509000000000000" pitchFamily="65" charset="-120"/>
+                <a:ea typeface="標楷體" panose="03000509000000000000" pitchFamily="65" charset="-120"/>
+              </a:rPr>
+              <a:t>: </a:t>
+            </a:r>
+            <a:r>
+              <a:rPr lang="zh-TW" altLang="en-US" dirty="0">
+                <a:latin typeface="標楷體" panose="03000509000000000000" pitchFamily="65" charset="-120"/>
+                <a:ea typeface="標楷體" panose="03000509000000000000" pitchFamily="65" charset="-120"/>
+              </a:rPr>
+              <a:t>左移，包含判斷是否有無回擊</a:t>
+            </a:r>
+            <a:endParaRPr lang="en-US" altLang="zh-TW" dirty="0">
+              <a:latin typeface="標楷體" panose="03000509000000000000" pitchFamily="65" charset="-120"/>
+              <a:ea typeface="標楷體" panose="03000509000000000000" pitchFamily="65" charset="-120"/>
+            </a:endParaRPr>
+          </a:p>
+          <a:p>
+            <a:pPr marL="285750" indent="-285750">
+              <a:buFont typeface="Arial" panose="020B0604020202020204" pitchFamily="34" charset="0"/>
+              <a:buChar char="•"/>
+            </a:pPr>
+            <a:r>
+              <a:rPr lang="en-US" altLang="zh-TW" dirty="0" err="1">
+                <a:latin typeface="Times New Roman" panose="02020603050405020304" pitchFamily="18" charset="0"/>
+                <a:ea typeface="標楷體" panose="03000509000000000000" pitchFamily="65" charset="-120"/>
+                <a:cs typeface="Times New Roman" panose="02020603050405020304" pitchFamily="18" charset="0"/>
+              </a:rPr>
+              <a:t>win_l</a:t>
+            </a:r>
+            <a:r>
+              <a:rPr lang="en-US" altLang="zh-TW" dirty="0">
+                <a:latin typeface="標楷體" panose="03000509000000000000" pitchFamily="65" charset="-120"/>
+                <a:ea typeface="標楷體" panose="03000509000000000000" pitchFamily="65" charset="-120"/>
+              </a:rPr>
+              <a:t> : </a:t>
+            </a:r>
+            <a:r>
+              <a:rPr lang="zh-TW" altLang="en-US" dirty="0">
+                <a:latin typeface="標楷體" panose="03000509000000000000" pitchFamily="65" charset="-120"/>
+                <a:ea typeface="標楷體" panose="03000509000000000000" pitchFamily="65" charset="-120"/>
+              </a:rPr>
+              <a:t>加分與顯示分數與判斷是否結束比賽回到 </a:t>
+            </a:r>
+            <a:r>
+              <a:rPr lang="en-US" altLang="zh-TW" dirty="0">
+                <a:latin typeface="Times New Roman" panose="02020603050405020304" pitchFamily="18" charset="0"/>
+                <a:ea typeface="標楷體" panose="03000509000000000000" pitchFamily="65" charset="-120"/>
+                <a:cs typeface="Times New Roman" panose="02020603050405020304" pitchFamily="18" charset="0"/>
+              </a:rPr>
+              <a:t>initial</a:t>
+            </a:r>
+          </a:p>
+          <a:p>
+            <a:pPr marL="285750" indent="-285750">
+              <a:buFont typeface="Arial" panose="020B0604020202020204" pitchFamily="34" charset="0"/>
+              <a:buChar char="•"/>
+            </a:pPr>
+            <a:r>
+              <a:rPr lang="en-US" altLang="zh-TW" dirty="0" err="1">
+                <a:latin typeface="Times New Roman" panose="02020603050405020304" pitchFamily="18" charset="0"/>
+                <a:ea typeface="標楷體" panose="03000509000000000000" pitchFamily="65" charset="-120"/>
+                <a:cs typeface="Times New Roman" panose="02020603050405020304" pitchFamily="18" charset="0"/>
+              </a:rPr>
+              <a:t>win_r</a:t>
+            </a:r>
+            <a:r>
+              <a:rPr lang="en-US" altLang="zh-TW" dirty="0">
+                <a:latin typeface="標楷體" panose="03000509000000000000" pitchFamily="65" charset="-120"/>
+                <a:ea typeface="標楷體" panose="03000509000000000000" pitchFamily="65" charset="-120"/>
+              </a:rPr>
+              <a:t> : </a:t>
+            </a:r>
+            <a:r>
+              <a:rPr lang="zh-TW" altLang="en-US" dirty="0">
+                <a:latin typeface="標楷體" panose="03000509000000000000" pitchFamily="65" charset="-120"/>
+                <a:ea typeface="標楷體" panose="03000509000000000000" pitchFamily="65" charset="-120"/>
+              </a:rPr>
+              <a:t>加分與顯示分數與判斷是否結束比賽回到 </a:t>
+            </a:r>
+            <a:r>
+              <a:rPr lang="en-US" altLang="zh-TW" dirty="0">
+                <a:latin typeface="Times New Roman" panose="02020603050405020304" pitchFamily="18" charset="0"/>
+                <a:ea typeface="標楷體" panose="03000509000000000000" pitchFamily="65" charset="-120"/>
+                <a:cs typeface="Times New Roman" panose="02020603050405020304" pitchFamily="18" charset="0"/>
+              </a:rPr>
+              <a:t>initial</a:t>
+            </a:r>
+          </a:p>
+          <a:p>
+            <a:pPr marL="285750" indent="-285750">
+              <a:buFont typeface="Arial" panose="020B0604020202020204" pitchFamily="34" charset="0"/>
+              <a:buChar char="•"/>
+            </a:pPr>
+            <a:endParaRPr lang="en-US" altLang="zh-TW" dirty="0"/>
+          </a:p>
+          <a:p>
+            <a:pPr marL="285750" indent="-285750">
+              <a:buFont typeface="Arial" panose="020B0604020202020204" pitchFamily="34" charset="0"/>
+              <a:buChar char="•"/>
+            </a:pPr>
+            <a:endParaRPr lang="en-US" altLang="zh-TW" dirty="0"/>
+          </a:p>
+          <a:p>
+            <a:pPr marL="285750" indent="-285750">
+              <a:buFont typeface="Arial" panose="020B0604020202020204" pitchFamily="34" charset="0"/>
+              <a:buChar char="•"/>
+            </a:pPr>
+            <a:endParaRPr lang="zh-TW" altLang="en-US" dirty="0"/>
           </a:p>
         </p:txBody>
       </p:sp>
     </p:spTree>
     <p:extLst>
       <p:ext uri="{BB962C8B-B14F-4D97-AF65-F5344CB8AC3E}">
-        <p14:creationId xmlns:p14="http://schemas.microsoft.com/office/powerpoint/2010/main" val="1076652171"/>
+        <p14:creationId xmlns:p14="http://schemas.microsoft.com/office/powerpoint/2010/main" val="2107307463"/>
       </p:ext>
     </p:extLst>
   </p:cSld>
@@ -8400,37 +6981,41 @@
           <a:chExt cx="0" cy="0"/>
         </a:xfrm>
       </p:grpSpPr>
-      <p:sp>
-        <p:nvSpPr>
-          <p:cNvPr id="2" name="內容版面配置區 1">
+      <p:pic>
+        <p:nvPicPr>
+          <p:cNvPr id="5" name="內容版面配置區 4">
             <a:extLst>
               <a:ext uri="{FF2B5EF4-FFF2-40B4-BE49-F238E27FC236}">
-                <a16:creationId xmlns:a16="http://schemas.microsoft.com/office/drawing/2014/main" id="{F0ACF2FF-8C99-FAA6-1D73-0A175BCFFC57}"/>
+                <a16:creationId xmlns:a16="http://schemas.microsoft.com/office/drawing/2014/main" id="{4159A79C-D9F7-41BF-A30B-62E9F6C03A61}"/>
               </a:ext>
             </a:extLst>
           </p:cNvPr>
-          <p:cNvSpPr>
-            <a:spLocks noGrp="1"/>
-          </p:cNvSpPr>
+          <p:cNvPicPr>
+            <a:picLocks noGrp="1" noChangeAspect="1"/>
+          </p:cNvPicPr>
           <p:nvPr>
             <p:ph idx="1"/>
           </p:nvPr>
-        </p:nvSpPr>
-        <p:spPr/>
-        <p:txBody>
-          <a:bodyPr/>
-          <a:lstStyle/>
-          <a:p>
-            <a:endParaRPr lang="zh-TW" altLang="en-US"/>
-          </a:p>
-        </p:txBody>
-      </p:sp>
+        </p:nvPicPr>
+        <p:blipFill>
+          <a:blip r:embed="rId2"/>
+          <a:stretch>
+            <a:fillRect/>
+          </a:stretch>
+        </p:blipFill>
+        <p:spPr>
+          <a:xfrm>
+            <a:off x="838200" y="1250007"/>
+            <a:ext cx="3991532" cy="4467849"/>
+          </a:xfrm>
+        </p:spPr>
+      </p:pic>
       <p:sp>
         <p:nvSpPr>
           <p:cNvPr id="3" name="標題 2">
             <a:extLst>
               <a:ext uri="{FF2B5EF4-FFF2-40B4-BE49-F238E27FC236}">
-                <a16:creationId xmlns:a16="http://schemas.microsoft.com/office/drawing/2014/main" id="{B7C08FB2-F573-4024-3D4A-F7CA358362BA}"/>
+                <a16:creationId xmlns:a16="http://schemas.microsoft.com/office/drawing/2014/main" id="{8E04D3EC-0E4B-7846-1BBE-206A49EE32A8}"/>
               </a:ext>
             </a:extLst>
           </p:cNvPr>
@@ -8453,10 +7038,244 @@
           </a:p>
         </p:txBody>
       </p:sp>
+      <p:sp>
+        <p:nvSpPr>
+          <p:cNvPr id="6" name="文字方塊 5">
+            <a:extLst>
+              <a:ext uri="{FF2B5EF4-FFF2-40B4-BE49-F238E27FC236}">
+                <a16:creationId xmlns:a16="http://schemas.microsoft.com/office/drawing/2014/main" id="{FA24B10E-717B-49DC-B997-FB891A8D943A}"/>
+              </a:ext>
+            </a:extLst>
+          </p:cNvPr>
+          <p:cNvSpPr txBox="1"/>
+          <p:nvPr/>
+        </p:nvSpPr>
+        <p:spPr>
+          <a:xfrm>
+            <a:off x="4970138" y="2136124"/>
+            <a:ext cx="6383662" cy="2585323"/>
+          </a:xfrm>
+          <a:prstGeom prst="rect">
+            <a:avLst/>
+          </a:prstGeom>
+          <a:noFill/>
+        </p:spPr>
+        <p:txBody>
+          <a:bodyPr wrap="square" rtlCol="0">
+            <a:spAutoFit/>
+          </a:bodyPr>
+          <a:lstStyle/>
+          <a:p>
+            <a:pPr marL="285750" indent="-285750">
+              <a:buFont typeface="Arial" panose="020B0604020202020204" pitchFamily="34" charset="0"/>
+              <a:buChar char="•"/>
+            </a:pPr>
+            <a:r>
+              <a:rPr lang="zh-TW" altLang="en-US" dirty="0">
+                <a:latin typeface="標楷體" panose="03000509000000000000" pitchFamily="65" charset="-120"/>
+                <a:ea typeface="標楷體" panose="03000509000000000000" pitchFamily="65" charset="-120"/>
+              </a:rPr>
+              <a:t>具體的實現方式很簡單，初始時給定</a:t>
+            </a:r>
+            <a:r>
+              <a:rPr lang="en-US" altLang="zh-TW" dirty="0">
+                <a:latin typeface="Times New Roman" panose="02020603050405020304" pitchFamily="18" charset="0"/>
+                <a:ea typeface="標楷體" panose="03000509000000000000" pitchFamily="65" charset="-120"/>
+                <a:cs typeface="Times New Roman" panose="02020603050405020304" pitchFamily="18" charset="0"/>
+              </a:rPr>
+              <a:t>h_shift</a:t>
+            </a:r>
+            <a:r>
+              <a:rPr lang="zh-TW" altLang="en-US" dirty="0">
+                <a:latin typeface="Times New Roman" panose="02020603050405020304" pitchFamily="18" charset="0"/>
+                <a:ea typeface="標楷體" panose="03000509000000000000" pitchFamily="65" charset="-120"/>
+                <a:cs typeface="Times New Roman" panose="02020603050405020304" pitchFamily="18" charset="0"/>
+              </a:rPr>
+              <a:t>變數為</a:t>
+            </a:r>
+            <a:r>
+              <a:rPr lang="en-US" altLang="zh-TW" dirty="0">
+                <a:latin typeface="Times New Roman" panose="02020603050405020304" pitchFamily="18" charset="0"/>
+                <a:ea typeface="標楷體" panose="03000509000000000000" pitchFamily="65" charset="-120"/>
+                <a:cs typeface="Times New Roman" panose="02020603050405020304" pitchFamily="18" charset="0"/>
+              </a:rPr>
+              <a:t>64(</a:t>
+            </a:r>
+            <a:r>
+              <a:rPr lang="zh-TW" altLang="en-US" dirty="0">
+                <a:latin typeface="Times New Roman" panose="02020603050405020304" pitchFamily="18" charset="0"/>
+                <a:ea typeface="標楷體" panose="03000509000000000000" pitchFamily="65" charset="-120"/>
+                <a:cs typeface="Times New Roman" panose="02020603050405020304" pitchFamily="18" charset="0"/>
+              </a:rPr>
+              <a:t>預設左邊發球</a:t>
+            </a:r>
+            <a:r>
+              <a:rPr lang="en-US" altLang="zh-TW" dirty="0">
+                <a:latin typeface="Times New Roman" panose="02020603050405020304" pitchFamily="18" charset="0"/>
+                <a:ea typeface="標楷體" panose="03000509000000000000" pitchFamily="65" charset="-120"/>
+                <a:cs typeface="Times New Roman" panose="02020603050405020304" pitchFamily="18" charset="0"/>
+              </a:rPr>
+              <a:t>)</a:t>
+            </a:r>
+            <a:r>
+              <a:rPr lang="zh-TW" altLang="en-US" dirty="0">
+                <a:latin typeface="Times New Roman" panose="02020603050405020304" pitchFamily="18" charset="0"/>
+                <a:ea typeface="標楷體" panose="03000509000000000000" pitchFamily="65" charset="-120"/>
+                <a:cs typeface="Times New Roman" panose="02020603050405020304" pitchFamily="18" charset="0"/>
+              </a:rPr>
+              <a:t>，當每右移一格加一次數值，反之左移一格減一次數值。</a:t>
+            </a:r>
+            <a:endParaRPr lang="en-US" altLang="zh-TW" dirty="0">
+              <a:latin typeface="Times New Roman" panose="02020603050405020304" pitchFamily="18" charset="0"/>
+              <a:ea typeface="標楷體" panose="03000509000000000000" pitchFamily="65" charset="-120"/>
+              <a:cs typeface="Times New Roman" panose="02020603050405020304" pitchFamily="18" charset="0"/>
+            </a:endParaRPr>
+          </a:p>
+          <a:p>
+            <a:pPr marL="285750" indent="-285750">
+              <a:buFont typeface="Arial" panose="020B0604020202020204" pitchFamily="34" charset="0"/>
+              <a:buChar char="•"/>
+            </a:pPr>
+            <a:r>
+              <a:rPr lang="zh-TW" altLang="en-US" dirty="0">
+                <a:latin typeface="Times New Roman" panose="02020603050405020304" pitchFamily="18" charset="0"/>
+                <a:ea typeface="標楷體" panose="03000509000000000000" pitchFamily="65" charset="-120"/>
+                <a:cs typeface="Times New Roman" panose="02020603050405020304" pitchFamily="18" charset="0"/>
+              </a:rPr>
+              <a:t>將變數丟到顯示球的程式裡，也就是球的圓方程式裡的</a:t>
+            </a:r>
+            <a:r>
+              <a:rPr lang="en-US" altLang="zh-TW" dirty="0">
+                <a:latin typeface="Times New Roman" panose="02020603050405020304" pitchFamily="18" charset="0"/>
+                <a:ea typeface="標楷體" panose="03000509000000000000" pitchFamily="65" charset="-120"/>
+                <a:cs typeface="Times New Roman" panose="02020603050405020304" pitchFamily="18" charset="0"/>
+              </a:rPr>
+              <a:t>x</a:t>
+            </a:r>
+            <a:r>
+              <a:rPr lang="zh-TW" altLang="en-US" dirty="0">
+                <a:latin typeface="Times New Roman" panose="02020603050405020304" pitchFamily="18" charset="0"/>
+                <a:ea typeface="標楷體" panose="03000509000000000000" pitchFamily="65" charset="-120"/>
+                <a:cs typeface="Times New Roman" panose="02020603050405020304" pitchFamily="18" charset="0"/>
+              </a:rPr>
+              <a:t>座標，因為</a:t>
+            </a:r>
+            <a:r>
+              <a:rPr lang="en-US" altLang="zh-TW" dirty="0">
+                <a:latin typeface="Times New Roman" panose="02020603050405020304" pitchFamily="18" charset="0"/>
+                <a:ea typeface="標楷體" panose="03000509000000000000" pitchFamily="65" charset="-120"/>
+                <a:cs typeface="Times New Roman" panose="02020603050405020304" pitchFamily="18" charset="0"/>
+              </a:rPr>
+              <a:t>x</a:t>
+            </a:r>
+            <a:r>
+              <a:rPr lang="zh-TW" altLang="en-US" dirty="0">
+                <a:latin typeface="Times New Roman" panose="02020603050405020304" pitchFamily="18" charset="0"/>
+                <a:ea typeface="標楷體" panose="03000509000000000000" pitchFamily="65" charset="-120"/>
+                <a:cs typeface="Times New Roman" panose="02020603050405020304" pitchFamily="18" charset="0"/>
+              </a:rPr>
+              <a:t>座標改變，所以會實現位移的效果，只要一改變數值就改變顯示的位置。</a:t>
+            </a:r>
+            <a:endParaRPr lang="en-US" altLang="zh-TW" dirty="0">
+              <a:latin typeface="Times New Roman" panose="02020603050405020304" pitchFamily="18" charset="0"/>
+              <a:ea typeface="標楷體" panose="03000509000000000000" pitchFamily="65" charset="-120"/>
+              <a:cs typeface="Times New Roman" panose="02020603050405020304" pitchFamily="18" charset="0"/>
+            </a:endParaRPr>
+          </a:p>
+          <a:p>
+            <a:pPr marL="285750" indent="-285750">
+              <a:buFont typeface="Arial" panose="020B0604020202020204" pitchFamily="34" charset="0"/>
+              <a:buChar char="•"/>
+            </a:pPr>
+            <a:r>
+              <a:rPr lang="zh-TW" altLang="en-US" dirty="0">
+                <a:latin typeface="Times New Roman" panose="02020603050405020304" pitchFamily="18" charset="0"/>
+                <a:ea typeface="標楷體" panose="03000509000000000000" pitchFamily="65" charset="-120"/>
+                <a:cs typeface="Times New Roman" panose="02020603050405020304" pitchFamily="18" charset="0"/>
+              </a:rPr>
+              <a:t>要注意的是因為要即時給定球目前的位置，所以給</a:t>
+            </a:r>
+            <a:r>
+              <a:rPr lang="en-US" altLang="zh-TW" dirty="0">
+                <a:latin typeface="Times New Roman" panose="02020603050405020304" pitchFamily="18" charset="0"/>
+                <a:ea typeface="標楷體" panose="03000509000000000000" pitchFamily="65" charset="-120"/>
+                <a:cs typeface="Times New Roman" panose="02020603050405020304" pitchFamily="18" charset="0"/>
+              </a:rPr>
+              <a:t>h_shift</a:t>
+            </a:r>
+            <a:r>
+              <a:rPr lang="zh-TW" altLang="en-US" dirty="0">
+                <a:latin typeface="Times New Roman" panose="02020603050405020304" pitchFamily="18" charset="0"/>
+                <a:ea typeface="標楷體" panose="03000509000000000000" pitchFamily="65" charset="-120"/>
+                <a:cs typeface="Times New Roman" panose="02020603050405020304" pitchFamily="18" charset="0"/>
+              </a:rPr>
+              <a:t>值要為高速</a:t>
+            </a:r>
+            <a:r>
+              <a:rPr lang="en-US" altLang="zh-TW" dirty="0">
+                <a:latin typeface="Times New Roman" panose="02020603050405020304" pitchFamily="18" charset="0"/>
+                <a:ea typeface="標楷體" panose="03000509000000000000" pitchFamily="65" charset="-120"/>
+                <a:cs typeface="Times New Roman" panose="02020603050405020304" pitchFamily="18" charset="0"/>
+              </a:rPr>
+              <a:t>clk</a:t>
+            </a:r>
+            <a:r>
+              <a:rPr lang="zh-TW" altLang="en-US" dirty="0">
+                <a:latin typeface="Times New Roman" panose="02020603050405020304" pitchFamily="18" charset="0"/>
+                <a:ea typeface="標楷體" panose="03000509000000000000" pitchFamily="65" charset="-120"/>
+                <a:cs typeface="Times New Roman" panose="02020603050405020304" pitchFamily="18" charset="0"/>
+              </a:rPr>
+              <a:t>。</a:t>
+            </a:r>
+            <a:endParaRPr lang="en-US" altLang="zh-TW" dirty="0">
+              <a:latin typeface="Times New Roman" panose="02020603050405020304" pitchFamily="18" charset="0"/>
+              <a:ea typeface="標楷體" panose="03000509000000000000" pitchFamily="65" charset="-120"/>
+              <a:cs typeface="Times New Roman" panose="02020603050405020304" pitchFamily="18" charset="0"/>
+            </a:endParaRPr>
+          </a:p>
+          <a:p>
+            <a:pPr marL="285750" indent="-285750">
+              <a:buFont typeface="Arial" panose="020B0604020202020204" pitchFamily="34" charset="0"/>
+              <a:buChar char="•"/>
+            </a:pPr>
+            <a:endParaRPr lang="zh-TW" altLang="en-US" dirty="0"/>
+          </a:p>
+        </p:txBody>
+      </p:sp>
+      <p:pic>
+        <p:nvPicPr>
+          <p:cNvPr id="8" name="圖片 7">
+            <a:extLst>
+              <a:ext uri="{FF2B5EF4-FFF2-40B4-BE49-F238E27FC236}">
+                <a16:creationId xmlns:a16="http://schemas.microsoft.com/office/drawing/2014/main" id="{15F91CE4-CA49-4C56-8713-C2ED79A9C656}"/>
+              </a:ext>
+            </a:extLst>
+          </p:cNvPr>
+          <p:cNvPicPr>
+            <a:picLocks noChangeAspect="1"/>
+          </p:cNvPicPr>
+          <p:nvPr/>
+        </p:nvPicPr>
+        <p:blipFill>
+          <a:blip r:embed="rId3"/>
+          <a:stretch>
+            <a:fillRect/>
+          </a:stretch>
+        </p:blipFill>
+        <p:spPr>
+          <a:xfrm>
+            <a:off x="4915430" y="1250007"/>
+            <a:ext cx="4667901" cy="790685"/>
+          </a:xfrm>
+          <a:prstGeom prst="rect">
+            <a:avLst/>
+          </a:prstGeom>
+        </p:spPr>
+      </p:pic>
     </p:spTree>
     <p:extLst>
       <p:ext uri="{BB962C8B-B14F-4D97-AF65-F5344CB8AC3E}">
-        <p14:creationId xmlns:p14="http://schemas.microsoft.com/office/powerpoint/2010/main" val="1514396813"/>
+        <p14:creationId xmlns:p14="http://schemas.microsoft.com/office/powerpoint/2010/main" val="817019138"/>
       </p:ext>
     </p:extLst>
   </p:cSld>
@@ -8488,7 +7307,7 @@
           <p:cNvPr id="2" name="內容版面配置區 1">
             <a:extLst>
               <a:ext uri="{FF2B5EF4-FFF2-40B4-BE49-F238E27FC236}">
-                <a16:creationId xmlns:a16="http://schemas.microsoft.com/office/drawing/2014/main" id="{94565C0A-0975-7C71-32B6-A81A2B07A562}"/>
+                <a16:creationId xmlns:a16="http://schemas.microsoft.com/office/drawing/2014/main" id="{5C3A0708-132B-55DF-F440-E684391DF064}"/>
               </a:ext>
             </a:extLst>
           </p:cNvPr>
@@ -8504,7 +7323,16 @@
           <a:bodyPr/>
           <a:lstStyle/>
           <a:p>
-            <a:endParaRPr lang="zh-TW" altLang="en-US"/>
+            <a:r>
+              <a:rPr lang="en-US" altLang="zh-TW" dirty="0">
+                <a:hlinkClick r:id="rId2"/>
+              </a:rPr>
+              <a:t>https://youtu.be/g5yxTlMd-2c</a:t>
+            </a:r>
+            <a:endParaRPr lang="en-US" altLang="zh-TW" dirty="0"/>
+          </a:p>
+          <a:p>
+            <a:endParaRPr lang="zh-TW" altLang="en-US" dirty="0"/>
           </a:p>
         </p:txBody>
       </p:sp>
@@ -8513,7 +7341,7 @@
           <p:cNvPr id="3" name="標題 2">
             <a:extLst>
               <a:ext uri="{FF2B5EF4-FFF2-40B4-BE49-F238E27FC236}">
-                <a16:creationId xmlns:a16="http://schemas.microsoft.com/office/drawing/2014/main" id="{72ADE437-83AD-38D3-A5A5-58F154A00B0D}"/>
+                <a16:creationId xmlns:a16="http://schemas.microsoft.com/office/drawing/2014/main" id="{72C3748F-7567-7027-96FD-41695B738091}"/>
               </a:ext>
             </a:extLst>
           </p:cNvPr>
@@ -8531,15 +7359,45 @@
           <a:p>
             <a:r>
               <a:rPr lang="zh-TW" altLang="en-US" dirty="0"/>
-              <a:t>程式片段</a:t>
-            </a:r>
-          </a:p>
-        </p:txBody>
-      </p:sp>
+              <a:t>成果展示</a:t>
+            </a:r>
+          </a:p>
+        </p:txBody>
+      </p:sp>
+      <p:pic>
+        <p:nvPicPr>
+          <p:cNvPr id="5" name="圖片 4">
+            <a:extLst>
+              <a:ext uri="{FF2B5EF4-FFF2-40B4-BE49-F238E27FC236}">
+                <a16:creationId xmlns:a16="http://schemas.microsoft.com/office/drawing/2014/main" id="{2C7101D0-AFCE-497E-9D53-1588DB43CD43}"/>
+              </a:ext>
+            </a:extLst>
+          </p:cNvPr>
+          <p:cNvPicPr>
+            <a:picLocks noChangeAspect="1"/>
+          </p:cNvPicPr>
+          <p:nvPr/>
+        </p:nvPicPr>
+        <p:blipFill>
+          <a:blip r:embed="rId3"/>
+          <a:stretch>
+            <a:fillRect/>
+          </a:stretch>
+        </p:blipFill>
+        <p:spPr>
+          <a:xfrm>
+            <a:off x="920620" y="1614817"/>
+            <a:ext cx="8061649" cy="4442001"/>
+          </a:xfrm>
+          <a:prstGeom prst="rect">
+            <a:avLst/>
+          </a:prstGeom>
+        </p:spPr>
+      </p:pic>
     </p:spTree>
     <p:extLst>
       <p:ext uri="{BB962C8B-B14F-4D97-AF65-F5344CB8AC3E}">
-        <p14:creationId xmlns:p14="http://schemas.microsoft.com/office/powerpoint/2010/main" val="2564935246"/>
+        <p14:creationId xmlns:p14="http://schemas.microsoft.com/office/powerpoint/2010/main" val="1076652171"/>
       </p:ext>
     </p:extLst>
   </p:cSld>
@@ -8554,13 +7412,7 @@
   <p:cSld>
     <p:spTree>
       <p:nvGrpSpPr>
-        <p:cNvPr id="1" name="">
-          <a:extLst>
-            <a:ext uri="{FF2B5EF4-FFF2-40B4-BE49-F238E27FC236}">
-              <a16:creationId xmlns:a16="http://schemas.microsoft.com/office/drawing/2014/main" id="{77A3B028-41B5-7149-F9D9-3A61D84F20F9}"/>
-            </a:ext>
-          </a:extLst>
-        </p:cNvPr>
+        <p:cNvPr id="1" name=""/>
         <p:cNvGrpSpPr/>
         <p:nvPr/>
       </p:nvGrpSpPr>
@@ -8574,10 +7426,10 @@
       </p:grpSpPr>
       <p:sp>
         <p:nvSpPr>
-          <p:cNvPr id="2" name="內容版面配置區 1">
+          <p:cNvPr id="3" name="標題 2">
             <a:extLst>
               <a:ext uri="{FF2B5EF4-FFF2-40B4-BE49-F238E27FC236}">
-                <a16:creationId xmlns:a16="http://schemas.microsoft.com/office/drawing/2014/main" id="{17C62A5B-EA4E-B428-5450-44EC753F0B2B}"/>
+                <a16:creationId xmlns:a16="http://schemas.microsoft.com/office/drawing/2014/main" id="{7CEF8466-5AE1-779C-D3E8-D72E2439F09B}"/>
               </a:ext>
             </a:extLst>
           </p:cNvPr>
@@ -8585,7 +7437,7 @@
             <a:spLocks noGrp="1"/>
           </p:cNvSpPr>
           <p:nvPr>
-            <p:ph idx="1"/>
+            <p:ph type="title"/>
           </p:nvPr>
         </p:nvSpPr>
         <p:spPr/>
@@ -8593,34 +7445,131 @@
           <a:bodyPr/>
           <a:lstStyle/>
           <a:p>
-            <a:endParaRPr lang="zh-TW" altLang="en-US"/>
-          </a:p>
-        </p:txBody>
-      </p:sp>
-      <p:sp>
-        <p:nvSpPr>
-          <p:cNvPr id="3" name="標題 2">
+            <a:r>
+              <a:rPr lang="zh-TW" altLang="en-US" dirty="0"/>
+              <a:t>把球改成</a:t>
+            </a:r>
+            <a:r>
+              <a:rPr lang="en-US" altLang="zh-TW" dirty="0"/>
+              <a:t>bram</a:t>
+            </a:r>
+            <a:endParaRPr lang="zh-TW" altLang="en-US" dirty="0"/>
+          </a:p>
+        </p:txBody>
+      </p:sp>
+      <p:pic>
+        <p:nvPicPr>
+          <p:cNvPr id="5" name="圖片 4">
             <a:extLst>
               <a:ext uri="{FF2B5EF4-FFF2-40B4-BE49-F238E27FC236}">
-                <a16:creationId xmlns:a16="http://schemas.microsoft.com/office/drawing/2014/main" id="{C597A3C8-981B-CFF0-0ED8-A912927000A0}"/>
+                <a16:creationId xmlns:a16="http://schemas.microsoft.com/office/drawing/2014/main" id="{BBA24B43-F03B-318D-8A7A-747AB11D51EB}"/>
               </a:ext>
             </a:extLst>
           </p:cNvPr>
-          <p:cNvSpPr>
-            <a:spLocks noGrp="1"/>
-          </p:cNvSpPr>
-          <p:nvPr>
-            <p:ph type="title"/>
-          </p:nvPr>
-        </p:nvSpPr>
-        <p:spPr/>
-        <p:txBody>
-          <a:bodyPr/>
+          <p:cNvPicPr>
+            <a:picLocks noChangeAspect="1"/>
+          </p:cNvPicPr>
+          <p:nvPr/>
+        </p:nvPicPr>
+        <p:blipFill>
+          <a:blip r:embed="rId2">
+            <a:extLst>
+              <a:ext uri="{28A0092B-C50C-407E-A947-70E740481C1C}">
+                <a14:useLocalDpi xmlns:a14="http://schemas.microsoft.com/office/drawing/2010/main" val="0"/>
+              </a:ext>
+            </a:extLst>
+          </a:blip>
+          <a:stretch>
+            <a:fillRect/>
+          </a:stretch>
+        </p:blipFill>
+        <p:spPr>
+          <a:xfrm>
+            <a:off x="838200" y="1229759"/>
+            <a:ext cx="5080035" cy="4223068"/>
+          </a:xfrm>
+          <a:prstGeom prst="rect">
+            <a:avLst/>
+          </a:prstGeom>
+        </p:spPr>
+      </p:pic>
+      <p:sp>
+        <p:nvSpPr>
+          <p:cNvPr id="6" name="文字方塊 5">
+            <a:extLst>
+              <a:ext uri="{FF2B5EF4-FFF2-40B4-BE49-F238E27FC236}">
+                <a16:creationId xmlns:a16="http://schemas.microsoft.com/office/drawing/2014/main" id="{2AF365BB-C4A8-4D3E-A183-171C15D24A3E}"/>
+              </a:ext>
+            </a:extLst>
+          </p:cNvPr>
+          <p:cNvSpPr txBox="1"/>
+          <p:nvPr/>
+        </p:nvSpPr>
+        <p:spPr>
+          <a:xfrm>
+            <a:off x="5996506" y="1229759"/>
+            <a:ext cx="5357294" cy="646331"/>
+          </a:xfrm>
+          <a:prstGeom prst="rect">
+            <a:avLst/>
+          </a:prstGeom>
+          <a:noFill/>
+        </p:spPr>
+        <p:txBody>
+          <a:bodyPr wrap="square" rtlCol="0">
+            <a:spAutoFit/>
+          </a:bodyPr>
           <a:lstStyle/>
           <a:p>
-            <a:r>
-              <a:rPr lang="zh-TW" altLang="en-US" dirty="0"/>
-              <a:t>成果展示</a:t>
+            <a:pPr marL="285750" indent="-285750">
+              <a:buFont typeface="Arial" panose="020B0604020202020204" pitchFamily="34" charset="0"/>
+              <a:buChar char="•"/>
+            </a:pPr>
+            <a:r>
+              <a:rPr lang="zh-TW" altLang="en-US" dirty="0">
+                <a:latin typeface="標楷體" panose="03000509000000000000" pitchFamily="65" charset="-120"/>
+                <a:ea typeface="標楷體" panose="03000509000000000000" pitchFamily="65" charset="-120"/>
+              </a:rPr>
+              <a:t>利用左方程式把圖片轉為</a:t>
+            </a:r>
+            <a:r>
+              <a:rPr lang="en-US" altLang="zh-TW" dirty="0">
+                <a:latin typeface="Times New Roman" panose="02020603050405020304" pitchFamily="18" charset="0"/>
+                <a:ea typeface="標楷體" panose="03000509000000000000" pitchFamily="65" charset="-120"/>
+                <a:cs typeface="Times New Roman" panose="02020603050405020304" pitchFamily="18" charset="0"/>
+              </a:rPr>
+              <a:t>coe</a:t>
+            </a:r>
+            <a:r>
+              <a:rPr lang="zh-TW" altLang="en-US" dirty="0">
+                <a:latin typeface="標楷體" panose="03000509000000000000" pitchFamily="65" charset="-120"/>
+                <a:ea typeface="標楷體" panose="03000509000000000000" pitchFamily="65" charset="-120"/>
+              </a:rPr>
+              <a:t>檔</a:t>
+            </a:r>
+            <a:endParaRPr lang="en-US" altLang="zh-TW" dirty="0">
+              <a:latin typeface="標楷體" panose="03000509000000000000" pitchFamily="65" charset="-120"/>
+              <a:ea typeface="標楷體" panose="03000509000000000000" pitchFamily="65" charset="-120"/>
+            </a:endParaRPr>
+          </a:p>
+          <a:p>
+            <a:pPr marL="285750" indent="-285750">
+              <a:buFont typeface="Arial" panose="020B0604020202020204" pitchFamily="34" charset="0"/>
+              <a:buChar char="•"/>
+            </a:pPr>
+            <a:r>
+              <a:rPr lang="zh-TW" altLang="en-US" dirty="0">
+                <a:latin typeface="標楷體" panose="03000509000000000000" pitchFamily="65" charset="-120"/>
+                <a:ea typeface="標楷體" panose="03000509000000000000" pitchFamily="65" charset="-120"/>
+              </a:rPr>
+              <a:t>大小為</a:t>
+            </a:r>
+            <a:r>
+              <a:rPr lang="en-US" altLang="zh-TW" dirty="0">
+                <a:latin typeface="標楷體" panose="03000509000000000000" pitchFamily="65" charset="-120"/>
+                <a:ea typeface="標楷體" panose="03000509000000000000" pitchFamily="65" charset="-120"/>
+              </a:rPr>
+              <a:t>320*240=76800</a:t>
             </a:r>
           </a:p>
         </p:txBody>
@@ -8628,7 +7577,7 @@
     </p:spTree>
     <p:extLst>
       <p:ext uri="{BB962C8B-B14F-4D97-AF65-F5344CB8AC3E}">
-        <p14:creationId xmlns:p14="http://schemas.microsoft.com/office/powerpoint/2010/main" val="3112593289"/>
+        <p14:creationId xmlns:p14="http://schemas.microsoft.com/office/powerpoint/2010/main" val="109475956"/>
       </p:ext>
     </p:extLst>
   </p:cSld>
@@ -8655,37 +7604,46 @@
           <a:chExt cx="0" cy="0"/>
         </a:xfrm>
       </p:grpSpPr>
-      <p:sp>
-        <p:nvSpPr>
-          <p:cNvPr id="2" name="內容版面配置區 1">
+      <p:pic>
+        <p:nvPicPr>
+          <p:cNvPr id="5" name="內容版面配置區 4">
             <a:extLst>
               <a:ext uri="{FF2B5EF4-FFF2-40B4-BE49-F238E27FC236}">
-                <a16:creationId xmlns:a16="http://schemas.microsoft.com/office/drawing/2014/main" id="{335BCFC2-D6A4-8E88-368B-264352FD369B}"/>
+                <a16:creationId xmlns:a16="http://schemas.microsoft.com/office/drawing/2014/main" id="{9C63217B-6480-4B52-AE88-89041BB2D235}"/>
               </a:ext>
             </a:extLst>
           </p:cNvPr>
-          <p:cNvSpPr>
-            <a:spLocks noGrp="1"/>
-          </p:cNvSpPr>
+          <p:cNvPicPr>
+            <a:picLocks noGrp="1" noChangeAspect="1"/>
+          </p:cNvPicPr>
           <p:nvPr>
             <p:ph idx="1"/>
           </p:nvPr>
-        </p:nvSpPr>
-        <p:spPr/>
-        <p:txBody>
-          <a:bodyPr/>
-          <a:lstStyle/>
-          <a:p>
-            <a:endParaRPr lang="zh-TW" altLang="en-US"/>
-          </a:p>
-        </p:txBody>
-      </p:sp>
+        </p:nvPicPr>
+        <p:blipFill>
+          <a:blip r:embed="rId2"/>
+          <a:stretch>
+            <a:fillRect/>
+          </a:stretch>
+        </p:blipFill>
+        <p:spPr>
+          <a:xfrm>
+            <a:off x="850641" y="1239000"/>
+            <a:ext cx="2896004" cy="3419952"/>
+          </a:xfrm>
+          <a:ln w="19050">
+            <a:solidFill>
+              <a:srgbClr val="FF0000"/>
+            </a:solidFill>
+          </a:ln>
+        </p:spPr>
+      </p:pic>
       <p:sp>
         <p:nvSpPr>
           <p:cNvPr id="3" name="標題 2">
             <a:extLst>
               <a:ext uri="{FF2B5EF4-FFF2-40B4-BE49-F238E27FC236}">
-                <a16:creationId xmlns:a16="http://schemas.microsoft.com/office/drawing/2014/main" id="{A46F6C04-239D-5E91-4872-A9C11D1FC420}"/>
+                <a16:creationId xmlns:a16="http://schemas.microsoft.com/office/drawing/2014/main" id="{B7C08FB2-F573-4024-3D4A-F7CA358362BA}"/>
               </a:ext>
             </a:extLst>
           </p:cNvPr>
@@ -8703,28 +7661,143 @@
           <a:p>
             <a:r>
               <a:rPr lang="zh-TW" altLang="en-US" dirty="0"/>
-              <a:t>把球變成圖片</a:t>
+              <a:t>把球改成</a:t>
             </a:r>
             <a:r>
               <a:rPr lang="en-US" altLang="zh-TW" dirty="0"/>
-              <a:t>(</a:t>
-            </a:r>
-            <a:r>
-              <a:rPr lang="en-US" altLang="zh-TW" dirty="0" err="1"/>
               <a:t>bram</a:t>
             </a:r>
-            <a:r>
-              <a:rPr lang="en-US" altLang="zh-TW" dirty="0"/>
-              <a:t>)</a:t>
-            </a:r>
             <a:endParaRPr lang="zh-TW" altLang="en-US" dirty="0"/>
+          </a:p>
+        </p:txBody>
+      </p:sp>
+      <p:pic>
+        <p:nvPicPr>
+          <p:cNvPr id="7" name="圖片 6">
+            <a:extLst>
+              <a:ext uri="{FF2B5EF4-FFF2-40B4-BE49-F238E27FC236}">
+                <a16:creationId xmlns:a16="http://schemas.microsoft.com/office/drawing/2014/main" id="{2537F605-E51D-44AC-A137-E237DF034620}"/>
+              </a:ext>
+            </a:extLst>
+          </p:cNvPr>
+          <p:cNvPicPr>
+            <a:picLocks noChangeAspect="1"/>
+          </p:cNvPicPr>
+          <p:nvPr/>
+        </p:nvPicPr>
+        <p:blipFill>
+          <a:blip r:embed="rId3"/>
+          <a:stretch>
+            <a:fillRect/>
+          </a:stretch>
+        </p:blipFill>
+        <p:spPr>
+          <a:xfrm>
+            <a:off x="3968171" y="1239001"/>
+            <a:ext cx="3224473" cy="2785604"/>
+          </a:xfrm>
+          <a:prstGeom prst="rect">
+            <a:avLst/>
+          </a:prstGeom>
+          <a:ln w="19050">
+            <a:solidFill>
+              <a:srgbClr val="FF0000"/>
+            </a:solidFill>
+          </a:ln>
+        </p:spPr>
+      </p:pic>
+      <p:sp>
+        <p:nvSpPr>
+          <p:cNvPr id="8" name="文字方塊 7">
+            <a:extLst>
+              <a:ext uri="{FF2B5EF4-FFF2-40B4-BE49-F238E27FC236}">
+                <a16:creationId xmlns:a16="http://schemas.microsoft.com/office/drawing/2014/main" id="{643B9F12-5744-41E7-AA17-74E5BEF6D35A}"/>
+              </a:ext>
+            </a:extLst>
+          </p:cNvPr>
+          <p:cNvSpPr txBox="1"/>
+          <p:nvPr/>
+        </p:nvSpPr>
+        <p:spPr>
+          <a:xfrm>
+            <a:off x="7364514" y="1239000"/>
+            <a:ext cx="5357294" cy="646331"/>
+          </a:xfrm>
+          <a:prstGeom prst="rect">
+            <a:avLst/>
+          </a:prstGeom>
+          <a:noFill/>
+        </p:spPr>
+        <p:txBody>
+          <a:bodyPr wrap="square" rtlCol="0">
+            <a:spAutoFit/>
+          </a:bodyPr>
+          <a:lstStyle/>
+          <a:p>
+            <a:pPr marL="285750" indent="-285750">
+              <a:buFont typeface="Arial" panose="020B0604020202020204" pitchFamily="34" charset="0"/>
+              <a:buChar char="•"/>
+            </a:pPr>
+            <a:r>
+              <a:rPr lang="zh-TW" altLang="en-US" dirty="0">
+                <a:latin typeface="標楷體" panose="03000509000000000000" pitchFamily="65" charset="-120"/>
+                <a:ea typeface="標楷體" panose="03000509000000000000" pitchFamily="65" charset="-120"/>
+              </a:rPr>
+              <a:t>在</a:t>
+            </a:r>
+            <a:r>
+              <a:rPr lang="en-US" altLang="zh-TW" dirty="0">
+                <a:latin typeface="Times New Roman" panose="02020603050405020304" pitchFamily="18" charset="0"/>
+                <a:ea typeface="標楷體" panose="03000509000000000000" pitchFamily="65" charset="-120"/>
+                <a:cs typeface="Times New Roman" panose="02020603050405020304" pitchFamily="18" charset="0"/>
+              </a:rPr>
+              <a:t>vivado</a:t>
+            </a:r>
+            <a:r>
+              <a:rPr lang="zh-TW" altLang="en-US" dirty="0">
+                <a:latin typeface="Times New Roman" panose="02020603050405020304" pitchFamily="18" charset="0"/>
+                <a:ea typeface="標楷體" panose="03000509000000000000" pitchFamily="65" charset="-120"/>
+                <a:cs typeface="Times New Roman" panose="02020603050405020304" pitchFamily="18" charset="0"/>
+              </a:rPr>
+              <a:t>找到</a:t>
+            </a:r>
+            <a:r>
+              <a:rPr lang="en-US" altLang="zh-TW" dirty="0">
+                <a:latin typeface="Times New Roman" panose="02020603050405020304" pitchFamily="18" charset="0"/>
+                <a:ea typeface="標楷體" panose="03000509000000000000" pitchFamily="65" charset="-120"/>
+                <a:cs typeface="Times New Roman" panose="02020603050405020304" pitchFamily="18" charset="0"/>
+              </a:rPr>
+              <a:t>IP Catalog</a:t>
+            </a:r>
+          </a:p>
+          <a:p>
+            <a:pPr marL="285750" indent="-285750">
+              <a:buFont typeface="Arial" panose="020B0604020202020204" pitchFamily="34" charset="0"/>
+              <a:buChar char="•"/>
+            </a:pPr>
+            <a:r>
+              <a:rPr lang="zh-TW" altLang="en-US" dirty="0">
+                <a:latin typeface="Times New Roman" panose="02020603050405020304" pitchFamily="18" charset="0"/>
+                <a:ea typeface="標楷體" panose="03000509000000000000" pitchFamily="65" charset="-120"/>
+                <a:cs typeface="Times New Roman" panose="02020603050405020304" pitchFamily="18" charset="0"/>
+              </a:rPr>
+              <a:t>搜尋</a:t>
+            </a:r>
+            <a:r>
+              <a:rPr lang="en-US" altLang="zh-TW" dirty="0">
+                <a:latin typeface="Times New Roman" panose="02020603050405020304" pitchFamily="18" charset="0"/>
+                <a:ea typeface="標楷體" panose="03000509000000000000" pitchFamily="65" charset="-120"/>
+                <a:cs typeface="Times New Roman" panose="02020603050405020304" pitchFamily="18" charset="0"/>
+              </a:rPr>
+              <a:t>bram</a:t>
+            </a:r>
           </a:p>
         </p:txBody>
       </p:sp>
     </p:spTree>
     <p:extLst>
       <p:ext uri="{BB962C8B-B14F-4D97-AF65-F5344CB8AC3E}">
-        <p14:creationId xmlns:p14="http://schemas.microsoft.com/office/powerpoint/2010/main" val="989798309"/>
+        <p14:creationId xmlns:p14="http://schemas.microsoft.com/office/powerpoint/2010/main" val="1514396813"/>
       </p:ext>
     </p:extLst>
   </p:cSld>
@@ -8756,7 +7829,7 @@
           <p:cNvPr id="2" name="內容版面配置區 1">
             <a:extLst>
               <a:ext uri="{FF2B5EF4-FFF2-40B4-BE49-F238E27FC236}">
-                <a16:creationId xmlns:a16="http://schemas.microsoft.com/office/drawing/2014/main" id="{80D76811-0D57-3E1C-61C2-9A396AF33BA3}"/>
+                <a16:creationId xmlns:a16="http://schemas.microsoft.com/office/drawing/2014/main" id="{60DC0F5E-2A1B-2E4B-3021-EBECF5B14FE0}"/>
               </a:ext>
             </a:extLst>
           </p:cNvPr>
@@ -8769,10 +7842,21 @@
         </p:nvSpPr>
         <p:spPr/>
         <p:txBody>
-          <a:bodyPr/>
+          <a:bodyPr>
+            <a:normAutofit/>
+          </a:bodyPr>
           <a:lstStyle/>
           <a:p>
-            <a:endParaRPr lang="zh-TW" altLang="en-US"/>
+            <a:r>
+              <a:rPr lang="en-US" altLang="zh-TW" sz="1800" dirty="0"/>
+              <a:t>IP Catalog</a:t>
+            </a:r>
+          </a:p>
+          <a:p>
+            <a:pPr marL="0" indent="0">
+              <a:buNone/>
+            </a:pPr>
+            <a:endParaRPr lang="zh-TW" altLang="en-US" sz="4000" dirty="0"/>
           </a:p>
         </p:txBody>
       </p:sp>
@@ -8781,7 +7865,7 @@
           <p:cNvPr id="3" name="標題 2">
             <a:extLst>
               <a:ext uri="{FF2B5EF4-FFF2-40B4-BE49-F238E27FC236}">
-                <a16:creationId xmlns:a16="http://schemas.microsoft.com/office/drawing/2014/main" id="{D82C31BC-7F79-6971-2365-F71B9570079F}"/>
+                <a16:creationId xmlns:a16="http://schemas.microsoft.com/office/drawing/2014/main" id="{CD28EC48-6AA2-4334-E5BC-175D4826814F}"/>
               </a:ext>
             </a:extLst>
           </p:cNvPr>
@@ -8799,15 +7883,401 @@
           <a:p>
             <a:r>
               <a:rPr lang="zh-TW" altLang="en-US" dirty="0"/>
-              <a:t>成果展示</a:t>
-            </a:r>
+              <a:t>把球改成</a:t>
+            </a:r>
+            <a:r>
+              <a:rPr lang="en-US" altLang="zh-TW" dirty="0"/>
+              <a:t>bram</a:t>
+            </a:r>
+            <a:endParaRPr lang="zh-TW" altLang="en-US" dirty="0"/>
+          </a:p>
+        </p:txBody>
+      </p:sp>
+      <p:pic>
+        <p:nvPicPr>
+          <p:cNvPr id="5" name="圖片 4">
+            <a:extLst>
+              <a:ext uri="{FF2B5EF4-FFF2-40B4-BE49-F238E27FC236}">
+                <a16:creationId xmlns:a16="http://schemas.microsoft.com/office/drawing/2014/main" id="{1F2EA77E-1BB0-E70D-B07E-912A155635A1}"/>
+              </a:ext>
+            </a:extLst>
+          </p:cNvPr>
+          <p:cNvPicPr>
+            <a:picLocks noChangeAspect="1"/>
+          </p:cNvPicPr>
+          <p:nvPr/>
+        </p:nvPicPr>
+        <p:blipFill>
+          <a:blip r:embed="rId2">
+            <a:extLst>
+              <a:ext uri="{28A0092B-C50C-407E-A947-70E740481C1C}">
+                <a14:useLocalDpi xmlns:a14="http://schemas.microsoft.com/office/drawing/2010/main" val="0"/>
+              </a:ext>
+            </a:extLst>
+          </a:blip>
+          <a:stretch>
+            <a:fillRect/>
+          </a:stretch>
+        </p:blipFill>
+        <p:spPr>
+          <a:xfrm>
+            <a:off x="838200" y="1956736"/>
+            <a:ext cx="4142270" cy="1787950"/>
+          </a:xfrm>
+          <a:prstGeom prst="rect">
+            <a:avLst/>
+          </a:prstGeom>
+          <a:ln w="19050">
+            <a:solidFill>
+              <a:srgbClr val="FF0000"/>
+            </a:solidFill>
+          </a:ln>
+        </p:spPr>
+      </p:pic>
+      <p:pic>
+        <p:nvPicPr>
+          <p:cNvPr id="7" name="圖片 6">
+            <a:extLst>
+              <a:ext uri="{FF2B5EF4-FFF2-40B4-BE49-F238E27FC236}">
+                <a16:creationId xmlns:a16="http://schemas.microsoft.com/office/drawing/2014/main" id="{9428235F-9CE5-FDBC-9D2A-582BC807FA50}"/>
+              </a:ext>
+            </a:extLst>
+          </p:cNvPr>
+          <p:cNvPicPr>
+            <a:picLocks noChangeAspect="1"/>
+          </p:cNvPicPr>
+          <p:nvPr/>
+        </p:nvPicPr>
+        <p:blipFill>
+          <a:blip r:embed="rId3">
+            <a:extLst>
+              <a:ext uri="{28A0092B-C50C-407E-A947-70E740481C1C}">
+                <a14:useLocalDpi xmlns:a14="http://schemas.microsoft.com/office/drawing/2010/main" val="0"/>
+              </a:ext>
+            </a:extLst>
+          </a:blip>
+          <a:stretch>
+            <a:fillRect/>
+          </a:stretch>
+        </p:blipFill>
+        <p:spPr>
+          <a:xfrm>
+            <a:off x="5633919" y="2782527"/>
+            <a:ext cx="5591955" cy="962159"/>
+          </a:xfrm>
+          <a:prstGeom prst="rect">
+            <a:avLst/>
+          </a:prstGeom>
+          <a:ln w="19050">
+            <a:solidFill>
+              <a:srgbClr val="FF0000"/>
+            </a:solidFill>
+          </a:ln>
+        </p:spPr>
+      </p:pic>
+      <p:sp>
+        <p:nvSpPr>
+          <p:cNvPr id="8" name="文字方塊 7">
+            <a:extLst>
+              <a:ext uri="{FF2B5EF4-FFF2-40B4-BE49-F238E27FC236}">
+                <a16:creationId xmlns:a16="http://schemas.microsoft.com/office/drawing/2014/main" id="{622D4FE0-F0C7-76EE-266A-283F46EFB4B9}"/>
+              </a:ext>
+            </a:extLst>
+          </p:cNvPr>
+          <p:cNvSpPr txBox="1"/>
+          <p:nvPr/>
+        </p:nvSpPr>
+        <p:spPr>
+          <a:xfrm>
+            <a:off x="838200" y="3861411"/>
+            <a:ext cx="4395651" cy="646331"/>
+          </a:xfrm>
+          <a:prstGeom prst="rect">
+            <a:avLst/>
+          </a:prstGeom>
+          <a:noFill/>
+        </p:spPr>
+        <p:txBody>
+          <a:bodyPr wrap="square" rtlCol="0">
+            <a:spAutoFit/>
+          </a:bodyPr>
+          <a:lstStyle/>
+          <a:p>
+            <a:r>
+              <a:rPr lang="zh-TW" altLang="en-US" dirty="0">
+                <a:latin typeface="標楷體" panose="03000509000000000000" pitchFamily="65" charset="-120"/>
+                <a:ea typeface="標楷體" panose="03000509000000000000" pitchFamily="65" charset="-120"/>
+              </a:rPr>
+              <a:t>給定記憶體大小</a:t>
+            </a:r>
+            <a:endParaRPr lang="en-US" altLang="zh-TW" dirty="0">
+              <a:latin typeface="標楷體" panose="03000509000000000000" pitchFamily="65" charset="-120"/>
+              <a:ea typeface="標楷體" panose="03000509000000000000" pitchFamily="65" charset="-120"/>
+            </a:endParaRPr>
+          </a:p>
+          <a:p>
+            <a:r>
+              <a:rPr lang="en-US" altLang="zh-TW" dirty="0">
+                <a:latin typeface="標楷體" panose="03000509000000000000" pitchFamily="65" charset="-120"/>
+                <a:ea typeface="標楷體" panose="03000509000000000000" pitchFamily="65" charset="-120"/>
+              </a:rPr>
+              <a:t>ex:</a:t>
+            </a:r>
+            <a:r>
+              <a:rPr lang="zh-TW" altLang="en-US" dirty="0">
+                <a:latin typeface="標楷體" panose="03000509000000000000" pitchFamily="65" charset="-120"/>
+                <a:ea typeface="標楷體" panose="03000509000000000000" pitchFamily="65" charset="-120"/>
+              </a:rPr>
+              <a:t>寬度</a:t>
+            </a:r>
+            <a:r>
+              <a:rPr lang="en-US" altLang="zh-TW" dirty="0">
+                <a:latin typeface="Times New Roman" panose="02020603050405020304" pitchFamily="18" charset="0"/>
+                <a:ea typeface="標楷體" panose="03000509000000000000" pitchFamily="65" charset="-120"/>
+                <a:cs typeface="Times New Roman" panose="02020603050405020304" pitchFamily="18" charset="0"/>
+              </a:rPr>
+              <a:t>8bit</a:t>
+            </a:r>
+            <a:r>
+              <a:rPr lang="en-US" altLang="zh-TW" dirty="0">
+                <a:latin typeface="標楷體" panose="03000509000000000000" pitchFamily="65" charset="-120"/>
+                <a:ea typeface="標楷體" panose="03000509000000000000" pitchFamily="65" charset="-120"/>
+              </a:rPr>
+              <a:t>(255)</a:t>
+            </a:r>
+            <a:r>
+              <a:rPr lang="zh-TW" altLang="en-US" dirty="0">
+                <a:latin typeface="標楷體" panose="03000509000000000000" pitchFamily="65" charset="-120"/>
+                <a:ea typeface="標楷體" panose="03000509000000000000" pitchFamily="65" charset="-120"/>
+              </a:rPr>
+              <a:t>、深度</a:t>
+            </a:r>
+            <a:r>
+              <a:rPr lang="en-US" altLang="zh-TW" dirty="0">
+                <a:latin typeface="標楷體" panose="03000509000000000000" pitchFamily="65" charset="-120"/>
+                <a:ea typeface="標楷體" panose="03000509000000000000" pitchFamily="65" charset="-120"/>
+              </a:rPr>
+              <a:t>76800(320</a:t>
+            </a:r>
+            <a:r>
+              <a:rPr lang="zh-TW" altLang="en-US" dirty="0">
+                <a:latin typeface="標楷體" panose="03000509000000000000" pitchFamily="65" charset="-120"/>
+                <a:ea typeface="標楷體" panose="03000509000000000000" pitchFamily="65" charset="-120"/>
+              </a:rPr>
+              <a:t>*</a:t>
+            </a:r>
+            <a:r>
+              <a:rPr lang="en-US" altLang="zh-TW" dirty="0">
+                <a:latin typeface="標楷體" panose="03000509000000000000" pitchFamily="65" charset="-120"/>
+                <a:ea typeface="標楷體" panose="03000509000000000000" pitchFamily="65" charset="-120"/>
+              </a:rPr>
+              <a:t>240)</a:t>
+            </a:r>
+            <a:endParaRPr lang="zh-TW" altLang="en-US" dirty="0">
+              <a:latin typeface="標楷體" panose="03000509000000000000" pitchFamily="65" charset="-120"/>
+              <a:ea typeface="標楷體" panose="03000509000000000000" pitchFamily="65" charset="-120"/>
+            </a:endParaRPr>
+          </a:p>
+        </p:txBody>
+      </p:sp>
+      <p:sp>
+        <p:nvSpPr>
+          <p:cNvPr id="9" name="文字方塊 8">
+            <a:extLst>
+              <a:ext uri="{FF2B5EF4-FFF2-40B4-BE49-F238E27FC236}">
+                <a16:creationId xmlns:a16="http://schemas.microsoft.com/office/drawing/2014/main" id="{2B656ACE-54AE-2625-5C07-B99FD60C66FC}"/>
+              </a:ext>
+            </a:extLst>
+          </p:cNvPr>
+          <p:cNvSpPr txBox="1"/>
+          <p:nvPr/>
+        </p:nvSpPr>
+        <p:spPr>
+          <a:xfrm>
+            <a:off x="5562600" y="3861411"/>
+            <a:ext cx="4395651" cy="369332"/>
+          </a:xfrm>
+          <a:prstGeom prst="rect">
+            <a:avLst/>
+          </a:prstGeom>
+          <a:noFill/>
+        </p:spPr>
+        <p:txBody>
+          <a:bodyPr wrap="square" rtlCol="0">
+            <a:spAutoFit/>
+          </a:bodyPr>
+          <a:lstStyle/>
+          <a:p>
+            <a:r>
+              <a:rPr lang="zh-TW" altLang="en-US" dirty="0">
+                <a:latin typeface="標楷體" panose="03000509000000000000" pitchFamily="65" charset="-120"/>
+                <a:ea typeface="標楷體" panose="03000509000000000000" pitchFamily="65" charset="-120"/>
+              </a:rPr>
+              <a:t>將</a:t>
+            </a:r>
+            <a:r>
+              <a:rPr lang="en-US" altLang="zh-TW" dirty="0" err="1">
+                <a:latin typeface="Times New Roman" panose="02020603050405020304" pitchFamily="18" charset="0"/>
+                <a:ea typeface="標楷體" panose="03000509000000000000" pitchFamily="65" charset="-120"/>
+                <a:cs typeface="Times New Roman" panose="02020603050405020304" pitchFamily="18" charset="0"/>
+              </a:rPr>
+              <a:t>coe</a:t>
+            </a:r>
+            <a:r>
+              <a:rPr lang="zh-TW" altLang="en-US" dirty="0">
+                <a:latin typeface="標楷體" panose="03000509000000000000" pitchFamily="65" charset="-120"/>
+                <a:ea typeface="標楷體" panose="03000509000000000000" pitchFamily="65" charset="-120"/>
+              </a:rPr>
+              <a:t>檔上傳到記憶體</a:t>
+            </a:r>
+          </a:p>
+        </p:txBody>
+      </p:sp>
+      <p:sp>
+        <p:nvSpPr>
+          <p:cNvPr id="10" name="箭號: 向右 9">
+            <a:extLst>
+              <a:ext uri="{FF2B5EF4-FFF2-40B4-BE49-F238E27FC236}">
+                <a16:creationId xmlns:a16="http://schemas.microsoft.com/office/drawing/2014/main" id="{5D026E1D-044B-FC81-9253-3DEBA3B6DD65}"/>
+              </a:ext>
+            </a:extLst>
+          </p:cNvPr>
+          <p:cNvSpPr/>
+          <p:nvPr/>
+        </p:nvSpPr>
+        <p:spPr>
+          <a:xfrm>
+            <a:off x="5773783" y="4876800"/>
+            <a:ext cx="984068" cy="448563"/>
+          </a:xfrm>
+          <a:prstGeom prst="rightArrow">
+            <a:avLst/>
+          </a:prstGeom>
+          <a:solidFill>
+            <a:srgbClr val="FF0000"/>
+          </a:solidFill>
+        </p:spPr>
+        <p:style>
+          <a:lnRef idx="2">
+            <a:schemeClr val="accent1">
+              <a:shade val="15000"/>
+            </a:schemeClr>
+          </a:lnRef>
+          <a:fillRef idx="1">
+            <a:schemeClr val="accent1"/>
+          </a:fillRef>
+          <a:effectRef idx="0">
+            <a:schemeClr val="accent1"/>
+          </a:effectRef>
+          <a:fontRef idx="minor">
+            <a:schemeClr val="lt1"/>
+          </a:fontRef>
+        </p:style>
+        <p:txBody>
+          <a:bodyPr rtlCol="0" anchor="ctr"/>
+          <a:lstStyle/>
+          <a:p>
+            <a:pPr algn="ctr"/>
+            <a:endParaRPr lang="zh-TW" altLang="en-US"/>
+          </a:p>
+        </p:txBody>
+      </p:sp>
+      <p:pic>
+        <p:nvPicPr>
+          <p:cNvPr id="12" name="圖片 11">
+            <a:extLst>
+              <a:ext uri="{FF2B5EF4-FFF2-40B4-BE49-F238E27FC236}">
+                <a16:creationId xmlns:a16="http://schemas.microsoft.com/office/drawing/2014/main" id="{5AE6300B-00E4-5F7A-60DE-ADCFA3A0998A}"/>
+              </a:ext>
+            </a:extLst>
+          </p:cNvPr>
+          <p:cNvPicPr>
+            <a:picLocks noChangeAspect="1"/>
+          </p:cNvPicPr>
+          <p:nvPr/>
+        </p:nvPicPr>
+        <p:blipFill>
+          <a:blip r:embed="rId4">
+            <a:extLst>
+              <a:ext uri="{28A0092B-C50C-407E-A947-70E740481C1C}">
+                <a14:useLocalDpi xmlns:a14="http://schemas.microsoft.com/office/drawing/2010/main" val="0"/>
+              </a:ext>
+            </a:extLst>
+          </a:blip>
+          <a:stretch>
+            <a:fillRect/>
+          </a:stretch>
+        </p:blipFill>
+        <p:spPr>
+          <a:xfrm>
+            <a:off x="6903331" y="4571466"/>
+            <a:ext cx="3610479" cy="933580"/>
+          </a:xfrm>
+          <a:prstGeom prst="rect">
+            <a:avLst/>
+          </a:prstGeom>
+          <a:ln w="19050">
+            <a:solidFill>
+              <a:srgbClr val="FF0000"/>
+            </a:solidFill>
+          </a:ln>
+        </p:spPr>
+      </p:pic>
+      <p:sp>
+        <p:nvSpPr>
+          <p:cNvPr id="13" name="文字方塊 12">
+            <a:extLst>
+              <a:ext uri="{FF2B5EF4-FFF2-40B4-BE49-F238E27FC236}">
+                <a16:creationId xmlns:a16="http://schemas.microsoft.com/office/drawing/2014/main" id="{CF0754A9-2AB9-A54A-D494-6E26FE7EF1CA}"/>
+              </a:ext>
+            </a:extLst>
+          </p:cNvPr>
+          <p:cNvSpPr txBox="1"/>
+          <p:nvPr/>
+        </p:nvSpPr>
+        <p:spPr>
+          <a:xfrm>
+            <a:off x="5633919" y="5286818"/>
+            <a:ext cx="4395651" cy="369332"/>
+          </a:xfrm>
+          <a:prstGeom prst="rect">
+            <a:avLst/>
+          </a:prstGeom>
+          <a:noFill/>
+        </p:spPr>
+        <p:txBody>
+          <a:bodyPr wrap="square" rtlCol="0">
+            <a:spAutoFit/>
+          </a:bodyPr>
+          <a:lstStyle/>
+          <a:p>
+            <a:r>
+              <a:rPr lang="zh-TW" altLang="en-US" dirty="0">
+                <a:latin typeface="標楷體" panose="03000509000000000000" pitchFamily="65" charset="-120"/>
+                <a:ea typeface="標楷體" panose="03000509000000000000" pitchFamily="65" charset="-120"/>
+              </a:rPr>
+              <a:t>產生</a:t>
+            </a:r>
+            <a:r>
+              <a:rPr lang="en-US" altLang="zh-TW" dirty="0" err="1">
+                <a:latin typeface="Times New Roman" panose="02020603050405020304" pitchFamily="18" charset="0"/>
+                <a:ea typeface="標楷體" panose="03000509000000000000" pitchFamily="65" charset="-120"/>
+                <a:cs typeface="Times New Roman" panose="02020603050405020304" pitchFamily="18" charset="0"/>
+              </a:rPr>
+              <a:t>vhd</a:t>
+            </a:r>
+            <a:endParaRPr lang="zh-TW" altLang="en-US" dirty="0">
+              <a:latin typeface="Times New Roman" panose="02020603050405020304" pitchFamily="18" charset="0"/>
+              <a:ea typeface="標楷體" panose="03000509000000000000" pitchFamily="65" charset="-120"/>
+              <a:cs typeface="Times New Roman" panose="02020603050405020304" pitchFamily="18" charset="0"/>
+            </a:endParaRPr>
           </a:p>
         </p:txBody>
       </p:sp>
     </p:spTree>
     <p:extLst>
       <p:ext uri="{BB962C8B-B14F-4D97-AF65-F5344CB8AC3E}">
-        <p14:creationId xmlns:p14="http://schemas.microsoft.com/office/powerpoint/2010/main" val="1219181885"/>
+        <p14:creationId xmlns:p14="http://schemas.microsoft.com/office/powerpoint/2010/main" val="648695264"/>
       </p:ext>
     </p:extLst>
   </p:cSld>

--- a/HW5/HW5-2 顯示乒乓球及(球改成圖片bouns)/HW5-2 顯示乒乓球(及球改成圖片bouns).pptx
+++ b/HW5/HW5-2 顯示乒乓球及(球改成圖片bouns)/HW5-2 顯示乒乓球(及球改成圖片bouns).pptx
@@ -7457,12 +7457,93 @@
           </a:p>
         </p:txBody>
       </p:sp>
+      <p:sp>
+        <p:nvSpPr>
+          <p:cNvPr id="6" name="文字方塊 5">
+            <a:extLst>
+              <a:ext uri="{FF2B5EF4-FFF2-40B4-BE49-F238E27FC236}">
+                <a16:creationId xmlns:a16="http://schemas.microsoft.com/office/drawing/2014/main" id="{2AF365BB-C4A8-4D3E-A183-171C15D24A3E}"/>
+              </a:ext>
+            </a:extLst>
+          </p:cNvPr>
+          <p:cNvSpPr txBox="1"/>
+          <p:nvPr/>
+        </p:nvSpPr>
+        <p:spPr>
+          <a:xfrm>
+            <a:off x="7738189" y="1291963"/>
+            <a:ext cx="3615612" cy="646331"/>
+          </a:xfrm>
+          <a:prstGeom prst="rect">
+            <a:avLst/>
+          </a:prstGeom>
+          <a:noFill/>
+        </p:spPr>
+        <p:txBody>
+          <a:bodyPr wrap="square" rtlCol="0">
+            <a:spAutoFit/>
+          </a:bodyPr>
+          <a:lstStyle/>
+          <a:p>
+            <a:pPr marL="285750" indent="-285750">
+              <a:buFont typeface="Arial" panose="020B0604020202020204" pitchFamily="34" charset="0"/>
+              <a:buChar char="•"/>
+            </a:pPr>
+            <a:r>
+              <a:rPr lang="zh-TW" altLang="en-US" dirty="0">
+                <a:latin typeface="標楷體" panose="03000509000000000000" pitchFamily="65" charset="-120"/>
+                <a:ea typeface="標楷體" panose="03000509000000000000" pitchFamily="65" charset="-120"/>
+              </a:rPr>
+              <a:t>利用左方程式把圖片轉為</a:t>
+            </a:r>
+            <a:r>
+              <a:rPr lang="en-US" altLang="zh-TW" dirty="0">
+                <a:latin typeface="Times New Roman" panose="02020603050405020304" pitchFamily="18" charset="0"/>
+                <a:ea typeface="標楷體" panose="03000509000000000000" pitchFamily="65" charset="-120"/>
+                <a:cs typeface="Times New Roman" panose="02020603050405020304" pitchFamily="18" charset="0"/>
+              </a:rPr>
+              <a:t>coe</a:t>
+            </a:r>
+            <a:r>
+              <a:rPr lang="zh-TW" altLang="en-US" dirty="0">
+                <a:latin typeface="標楷體" panose="03000509000000000000" pitchFamily="65" charset="-120"/>
+                <a:ea typeface="標楷體" panose="03000509000000000000" pitchFamily="65" charset="-120"/>
+              </a:rPr>
+              <a:t>檔</a:t>
+            </a:r>
+            <a:endParaRPr lang="en-US" altLang="zh-TW" dirty="0">
+              <a:latin typeface="標楷體" panose="03000509000000000000" pitchFamily="65" charset="-120"/>
+              <a:ea typeface="標楷體" panose="03000509000000000000" pitchFamily="65" charset="-120"/>
+            </a:endParaRPr>
+          </a:p>
+          <a:p>
+            <a:pPr marL="285750" indent="-285750">
+              <a:buFont typeface="Arial" panose="020B0604020202020204" pitchFamily="34" charset="0"/>
+              <a:buChar char="•"/>
+            </a:pPr>
+            <a:r>
+              <a:rPr lang="zh-TW" altLang="en-US" dirty="0">
+                <a:latin typeface="標楷體" panose="03000509000000000000" pitchFamily="65" charset="-120"/>
+                <a:ea typeface="標楷體" panose="03000509000000000000" pitchFamily="65" charset="-120"/>
+              </a:rPr>
+              <a:t>大小為</a:t>
+            </a:r>
+            <a:r>
+              <a:rPr lang="en-US" altLang="zh-TW" dirty="0">
+                <a:latin typeface="標楷體" panose="03000509000000000000" pitchFamily="65" charset="-120"/>
+                <a:ea typeface="標楷體" panose="03000509000000000000" pitchFamily="65" charset="-120"/>
+              </a:rPr>
+              <a:t>320*240=76800</a:t>
+            </a:r>
+          </a:p>
+        </p:txBody>
+      </p:sp>
       <p:pic>
         <p:nvPicPr>
-          <p:cNvPr id="5" name="圖片 4">
+          <p:cNvPr id="4" name="圖片 3">
             <a:extLst>
               <a:ext uri="{FF2B5EF4-FFF2-40B4-BE49-F238E27FC236}">
-                <a16:creationId xmlns:a16="http://schemas.microsoft.com/office/drawing/2014/main" id="{BBA24B43-F03B-318D-8A7A-747AB11D51EB}"/>
+                <a16:creationId xmlns:a16="http://schemas.microsoft.com/office/drawing/2014/main" id="{743850CE-57AE-4DC0-B902-F6F7A228836B}"/>
               </a:ext>
             </a:extLst>
           </p:cNvPr>
@@ -7485,95 +7566,14 @@
         </p:blipFill>
         <p:spPr>
           <a:xfrm>
-            <a:off x="838200" y="1229759"/>
-            <a:ext cx="5080035" cy="4223068"/>
+            <a:off x="838200" y="1235365"/>
+            <a:ext cx="6828996" cy="4387270"/>
           </a:xfrm>
           <a:prstGeom prst="rect">
             <a:avLst/>
           </a:prstGeom>
         </p:spPr>
       </p:pic>
-      <p:sp>
-        <p:nvSpPr>
-          <p:cNvPr id="6" name="文字方塊 5">
-            <a:extLst>
-              <a:ext uri="{FF2B5EF4-FFF2-40B4-BE49-F238E27FC236}">
-                <a16:creationId xmlns:a16="http://schemas.microsoft.com/office/drawing/2014/main" id="{2AF365BB-C4A8-4D3E-A183-171C15D24A3E}"/>
-              </a:ext>
-            </a:extLst>
-          </p:cNvPr>
-          <p:cNvSpPr txBox="1"/>
-          <p:nvPr/>
-        </p:nvSpPr>
-        <p:spPr>
-          <a:xfrm>
-            <a:off x="5996506" y="1229759"/>
-            <a:ext cx="5357294" cy="646331"/>
-          </a:xfrm>
-          <a:prstGeom prst="rect">
-            <a:avLst/>
-          </a:prstGeom>
-          <a:noFill/>
-        </p:spPr>
-        <p:txBody>
-          <a:bodyPr wrap="square" rtlCol="0">
-            <a:spAutoFit/>
-          </a:bodyPr>
-          <a:lstStyle/>
-          <a:p>
-            <a:pPr marL="285750" indent="-285750">
-              <a:buFont typeface="Arial" panose="020B0604020202020204" pitchFamily="34" charset="0"/>
-              <a:buChar char="•"/>
-            </a:pPr>
-            <a:r>
-              <a:rPr lang="zh-TW" altLang="en-US" dirty="0">
-                <a:latin typeface="標楷體" panose="03000509000000000000" pitchFamily="65" charset="-120"/>
-                <a:ea typeface="標楷體" panose="03000509000000000000" pitchFamily="65" charset="-120"/>
-              </a:rPr>
-              <a:t>利用左方程式把圖片轉為</a:t>
-            </a:r>
-            <a:r>
-              <a:rPr lang="en-US" altLang="zh-TW" dirty="0">
-                <a:latin typeface="Times New Roman" panose="02020603050405020304" pitchFamily="18" charset="0"/>
-                <a:ea typeface="標楷體" panose="03000509000000000000" pitchFamily="65" charset="-120"/>
-                <a:cs typeface="Times New Roman" panose="02020603050405020304" pitchFamily="18" charset="0"/>
-              </a:rPr>
-              <a:t>coe</a:t>
-            </a:r>
-            <a:r>
-              <a:rPr lang="zh-TW" altLang="en-US" dirty="0">
-                <a:latin typeface="標楷體" panose="03000509000000000000" pitchFamily="65" charset="-120"/>
-                <a:ea typeface="標楷體" panose="03000509000000000000" pitchFamily="65" charset="-120"/>
-              </a:rPr>
-              <a:t>檔</a:t>
-            </a:r>
-            <a:endParaRPr lang="en-US" altLang="zh-TW" dirty="0">
-              <a:latin typeface="標楷體" panose="03000509000000000000" pitchFamily="65" charset="-120"/>
-              <a:ea typeface="標楷體" panose="03000509000000000000" pitchFamily="65" charset="-120"/>
-            </a:endParaRPr>
-          </a:p>
-          <a:p>
-            <a:pPr marL="285750" indent="-285750">
-              <a:buFont typeface="Arial" panose="020B0604020202020204" pitchFamily="34" charset="0"/>
-              <a:buChar char="•"/>
-            </a:pPr>
-            <a:r>
-              <a:rPr lang="zh-TW" altLang="en-US" dirty="0">
-                <a:latin typeface="標楷體" panose="03000509000000000000" pitchFamily="65" charset="-120"/>
-                <a:ea typeface="標楷體" panose="03000509000000000000" pitchFamily="65" charset="-120"/>
-              </a:rPr>
-              <a:t>大小為</a:t>
-            </a:r>
-            <a:r>
-              <a:rPr lang="en-US" altLang="zh-TW" dirty="0">
-                <a:latin typeface="標楷體" panose="03000509000000000000" pitchFamily="65" charset="-120"/>
-                <a:ea typeface="標楷體" panose="03000509000000000000" pitchFamily="65" charset="-120"/>
-              </a:rPr>
-              <a:t>320*240=76800</a:t>
-            </a:r>
-          </a:p>
-        </p:txBody>
-      </p:sp>
     </p:spTree>
     <p:extLst>
       <p:ext uri="{BB962C8B-B14F-4D97-AF65-F5344CB8AC3E}">
